--- a/courses/cse545/slides/07-vulns-3.pptx
+++ b/courses/cse545/slides/07-vulns-3.pptx
@@ -5,46 +5,49 @@
     <p:sldMasterId id="2147483660" r:id="rId1"/>
   </p:sldMasterIdLst>
   <p:notesMasterIdLst>
-    <p:notesMasterId r:id="rId39"/>
+    <p:notesMasterId r:id="rId42"/>
   </p:notesMasterIdLst>
   <p:sldIdLst>
     <p:sldId id="257" r:id="rId2"/>
-    <p:sldId id="456" r:id="rId3"/>
-    <p:sldId id="459" r:id="rId4"/>
-    <p:sldId id="469" r:id="rId5"/>
-    <p:sldId id="525" r:id="rId6"/>
-    <p:sldId id="526" r:id="rId7"/>
-    <p:sldId id="527" r:id="rId8"/>
-    <p:sldId id="528" r:id="rId9"/>
-    <p:sldId id="529" r:id="rId10"/>
-    <p:sldId id="532" r:id="rId11"/>
-    <p:sldId id="534" r:id="rId12"/>
-    <p:sldId id="535" r:id="rId13"/>
-    <p:sldId id="536" r:id="rId14"/>
-    <p:sldId id="537" r:id="rId15"/>
-    <p:sldId id="539" r:id="rId16"/>
-    <p:sldId id="541" r:id="rId17"/>
-    <p:sldId id="542" r:id="rId18"/>
-    <p:sldId id="543" r:id="rId19"/>
-    <p:sldId id="565" r:id="rId20"/>
-    <p:sldId id="567" r:id="rId21"/>
-    <p:sldId id="566" r:id="rId22"/>
-    <p:sldId id="569" r:id="rId23"/>
-    <p:sldId id="545" r:id="rId24"/>
-    <p:sldId id="547" r:id="rId25"/>
-    <p:sldId id="546" r:id="rId26"/>
-    <p:sldId id="548" r:id="rId27"/>
-    <p:sldId id="549" r:id="rId28"/>
-    <p:sldId id="550" r:id="rId29"/>
-    <p:sldId id="551" r:id="rId30"/>
-    <p:sldId id="555" r:id="rId31"/>
-    <p:sldId id="553" r:id="rId32"/>
-    <p:sldId id="557" r:id="rId33"/>
-    <p:sldId id="558" r:id="rId34"/>
-    <p:sldId id="560" r:id="rId35"/>
-    <p:sldId id="561" r:id="rId36"/>
-    <p:sldId id="564" r:id="rId37"/>
-    <p:sldId id="568" r:id="rId38"/>
+    <p:sldId id="523" r:id="rId3"/>
+    <p:sldId id="524" r:id="rId4"/>
+    <p:sldId id="522" r:id="rId5"/>
+    <p:sldId id="456" r:id="rId6"/>
+    <p:sldId id="459" r:id="rId7"/>
+    <p:sldId id="469" r:id="rId8"/>
+    <p:sldId id="525" r:id="rId9"/>
+    <p:sldId id="526" r:id="rId10"/>
+    <p:sldId id="527" r:id="rId11"/>
+    <p:sldId id="528" r:id="rId12"/>
+    <p:sldId id="529" r:id="rId13"/>
+    <p:sldId id="532" r:id="rId14"/>
+    <p:sldId id="534" r:id="rId15"/>
+    <p:sldId id="535" r:id="rId16"/>
+    <p:sldId id="536" r:id="rId17"/>
+    <p:sldId id="537" r:id="rId18"/>
+    <p:sldId id="539" r:id="rId19"/>
+    <p:sldId id="541" r:id="rId20"/>
+    <p:sldId id="542" r:id="rId21"/>
+    <p:sldId id="543" r:id="rId22"/>
+    <p:sldId id="565" r:id="rId23"/>
+    <p:sldId id="567" r:id="rId24"/>
+    <p:sldId id="566" r:id="rId25"/>
+    <p:sldId id="569" r:id="rId26"/>
+    <p:sldId id="545" r:id="rId27"/>
+    <p:sldId id="547" r:id="rId28"/>
+    <p:sldId id="546" r:id="rId29"/>
+    <p:sldId id="548" r:id="rId30"/>
+    <p:sldId id="549" r:id="rId31"/>
+    <p:sldId id="550" r:id="rId32"/>
+    <p:sldId id="551" r:id="rId33"/>
+    <p:sldId id="555" r:id="rId34"/>
+    <p:sldId id="553" r:id="rId35"/>
+    <p:sldId id="557" r:id="rId36"/>
+    <p:sldId id="558" r:id="rId37"/>
+    <p:sldId id="560" r:id="rId38"/>
+    <p:sldId id="561" r:id="rId39"/>
+    <p:sldId id="564" r:id="rId40"/>
+    <p:sldId id="568" r:id="rId41"/>
   </p:sldIdLst>
   <p:sldSz cx="12192000" cy="6858000"/>
   <p:notesSz cx="6858000" cy="9144000"/>
@@ -367,7 +370,7 @@
           <a:p>
             <a:fld id="{F3AB0295-79D2-9643-8380-6C60B57E0778}" type="datetimeFigureOut">
               <a:rPr lang="en-US" smtClean="0"/>
-              <a:t>10/1/20</a:t>
+              <a:t>10/8/20</a:t>
             </a:fld>
             <a:endParaRPr lang="en-US"/>
           </a:p>
@@ -827,7 +830,7 @@
           <a:p>
             <a:fld id="{F88513B2-5834-7F44-92C6-32D9C72F6072}" type="slidenum">
               <a:rPr lang="en-US" smtClean="0"/>
-              <a:t>14</a:t>
+              <a:t>16</a:t>
             </a:fld>
             <a:endParaRPr lang="en-US"/>
           </a:p>
@@ -836,7 +839,7 @@
     </p:spTree>
     <p:extLst>
       <p:ext uri="{BB962C8B-B14F-4D97-AF65-F5344CB8AC3E}">
-        <p14:creationId xmlns:p14="http://schemas.microsoft.com/office/powerpoint/2010/main" val="452506114"/>
+        <p14:creationId xmlns:p14="http://schemas.microsoft.com/office/powerpoint/2010/main" val="3018619259"/>
       </p:ext>
     </p:extLst>
   </p:cSld>
@@ -911,7 +914,7 @@
           <a:p>
             <a:fld id="{F88513B2-5834-7F44-92C6-32D9C72F6072}" type="slidenum">
               <a:rPr lang="en-US" smtClean="0"/>
-              <a:t>15</a:t>
+              <a:t>17</a:t>
             </a:fld>
             <a:endParaRPr lang="en-US"/>
           </a:p>
@@ -920,7 +923,7 @@
     </p:spTree>
     <p:extLst>
       <p:ext uri="{BB962C8B-B14F-4D97-AF65-F5344CB8AC3E}">
-        <p14:creationId xmlns:p14="http://schemas.microsoft.com/office/powerpoint/2010/main" val="61964733"/>
+        <p14:creationId xmlns:p14="http://schemas.microsoft.com/office/powerpoint/2010/main" val="452506114"/>
       </p:ext>
     </p:extLst>
   </p:cSld>
@@ -995,7 +998,7 @@
           <a:p>
             <a:fld id="{F88513B2-5834-7F44-92C6-32D9C72F6072}" type="slidenum">
               <a:rPr lang="en-US" smtClean="0"/>
-              <a:t>16</a:t>
+              <a:t>18</a:t>
             </a:fld>
             <a:endParaRPr lang="en-US"/>
           </a:p>
@@ -1004,7 +1007,7 @@
     </p:spTree>
     <p:extLst>
       <p:ext uri="{BB962C8B-B14F-4D97-AF65-F5344CB8AC3E}">
-        <p14:creationId xmlns:p14="http://schemas.microsoft.com/office/powerpoint/2010/main" val="2732858208"/>
+        <p14:creationId xmlns:p14="http://schemas.microsoft.com/office/powerpoint/2010/main" val="61964733"/>
       </p:ext>
     </p:extLst>
   </p:cSld>
@@ -1079,7 +1082,7 @@
           <a:p>
             <a:fld id="{F88513B2-5834-7F44-92C6-32D9C72F6072}" type="slidenum">
               <a:rPr lang="en-US" smtClean="0"/>
-              <a:t>17</a:t>
+              <a:t>19</a:t>
             </a:fld>
             <a:endParaRPr lang="en-US"/>
           </a:p>
@@ -1088,7 +1091,7 @@
     </p:spTree>
     <p:extLst>
       <p:ext uri="{BB962C8B-B14F-4D97-AF65-F5344CB8AC3E}">
-        <p14:creationId xmlns:p14="http://schemas.microsoft.com/office/powerpoint/2010/main" val="2655115189"/>
+        <p14:creationId xmlns:p14="http://schemas.microsoft.com/office/powerpoint/2010/main" val="2732858208"/>
       </p:ext>
     </p:extLst>
   </p:cSld>
@@ -1163,7 +1166,7 @@
           <a:p>
             <a:fld id="{F88513B2-5834-7F44-92C6-32D9C72F6072}" type="slidenum">
               <a:rPr lang="en-US" smtClean="0"/>
-              <a:t>18</a:t>
+              <a:t>20</a:t>
             </a:fld>
             <a:endParaRPr lang="en-US"/>
           </a:p>
@@ -1172,7 +1175,7 @@
     </p:spTree>
     <p:extLst>
       <p:ext uri="{BB962C8B-B14F-4D97-AF65-F5344CB8AC3E}">
-        <p14:creationId xmlns:p14="http://schemas.microsoft.com/office/powerpoint/2010/main" val="773864341"/>
+        <p14:creationId xmlns:p14="http://schemas.microsoft.com/office/powerpoint/2010/main" val="2655115189"/>
       </p:ext>
     </p:extLst>
   </p:cSld>
@@ -1247,7 +1250,7 @@
           <a:p>
             <a:fld id="{F88513B2-5834-7F44-92C6-32D9C72F6072}" type="slidenum">
               <a:rPr lang="en-US" smtClean="0"/>
-              <a:t>20</a:t>
+              <a:t>21</a:t>
             </a:fld>
             <a:endParaRPr lang="en-US"/>
           </a:p>
@@ -1256,7 +1259,7 @@
     </p:spTree>
     <p:extLst>
       <p:ext uri="{BB962C8B-B14F-4D97-AF65-F5344CB8AC3E}">
-        <p14:creationId xmlns:p14="http://schemas.microsoft.com/office/powerpoint/2010/main" val="1176873220"/>
+        <p14:creationId xmlns:p14="http://schemas.microsoft.com/office/powerpoint/2010/main" val="773864341"/>
       </p:ext>
     </p:extLst>
   </p:cSld>
@@ -1310,10 +1313,6 @@
           <a:bodyPr/>
           <a:lstStyle/>
           <a:p>
-            <a:r>
-              <a:rPr lang="en-US" dirty="0" err="1"/>
-              <a:t>arbitrary_write.c</a:t>
-            </a:r>
             <a:endParaRPr lang="en-US" dirty="0"/>
           </a:p>
         </p:txBody>
@@ -1335,7 +1334,7 @@
           <a:p>
             <a:fld id="{F88513B2-5834-7F44-92C6-32D9C72F6072}" type="slidenum">
               <a:rPr lang="en-US" smtClean="0"/>
-              <a:t>22</a:t>
+              <a:t>23</a:t>
             </a:fld>
             <a:endParaRPr lang="en-US"/>
           </a:p>
@@ -1344,7 +1343,7 @@
     </p:spTree>
     <p:extLst>
       <p:ext uri="{BB962C8B-B14F-4D97-AF65-F5344CB8AC3E}">
-        <p14:creationId xmlns:p14="http://schemas.microsoft.com/office/powerpoint/2010/main" val="4032884326"/>
+        <p14:creationId xmlns:p14="http://schemas.microsoft.com/office/powerpoint/2010/main" val="1176873220"/>
       </p:ext>
     </p:extLst>
   </p:cSld>
@@ -1423,7 +1422,7 @@
           <a:p>
             <a:fld id="{F88513B2-5834-7F44-92C6-32D9C72F6072}" type="slidenum">
               <a:rPr lang="en-US" smtClean="0"/>
-              <a:t>23</a:t>
+              <a:t>25</a:t>
             </a:fld>
             <a:endParaRPr lang="en-US"/>
           </a:p>
@@ -1432,7 +1431,7 @@
     </p:spTree>
     <p:extLst>
       <p:ext uri="{BB962C8B-B14F-4D97-AF65-F5344CB8AC3E}">
-        <p14:creationId xmlns:p14="http://schemas.microsoft.com/office/powerpoint/2010/main" val="1776961524"/>
+        <p14:creationId xmlns:p14="http://schemas.microsoft.com/office/powerpoint/2010/main" val="4032884326"/>
       </p:ext>
     </p:extLst>
   </p:cSld>
@@ -1511,7 +1510,7 @@
           <a:p>
             <a:fld id="{F88513B2-5834-7F44-92C6-32D9C72F6072}" type="slidenum">
               <a:rPr lang="en-US" smtClean="0"/>
-              <a:t>24</a:t>
+              <a:t>26</a:t>
             </a:fld>
             <a:endParaRPr lang="en-US"/>
           </a:p>
@@ -1520,7 +1519,7 @@
     </p:spTree>
     <p:extLst>
       <p:ext uri="{BB962C8B-B14F-4D97-AF65-F5344CB8AC3E}">
-        <p14:creationId xmlns:p14="http://schemas.microsoft.com/office/powerpoint/2010/main" val="2815829514"/>
+        <p14:creationId xmlns:p14="http://schemas.microsoft.com/office/powerpoint/2010/main" val="1776961524"/>
       </p:ext>
     </p:extLst>
   </p:cSld>
@@ -1599,7 +1598,7 @@
           <a:p>
             <a:fld id="{F88513B2-5834-7F44-92C6-32D9C72F6072}" type="slidenum">
               <a:rPr lang="en-US" smtClean="0"/>
-              <a:t>25</a:t>
+              <a:t>27</a:t>
             </a:fld>
             <a:endParaRPr lang="en-US"/>
           </a:p>
@@ -1608,7 +1607,7 @@
     </p:spTree>
     <p:extLst>
       <p:ext uri="{BB962C8B-B14F-4D97-AF65-F5344CB8AC3E}">
-        <p14:creationId xmlns:p14="http://schemas.microsoft.com/office/powerpoint/2010/main" val="1823617847"/>
+        <p14:creationId xmlns:p14="http://schemas.microsoft.com/office/powerpoint/2010/main" val="2815829514"/>
       </p:ext>
     </p:extLst>
   </p:cSld>
@@ -1662,7 +1661,7 @@
           <a:bodyPr/>
           <a:lstStyle/>
           <a:p>
-            <a:endParaRPr lang="en-US" dirty="0"/>
+            <a:endParaRPr lang="en-US"/>
           </a:p>
         </p:txBody>
       </p:sp>
@@ -1683,7 +1682,7 @@
           <a:p>
             <a:fld id="{F88513B2-5834-7F44-92C6-32D9C72F6072}" type="slidenum">
               <a:rPr lang="en-US" smtClean="0"/>
-              <a:t>2</a:t>
+              <a:t>1</a:t>
             </a:fld>
             <a:endParaRPr lang="en-US"/>
           </a:p>
@@ -1692,7 +1691,7 @@
     </p:spTree>
     <p:extLst>
       <p:ext uri="{BB962C8B-B14F-4D97-AF65-F5344CB8AC3E}">
-        <p14:creationId xmlns:p14="http://schemas.microsoft.com/office/powerpoint/2010/main" val="2830370770"/>
+        <p14:creationId xmlns:p14="http://schemas.microsoft.com/office/powerpoint/2010/main" val="2998259665"/>
       </p:ext>
     </p:extLst>
   </p:cSld>
@@ -1771,7 +1770,7 @@
           <a:p>
             <a:fld id="{F88513B2-5834-7F44-92C6-32D9C72F6072}" type="slidenum">
               <a:rPr lang="en-US" smtClean="0"/>
-              <a:t>26</a:t>
+              <a:t>28</a:t>
             </a:fld>
             <a:endParaRPr lang="en-US"/>
           </a:p>
@@ -1780,7 +1779,7 @@
     </p:spTree>
     <p:extLst>
       <p:ext uri="{BB962C8B-B14F-4D97-AF65-F5344CB8AC3E}">
-        <p14:creationId xmlns:p14="http://schemas.microsoft.com/office/powerpoint/2010/main" val="245315945"/>
+        <p14:creationId xmlns:p14="http://schemas.microsoft.com/office/powerpoint/2010/main" val="1823617847"/>
       </p:ext>
     </p:extLst>
   </p:cSld>
@@ -1859,7 +1858,7 @@
           <a:p>
             <a:fld id="{F88513B2-5834-7F44-92C6-32D9C72F6072}" type="slidenum">
               <a:rPr lang="en-US" smtClean="0"/>
-              <a:t>27</a:t>
+              <a:t>29</a:t>
             </a:fld>
             <a:endParaRPr lang="en-US"/>
           </a:p>
@@ -1868,7 +1867,7 @@
     </p:spTree>
     <p:extLst>
       <p:ext uri="{BB962C8B-B14F-4D97-AF65-F5344CB8AC3E}">
-        <p14:creationId xmlns:p14="http://schemas.microsoft.com/office/powerpoint/2010/main" val="3155358239"/>
+        <p14:creationId xmlns:p14="http://schemas.microsoft.com/office/powerpoint/2010/main" val="245315945"/>
       </p:ext>
     </p:extLst>
   </p:cSld>
@@ -1947,7 +1946,7 @@
           <a:p>
             <a:fld id="{F88513B2-5834-7F44-92C6-32D9C72F6072}" type="slidenum">
               <a:rPr lang="en-US" smtClean="0"/>
-              <a:t>28</a:t>
+              <a:t>30</a:t>
             </a:fld>
             <a:endParaRPr lang="en-US"/>
           </a:p>
@@ -1956,7 +1955,7 @@
     </p:spTree>
     <p:extLst>
       <p:ext uri="{BB962C8B-B14F-4D97-AF65-F5344CB8AC3E}">
-        <p14:creationId xmlns:p14="http://schemas.microsoft.com/office/powerpoint/2010/main" val="2653070197"/>
+        <p14:creationId xmlns:p14="http://schemas.microsoft.com/office/powerpoint/2010/main" val="3155358239"/>
       </p:ext>
     </p:extLst>
   </p:cSld>
@@ -2035,7 +2034,7 @@
           <a:p>
             <a:fld id="{F88513B2-5834-7F44-92C6-32D9C72F6072}" type="slidenum">
               <a:rPr lang="en-US" smtClean="0"/>
-              <a:t>29</a:t>
+              <a:t>31</a:t>
             </a:fld>
             <a:endParaRPr lang="en-US"/>
           </a:p>
@@ -2044,7 +2043,7 @@
     </p:spTree>
     <p:extLst>
       <p:ext uri="{BB962C8B-B14F-4D97-AF65-F5344CB8AC3E}">
-        <p14:creationId xmlns:p14="http://schemas.microsoft.com/office/powerpoint/2010/main" val="149302545"/>
+        <p14:creationId xmlns:p14="http://schemas.microsoft.com/office/powerpoint/2010/main" val="2653070197"/>
       </p:ext>
     </p:extLst>
   </p:cSld>
@@ -2123,7 +2122,7 @@
           <a:p>
             <a:fld id="{F88513B2-5834-7F44-92C6-32D9C72F6072}" type="slidenum">
               <a:rPr lang="en-US" smtClean="0"/>
-              <a:t>30</a:t>
+              <a:t>32</a:t>
             </a:fld>
             <a:endParaRPr lang="en-US"/>
           </a:p>
@@ -2132,7 +2131,7 @@
     </p:spTree>
     <p:extLst>
       <p:ext uri="{BB962C8B-B14F-4D97-AF65-F5344CB8AC3E}">
-        <p14:creationId xmlns:p14="http://schemas.microsoft.com/office/powerpoint/2010/main" val="474858691"/>
+        <p14:creationId xmlns:p14="http://schemas.microsoft.com/office/powerpoint/2010/main" val="149302545"/>
       </p:ext>
     </p:extLst>
   </p:cSld>
@@ -2187,28 +2186,8 @@
           <a:lstStyle/>
           <a:p>
             <a:r>
-              <a:rPr lang="en-US" dirty="0"/>
-              <a:t>https://</a:t>
-            </a:r>
-            <a:r>
               <a:rPr lang="en-US" dirty="0" err="1"/>
-              <a:t>www.cprogramming.com</a:t>
-            </a:r>
-            <a:r>
-              <a:rPr lang="en-US" dirty="0"/>
-              <a:t>/tutorial/</a:t>
-            </a:r>
-            <a:r>
-              <a:rPr lang="en-US" dirty="0" err="1"/>
-              <a:t>printf</a:t>
-            </a:r>
-            <a:r>
-              <a:rPr lang="en-US" dirty="0"/>
-              <a:t>-format-</a:t>
-            </a:r>
-            <a:r>
-              <a:rPr lang="en-US" dirty="0" err="1"/>
-              <a:t>strings.html</a:t>
+              <a:t>arbitrary_write.c</a:t>
             </a:r>
             <a:endParaRPr lang="en-US" dirty="0"/>
           </a:p>
@@ -2231,7 +2210,7 @@
           <a:p>
             <a:fld id="{F88513B2-5834-7F44-92C6-32D9C72F6072}" type="slidenum">
               <a:rPr lang="en-US" smtClean="0"/>
-              <a:t>31</a:t>
+              <a:t>33</a:t>
             </a:fld>
             <a:endParaRPr lang="en-US"/>
           </a:p>
@@ -2240,7 +2219,7 @@
     </p:spTree>
     <p:extLst>
       <p:ext uri="{BB962C8B-B14F-4D97-AF65-F5344CB8AC3E}">
-        <p14:creationId xmlns:p14="http://schemas.microsoft.com/office/powerpoint/2010/main" val="3306058500"/>
+        <p14:creationId xmlns:p14="http://schemas.microsoft.com/office/powerpoint/2010/main" val="474858691"/>
       </p:ext>
     </p:extLst>
   </p:cSld>
@@ -2295,8 +2274,28 @@
           <a:lstStyle/>
           <a:p>
             <a:r>
+              <a:rPr lang="en-US" dirty="0"/>
+              <a:t>https://</a:t>
+            </a:r>
+            <a:r>
               <a:rPr lang="en-US" dirty="0" err="1"/>
-              <a:t>arbitrary_write.c</a:t>
+              <a:t>www.cprogramming.com</a:t>
+            </a:r>
+            <a:r>
+              <a:rPr lang="en-US" dirty="0"/>
+              <a:t>/tutorial/</a:t>
+            </a:r>
+            <a:r>
+              <a:rPr lang="en-US" dirty="0" err="1"/>
+              <a:t>printf</a:t>
+            </a:r>
+            <a:r>
+              <a:rPr lang="en-US" dirty="0"/>
+              <a:t>-format-</a:t>
+            </a:r>
+            <a:r>
+              <a:rPr lang="en-US" dirty="0" err="1"/>
+              <a:t>strings.html</a:t>
             </a:r>
             <a:endParaRPr lang="en-US" dirty="0"/>
           </a:p>
@@ -2319,7 +2318,7 @@
           <a:p>
             <a:fld id="{F88513B2-5834-7F44-92C6-32D9C72F6072}" type="slidenum">
               <a:rPr lang="en-US" smtClean="0"/>
-              <a:t>32</a:t>
+              <a:t>34</a:t>
             </a:fld>
             <a:endParaRPr lang="en-US"/>
           </a:p>
@@ -2328,7 +2327,7 @@
     </p:spTree>
     <p:extLst>
       <p:ext uri="{BB962C8B-B14F-4D97-AF65-F5344CB8AC3E}">
-        <p14:creationId xmlns:p14="http://schemas.microsoft.com/office/powerpoint/2010/main" val="1275256734"/>
+        <p14:creationId xmlns:p14="http://schemas.microsoft.com/office/powerpoint/2010/main" val="3306058500"/>
       </p:ext>
     </p:extLst>
   </p:cSld>
@@ -2407,7 +2406,7 @@
           <a:p>
             <a:fld id="{F88513B2-5834-7F44-92C6-32D9C72F6072}" type="slidenum">
               <a:rPr lang="en-US" smtClean="0"/>
-              <a:t>33</a:t>
+              <a:t>35</a:t>
             </a:fld>
             <a:endParaRPr lang="en-US"/>
           </a:p>
@@ -2416,7 +2415,7 @@
     </p:spTree>
     <p:extLst>
       <p:ext uri="{BB962C8B-B14F-4D97-AF65-F5344CB8AC3E}">
-        <p14:creationId xmlns:p14="http://schemas.microsoft.com/office/powerpoint/2010/main" val="1320399362"/>
+        <p14:creationId xmlns:p14="http://schemas.microsoft.com/office/powerpoint/2010/main" val="1275256734"/>
       </p:ext>
     </p:extLst>
   </p:cSld>
@@ -2495,7 +2494,7 @@
           <a:p>
             <a:fld id="{F88513B2-5834-7F44-92C6-32D9C72F6072}" type="slidenum">
               <a:rPr lang="en-US" smtClean="0"/>
-              <a:t>34</a:t>
+              <a:t>36</a:t>
             </a:fld>
             <a:endParaRPr lang="en-US"/>
           </a:p>
@@ -2504,7 +2503,7 @@
     </p:spTree>
     <p:extLst>
       <p:ext uri="{BB962C8B-B14F-4D97-AF65-F5344CB8AC3E}">
-        <p14:creationId xmlns:p14="http://schemas.microsoft.com/office/powerpoint/2010/main" val="2433587392"/>
+        <p14:creationId xmlns:p14="http://schemas.microsoft.com/office/powerpoint/2010/main" val="1320399362"/>
       </p:ext>
     </p:extLst>
   </p:cSld>
@@ -2583,7 +2582,7 @@
           <a:p>
             <a:fld id="{F88513B2-5834-7F44-92C6-32D9C72F6072}" type="slidenum">
               <a:rPr lang="en-US" smtClean="0"/>
-              <a:t>35</a:t>
+              <a:t>37</a:t>
             </a:fld>
             <a:endParaRPr lang="en-US"/>
           </a:p>
@@ -2592,7 +2591,7 @@
     </p:spTree>
     <p:extLst>
       <p:ext uri="{BB962C8B-B14F-4D97-AF65-F5344CB8AC3E}">
-        <p14:creationId xmlns:p14="http://schemas.microsoft.com/office/powerpoint/2010/main" val="3242705363"/>
+        <p14:creationId xmlns:p14="http://schemas.microsoft.com/office/powerpoint/2010/main" val="2433587392"/>
       </p:ext>
     </p:extLst>
   </p:cSld>
@@ -2667,7 +2666,7 @@
           <a:p>
             <a:fld id="{F88513B2-5834-7F44-92C6-32D9C72F6072}" type="slidenum">
               <a:rPr lang="en-US" smtClean="0"/>
-              <a:t>3</a:t>
+              <a:t>5</a:t>
             </a:fld>
             <a:endParaRPr lang="en-US"/>
           </a:p>
@@ -2676,7 +2675,95 @@
     </p:spTree>
     <p:extLst>
       <p:ext uri="{BB962C8B-B14F-4D97-AF65-F5344CB8AC3E}">
-        <p14:creationId xmlns:p14="http://schemas.microsoft.com/office/powerpoint/2010/main" val="2320335388"/>
+        <p14:creationId xmlns:p14="http://schemas.microsoft.com/office/powerpoint/2010/main" val="2830370770"/>
+      </p:ext>
+    </p:extLst>
+  </p:cSld>
+  <p:clrMapOvr>
+    <a:masterClrMapping/>
+  </p:clrMapOvr>
+</p:notes>
+</file>
+
+<file path=ppt/notesSlides/notesSlide30.xml><?xml version="1.0" encoding="utf-8"?>
+<p:notes xmlns:a="http://schemas.openxmlformats.org/drawingml/2006/main" xmlns:r="http://schemas.openxmlformats.org/officeDocument/2006/relationships" xmlns:p="http://schemas.openxmlformats.org/presentationml/2006/main">
+  <p:cSld>
+    <p:spTree>
+      <p:nvGrpSpPr>
+        <p:cNvPr id="1" name=""/>
+        <p:cNvGrpSpPr/>
+        <p:nvPr/>
+      </p:nvGrpSpPr>
+      <p:grpSpPr>
+        <a:xfrm>
+          <a:off x="0" y="0"/>
+          <a:ext cx="0" cy="0"/>
+          <a:chOff x="0" y="0"/>
+          <a:chExt cx="0" cy="0"/>
+        </a:xfrm>
+      </p:grpSpPr>
+      <p:sp>
+        <p:nvSpPr>
+          <p:cNvPr id="2" name="Slide Image Placeholder 1"/>
+          <p:cNvSpPr>
+            <a:spLocks noGrp="1" noRot="1" noChangeAspect="1"/>
+          </p:cNvSpPr>
+          <p:nvPr>
+            <p:ph type="sldImg"/>
+          </p:nvPr>
+        </p:nvSpPr>
+        <p:spPr/>
+      </p:sp>
+      <p:sp>
+        <p:nvSpPr>
+          <p:cNvPr id="3" name="Notes Placeholder 2"/>
+          <p:cNvSpPr>
+            <a:spLocks noGrp="1"/>
+          </p:cNvSpPr>
+          <p:nvPr>
+            <p:ph type="body" idx="1"/>
+          </p:nvPr>
+        </p:nvSpPr>
+        <p:spPr/>
+        <p:txBody>
+          <a:bodyPr/>
+          <a:lstStyle/>
+          <a:p>
+            <a:r>
+              <a:rPr lang="en-US" dirty="0" err="1"/>
+              <a:t>arbitrary_write.c</a:t>
+            </a:r>
+            <a:endParaRPr lang="en-US" dirty="0"/>
+          </a:p>
+        </p:txBody>
+      </p:sp>
+      <p:sp>
+        <p:nvSpPr>
+          <p:cNvPr id="4" name="Slide Number Placeholder 3"/>
+          <p:cNvSpPr>
+            <a:spLocks noGrp="1"/>
+          </p:cNvSpPr>
+          <p:nvPr>
+            <p:ph type="sldNum" sz="quarter" idx="5"/>
+          </p:nvPr>
+        </p:nvSpPr>
+        <p:spPr/>
+        <p:txBody>
+          <a:bodyPr/>
+          <a:lstStyle/>
+          <a:p>
+            <a:fld id="{F88513B2-5834-7F44-92C6-32D9C72F6072}" type="slidenum">
+              <a:rPr lang="en-US" smtClean="0"/>
+              <a:t>38</a:t>
+            </a:fld>
+            <a:endParaRPr lang="en-US"/>
+          </a:p>
+        </p:txBody>
+      </p:sp>
+    </p:spTree>
+    <p:extLst>
+      <p:ext uri="{BB962C8B-B14F-4D97-AF65-F5344CB8AC3E}">
+        <p14:creationId xmlns:p14="http://schemas.microsoft.com/office/powerpoint/2010/main" val="3242705363"/>
       </p:ext>
     </p:extLst>
   </p:cSld>
@@ -2751,7 +2838,7 @@
           <a:p>
             <a:fld id="{F88513B2-5834-7F44-92C6-32D9C72F6072}" type="slidenum">
               <a:rPr lang="en-US" smtClean="0"/>
-              <a:t>7</a:t>
+              <a:t>6</a:t>
             </a:fld>
             <a:endParaRPr lang="en-US"/>
           </a:p>
@@ -2760,7 +2847,7 @@
     </p:spTree>
     <p:extLst>
       <p:ext uri="{BB962C8B-B14F-4D97-AF65-F5344CB8AC3E}">
-        <p14:creationId xmlns:p14="http://schemas.microsoft.com/office/powerpoint/2010/main" val="898504466"/>
+        <p14:creationId xmlns:p14="http://schemas.microsoft.com/office/powerpoint/2010/main" val="2320335388"/>
       </p:ext>
     </p:extLst>
   </p:cSld>
@@ -2835,7 +2922,7 @@
           <a:p>
             <a:fld id="{F88513B2-5834-7F44-92C6-32D9C72F6072}" type="slidenum">
               <a:rPr lang="en-US" smtClean="0"/>
-              <a:t>8</a:t>
+              <a:t>10</a:t>
             </a:fld>
             <a:endParaRPr lang="en-US"/>
           </a:p>
@@ -2844,7 +2931,7 @@
     </p:spTree>
     <p:extLst>
       <p:ext uri="{BB962C8B-B14F-4D97-AF65-F5344CB8AC3E}">
-        <p14:creationId xmlns:p14="http://schemas.microsoft.com/office/powerpoint/2010/main" val="848680587"/>
+        <p14:creationId xmlns:p14="http://schemas.microsoft.com/office/powerpoint/2010/main" val="898504466"/>
       </p:ext>
     </p:extLst>
   </p:cSld>
@@ -2919,7 +3006,7 @@
           <a:p>
             <a:fld id="{F88513B2-5834-7F44-92C6-32D9C72F6072}" type="slidenum">
               <a:rPr lang="en-US" smtClean="0"/>
-              <a:t>10</a:t>
+              <a:t>11</a:t>
             </a:fld>
             <a:endParaRPr lang="en-US"/>
           </a:p>
@@ -2928,7 +3015,7 @@
     </p:spTree>
     <p:extLst>
       <p:ext uri="{BB962C8B-B14F-4D97-AF65-F5344CB8AC3E}">
-        <p14:creationId xmlns:p14="http://schemas.microsoft.com/office/powerpoint/2010/main" val="3913069724"/>
+        <p14:creationId xmlns:p14="http://schemas.microsoft.com/office/powerpoint/2010/main" val="848680587"/>
       </p:ext>
     </p:extLst>
   </p:cSld>
@@ -3003,7 +3090,7 @@
           <a:p>
             <a:fld id="{F88513B2-5834-7F44-92C6-32D9C72F6072}" type="slidenum">
               <a:rPr lang="en-US" smtClean="0"/>
-              <a:t>11</a:t>
+              <a:t>13</a:t>
             </a:fld>
             <a:endParaRPr lang="en-US"/>
           </a:p>
@@ -3012,7 +3099,7 @@
     </p:spTree>
     <p:extLst>
       <p:ext uri="{BB962C8B-B14F-4D97-AF65-F5344CB8AC3E}">
-        <p14:creationId xmlns:p14="http://schemas.microsoft.com/office/powerpoint/2010/main" val="487480019"/>
+        <p14:creationId xmlns:p14="http://schemas.microsoft.com/office/powerpoint/2010/main" val="3913069724"/>
       </p:ext>
     </p:extLst>
   </p:cSld>
@@ -3087,7 +3174,7 @@
           <a:p>
             <a:fld id="{F88513B2-5834-7F44-92C6-32D9C72F6072}" type="slidenum">
               <a:rPr lang="en-US" smtClean="0"/>
-              <a:t>12</a:t>
+              <a:t>14</a:t>
             </a:fld>
             <a:endParaRPr lang="en-US"/>
           </a:p>
@@ -3096,7 +3183,7 @@
     </p:spTree>
     <p:extLst>
       <p:ext uri="{BB962C8B-B14F-4D97-AF65-F5344CB8AC3E}">
-        <p14:creationId xmlns:p14="http://schemas.microsoft.com/office/powerpoint/2010/main" val="1087753042"/>
+        <p14:creationId xmlns:p14="http://schemas.microsoft.com/office/powerpoint/2010/main" val="487480019"/>
       </p:ext>
     </p:extLst>
   </p:cSld>
@@ -3171,7 +3258,7 @@
           <a:p>
             <a:fld id="{F88513B2-5834-7F44-92C6-32D9C72F6072}" type="slidenum">
               <a:rPr lang="en-US" smtClean="0"/>
-              <a:t>13</a:t>
+              <a:t>15</a:t>
             </a:fld>
             <a:endParaRPr lang="en-US"/>
           </a:p>
@@ -3180,7 +3267,7 @@
     </p:spTree>
     <p:extLst>
       <p:ext uri="{BB962C8B-B14F-4D97-AF65-F5344CB8AC3E}">
-        <p14:creationId xmlns:p14="http://schemas.microsoft.com/office/powerpoint/2010/main" val="3018619259"/>
+        <p14:creationId xmlns:p14="http://schemas.microsoft.com/office/powerpoint/2010/main" val="1087753042"/>
       </p:ext>
     </p:extLst>
   </p:cSld>
@@ -5486,6 +5573,284 @@
 </p:sldLayout>
 </file>
 
+<file path=ppt/slideLayouts/slideLayout6.xml><?xml version="1.0" encoding="utf-8"?>
+<p:sldLayout xmlns:a="http://schemas.openxmlformats.org/drawingml/2006/main" xmlns:r="http://schemas.openxmlformats.org/officeDocument/2006/relationships" xmlns:p="http://schemas.openxmlformats.org/presentationml/2006/main" matchingName="Caption">
+  <p:cSld name="Caption">
+    <p:bg>
+      <p:bgPr>
+        <a:solidFill>
+          <a:schemeClr val="accent1"/>
+        </a:solidFill>
+        <a:effectLst/>
+      </p:bgPr>
+    </p:bg>
+    <p:spTree>
+      <p:nvGrpSpPr>
+        <p:cNvPr id="1" name="Shape 57"/>
+        <p:cNvGrpSpPr/>
+        <p:nvPr/>
+      </p:nvGrpSpPr>
+      <p:grpSpPr>
+        <a:xfrm>
+          <a:off x="0" y="0"/>
+          <a:ext cx="0" cy="0"/>
+          <a:chOff x="0" y="0"/>
+          <a:chExt cx="0" cy="0"/>
+        </a:xfrm>
+      </p:grpSpPr>
+      <p:pic>
+        <p:nvPicPr>
+          <p:cNvPr id="58" name="Google Shape;58;p9" descr="comic-01.png"/>
+          <p:cNvPicPr preferRelativeResize="0"/>
+          <p:nvPr/>
+        </p:nvPicPr>
+        <p:blipFill>
+          <a:blip r:embed="rId2">
+            <a:alphaModFix amt="20000"/>
+          </a:blip>
+          <a:stretch>
+            <a:fillRect/>
+          </a:stretch>
+        </p:blipFill>
+        <p:spPr>
+          <a:xfrm>
+            <a:off x="0" y="0"/>
+            <a:ext cx="12192000" cy="6858000"/>
+          </a:xfrm>
+          <a:prstGeom prst="rect">
+            <a:avLst/>
+          </a:prstGeom>
+          <a:noFill/>
+          <a:ln>
+            <a:noFill/>
+          </a:ln>
+        </p:spPr>
+      </p:pic>
+      <p:sp>
+        <p:nvSpPr>
+          <p:cNvPr id="59" name="Google Shape;59;p9"/>
+          <p:cNvSpPr/>
+          <p:nvPr/>
+        </p:nvSpPr>
+        <p:spPr>
+          <a:xfrm>
+            <a:off x="979467" y="1018001"/>
+            <a:ext cx="10505333" cy="5580367"/>
+          </a:xfrm>
+          <a:custGeom>
+            <a:avLst/>
+            <a:gdLst/>
+            <a:ahLst/>
+            <a:cxnLst/>
+            <a:rect l="l" t="t" r="r" b="b"/>
+            <a:pathLst>
+              <a:path w="315160" h="167411" extrusionOk="0">
+                <a:moveTo>
+                  <a:pt x="0" y="0"/>
+                </a:moveTo>
+                <a:lnTo>
+                  <a:pt x="315160" y="10409"/>
+                </a:lnTo>
+                <a:lnTo>
+                  <a:pt x="310823" y="159315"/>
+                </a:lnTo>
+                <a:lnTo>
+                  <a:pt x="9252" y="167411"/>
+                </a:lnTo>
+                <a:close/>
+              </a:path>
+            </a:pathLst>
+          </a:custGeom>
+          <a:solidFill>
+            <a:srgbClr val="001936">
+              <a:alpha val="21920"/>
+            </a:srgbClr>
+          </a:solidFill>
+          <a:ln>
+            <a:noFill/>
+          </a:ln>
+        </p:spPr>
+      </p:sp>
+      <p:sp>
+        <p:nvSpPr>
+          <p:cNvPr id="60" name="Google Shape;60;p9"/>
+          <p:cNvSpPr/>
+          <p:nvPr/>
+        </p:nvSpPr>
+        <p:spPr>
+          <a:xfrm>
+            <a:off x="674667" y="713201"/>
+            <a:ext cx="10505333" cy="5580367"/>
+          </a:xfrm>
+          <a:custGeom>
+            <a:avLst/>
+            <a:gdLst/>
+            <a:ahLst/>
+            <a:cxnLst/>
+            <a:rect l="l" t="t" r="r" b="b"/>
+            <a:pathLst>
+              <a:path w="315160" h="167411" extrusionOk="0">
+                <a:moveTo>
+                  <a:pt x="0" y="0"/>
+                </a:moveTo>
+                <a:lnTo>
+                  <a:pt x="315160" y="10409"/>
+                </a:lnTo>
+                <a:lnTo>
+                  <a:pt x="310823" y="159315"/>
+                </a:lnTo>
+                <a:lnTo>
+                  <a:pt x="9252" y="167411"/>
+                </a:lnTo>
+                <a:close/>
+              </a:path>
+            </a:pathLst>
+          </a:custGeom>
+          <a:solidFill>
+            <a:srgbClr val="FFFFFF"/>
+          </a:solidFill>
+          <a:ln w="76200" cap="flat" cmpd="sng">
+            <a:solidFill>
+              <a:srgbClr val="000000"/>
+            </a:solidFill>
+            <a:prstDash val="solid"/>
+            <a:miter lim="8000"/>
+            <a:headEnd type="none" w="med" len="med"/>
+            <a:tailEnd type="none" w="med" len="med"/>
+          </a:ln>
+        </p:spPr>
+      </p:sp>
+      <p:sp>
+        <p:nvSpPr>
+          <p:cNvPr id="61" name="Google Shape;61;p9"/>
+          <p:cNvSpPr txBox="1">
+            <a:spLocks noGrp="1"/>
+          </p:cNvSpPr>
+          <p:nvPr>
+            <p:ph type="body" idx="1"/>
+          </p:nvPr>
+        </p:nvSpPr>
+        <p:spPr>
+          <a:xfrm rot="-120953">
+            <a:off x="609622" y="5366976"/>
+            <a:ext cx="10973191" cy="692829"/>
+          </a:xfrm>
+          <a:prstGeom prst="rect">
+            <a:avLst/>
+          </a:prstGeom>
+        </p:spPr>
+        <p:txBody>
+          <a:bodyPr spcFirstLastPara="1" wrap="square" lIns="91425" tIns="91425" rIns="91425" bIns="91425" anchor="t" anchorCtr="0">
+            <a:noAutofit/>
+          </a:bodyPr>
+          <a:lstStyle>
+            <a:lvl1pPr marL="609585" lvl="0" indent="-304792" algn="ctr">
+              <a:spcBef>
+                <a:spcPts val="480"/>
+              </a:spcBef>
+              <a:spcAft>
+                <a:spcPts val="0"/>
+              </a:spcAft>
+              <a:buSzPts val="1400"/>
+              <a:buNone/>
+              <a:defRPr sz="1867"/>
+            </a:lvl1pPr>
+          </a:lstStyle>
+          <a:p>
+            <a:pPr lvl="0"/>
+            <a:r>
+              <a:rPr lang="en-US"/>
+              <a:t>Click to edit Master text styles</a:t>
+            </a:r>
+          </a:p>
+        </p:txBody>
+      </p:sp>
+      <p:sp>
+        <p:nvSpPr>
+          <p:cNvPr id="62" name="Google Shape;62;p9"/>
+          <p:cNvSpPr txBox="1">
+            <a:spLocks noGrp="1"/>
+          </p:cNvSpPr>
+          <p:nvPr>
+            <p:ph type="sldNum" idx="12"/>
+          </p:nvPr>
+        </p:nvSpPr>
+        <p:spPr>
+          <a:xfrm>
+            <a:off x="11409045" y="6333135"/>
+            <a:ext cx="731600" cy="524800"/>
+          </a:xfrm>
+          <a:prstGeom prst="rect">
+            <a:avLst/>
+          </a:prstGeom>
+        </p:spPr>
+        <p:txBody>
+          <a:bodyPr spcFirstLastPara="1" wrap="square" lIns="91425" tIns="91425" rIns="91425" bIns="91425" anchor="t" anchorCtr="0">
+            <a:noAutofit/>
+          </a:bodyPr>
+          <a:lstStyle>
+            <a:lvl1pPr lvl="0">
+              <a:buNone/>
+              <a:defRPr/>
+            </a:lvl1pPr>
+            <a:lvl2pPr lvl="1">
+              <a:buNone/>
+              <a:defRPr/>
+            </a:lvl2pPr>
+            <a:lvl3pPr lvl="2">
+              <a:buNone/>
+              <a:defRPr/>
+            </a:lvl3pPr>
+            <a:lvl4pPr lvl="3">
+              <a:buNone/>
+              <a:defRPr/>
+            </a:lvl4pPr>
+            <a:lvl5pPr lvl="4">
+              <a:buNone/>
+              <a:defRPr/>
+            </a:lvl5pPr>
+            <a:lvl6pPr lvl="5">
+              <a:buNone/>
+              <a:defRPr/>
+            </a:lvl6pPr>
+            <a:lvl7pPr lvl="6">
+              <a:buNone/>
+              <a:defRPr/>
+            </a:lvl7pPr>
+            <a:lvl8pPr lvl="7">
+              <a:buNone/>
+              <a:defRPr/>
+            </a:lvl8pPr>
+            <a:lvl9pPr lvl="8">
+              <a:buNone/>
+              <a:defRPr/>
+            </a:lvl9pPr>
+          </a:lstStyle>
+          <a:p>
+            <a:fld id="{B8AB1F1C-5B97-FA47-A21B-131B164DAC8F}" type="slidenum">
+              <a:rPr lang="en-US" smtClean="0"/>
+              <a:t>‹#›</a:t>
+            </a:fld>
+            <a:endParaRPr lang="en-US"/>
+          </a:p>
+        </p:txBody>
+      </p:sp>
+    </p:spTree>
+    <p:extLst>
+      <p:ext uri="{BB962C8B-B14F-4D97-AF65-F5344CB8AC3E}">
+        <p14:creationId xmlns:p14="http://schemas.microsoft.com/office/powerpoint/2010/main" val="3914370501"/>
+      </p:ext>
+    </p:extLst>
+  </p:cSld>
+  <p:clrMapOvr>
+    <a:masterClrMapping/>
+  </p:clrMapOvr>
+  <p:transition>
+    <p:fade thruBlk="1"/>
+  </p:transition>
+</p:sldLayout>
+</file>
+
 <file path=ppt/slideMasters/slideMaster1.xml><?xml version="1.0" encoding="utf-8"?>
 <p:sldMaster xmlns:a="http://schemas.openxmlformats.org/drawingml/2006/main" xmlns:r="http://schemas.openxmlformats.org/officeDocument/2006/relationships" xmlns:p="http://schemas.openxmlformats.org/presentationml/2006/main" preserve="1">
   <p:cSld>
@@ -6153,6 +6518,7 @@
     <p:sldLayoutId id="2147483666" r:id="rId3"/>
     <p:sldLayoutId id="2147483667" r:id="rId4"/>
     <p:sldLayoutId id="2147483671" r:id="rId5"/>
+    <p:sldLayoutId id="2147483672" r:id="rId6"/>
   </p:sldLayoutIdLst>
   <p:hf hdr="0" ftr="0" dt="0"/>
   <p:txStyles>
@@ -6961,10 +7327,10 @@
       </p:grpSpPr>
       <p:sp>
         <p:nvSpPr>
-          <p:cNvPr id="4" name="Title 3">
+          <p:cNvPr id="2" name="Title 1">
             <a:extLst>
               <a:ext uri="{FF2B5EF4-FFF2-40B4-BE49-F238E27FC236}">
-                <a16:creationId xmlns:a16="http://schemas.microsoft.com/office/drawing/2014/main" id="{B2FE6EE5-0C66-C04C-BE48-19414654E4B8}"/>
+                <a16:creationId xmlns:a16="http://schemas.microsoft.com/office/drawing/2014/main" id="{B05514D0-4171-4740-AD69-B2089304C68E}"/>
               </a:ext>
             </a:extLst>
           </p:cNvPr>
@@ -6981,19 +7347,18 @@
           <a:lstStyle/>
           <a:p>
             <a:r>
-              <a:rPr lang="en-US" dirty="0" err="1"/>
-              <a:t>printf</a:t>
-            </a:r>
-            <a:endParaRPr lang="en-US" dirty="0"/>
+              <a:rPr lang="en-US" dirty="0"/>
+              <a:t>Security concern of Dynamic Linking</a:t>
+            </a:r>
           </a:p>
         </p:txBody>
       </p:sp>
       <p:sp>
         <p:nvSpPr>
-          <p:cNvPr id="5" name="Text Placeholder 4">
+          <p:cNvPr id="3" name="Text Placeholder 2">
             <a:extLst>
               <a:ext uri="{FF2B5EF4-FFF2-40B4-BE49-F238E27FC236}">
-                <a16:creationId xmlns:a16="http://schemas.microsoft.com/office/drawing/2014/main" id="{5E178703-3DC7-C648-89BD-282E0C3537BD}"/>
+                <a16:creationId xmlns:a16="http://schemas.microsoft.com/office/drawing/2014/main" id="{76247395-48E7-4D4A-BB88-25F337D8E180}"/>
               </a:ext>
             </a:extLst>
           </p:cNvPr>
@@ -7004,65 +7369,30 @@
             <p:ph type="body" idx="1"/>
           </p:nvPr>
         </p:nvSpPr>
-        <p:spPr>
-          <a:xfrm>
-            <a:off x="1402732" y="2061256"/>
-            <a:ext cx="9506233" cy="3847374"/>
-          </a:xfrm>
-        </p:spPr>
+        <p:spPr/>
         <p:txBody>
           <a:bodyPr/>
           <a:lstStyle/>
           <a:p>
-            <a:pPr marL="50799" indent="0">
-              <a:buNone/>
-            </a:pPr>
-            <a:r>
-              <a:rPr lang="en-US" sz="2000" dirty="0" err="1">
-                <a:latin typeface="Courier" pitchFamily="2" charset="0"/>
-              </a:rPr>
-              <a:t>printf</a:t>
-            </a:r>
-            <a:r>
-              <a:rPr lang="en-US" sz="2000" dirty="0">
-                <a:latin typeface="Courier" pitchFamily="2" charset="0"/>
-              </a:rPr>
-              <a:t>(“%d %d %d %d %d %d %d %d\n”, 1, 2, 3, 4, 5, 6, 7, 8);</a:t>
-            </a:r>
-            <a:endParaRPr lang="en-US" dirty="0"/>
-          </a:p>
-          <a:p>
-            <a:pPr marL="50799" indent="0">
-              <a:buNone/>
-            </a:pPr>
-            <a:endParaRPr lang="en-US" dirty="0"/>
-          </a:p>
-          <a:p>
-            <a:pPr marL="50799" indent="0">
-              <a:buNone/>
-            </a:pPr>
-            <a:endParaRPr lang="en-US" dirty="0"/>
-          </a:p>
-          <a:p>
-            <a:pPr marL="50799" indent="0">
-              <a:buNone/>
-            </a:pPr>
             <a:r>
               <a:rPr lang="en-US" dirty="0"/>
-              <a:t>Output: 1 2 3 4 5 6 7 8</a:t>
-            </a:r>
-          </a:p>
-          <a:p>
-            <a:endParaRPr lang="en-US" dirty="0"/>
+              <a:t>Overwrite GOT entry</a:t>
+            </a:r>
+          </a:p>
+          <a:p>
+            <a:r>
+              <a:rPr lang="en-US" dirty="0"/>
+              <a:t>Leak the address of a function pointer</a:t>
+            </a:r>
           </a:p>
         </p:txBody>
       </p:sp>
       <p:sp>
         <p:nvSpPr>
-          <p:cNvPr id="3" name="Slide Number Placeholder 2">
+          <p:cNvPr id="4" name="Slide Number Placeholder 3">
             <a:extLst>
               <a:ext uri="{FF2B5EF4-FFF2-40B4-BE49-F238E27FC236}">
-                <a16:creationId xmlns:a16="http://schemas.microsoft.com/office/drawing/2014/main" id="{DDEB2D29-7DB5-C849-8CA4-A32296F84982}"/>
+                <a16:creationId xmlns:a16="http://schemas.microsoft.com/office/drawing/2014/main" id="{B78D513E-07DC-D046-82D3-C75544428974}"/>
               </a:ext>
             </a:extLst>
           </p:cNvPr>
@@ -7089,7 +7419,7 @@
     </p:spTree>
     <p:extLst>
       <p:ext uri="{BB962C8B-B14F-4D97-AF65-F5344CB8AC3E}">
-        <p14:creationId xmlns:p14="http://schemas.microsoft.com/office/powerpoint/2010/main" val="1420975282"/>
+        <p14:creationId xmlns:p14="http://schemas.microsoft.com/office/powerpoint/2010/main" val="2452019603"/>
       </p:ext>
     </p:extLst>
   </p:cSld>
@@ -7118,6 +7448,195 @@
       </p:grpSpPr>
       <p:sp>
         <p:nvSpPr>
+          <p:cNvPr id="2" name="Title 1">
+            <a:extLst>
+              <a:ext uri="{FF2B5EF4-FFF2-40B4-BE49-F238E27FC236}">
+                <a16:creationId xmlns:a16="http://schemas.microsoft.com/office/drawing/2014/main" id="{13C0B932-4328-D54D-BB14-70E95145688E}"/>
+              </a:ext>
+            </a:extLst>
+          </p:cNvPr>
+          <p:cNvSpPr>
+            <a:spLocks noGrp="1"/>
+          </p:cNvSpPr>
+          <p:nvPr>
+            <p:ph type="ctrTitle"/>
+          </p:nvPr>
+        </p:nvSpPr>
+        <p:spPr/>
+        <p:txBody>
+          <a:bodyPr anchor="ctr"/>
+          <a:lstStyle/>
+          <a:p>
+            <a:r>
+              <a:rPr lang="en-US" dirty="0"/>
+              <a:t>Leaking </a:t>
+            </a:r>
+            <a:r>
+              <a:rPr lang="en-US" dirty="0" err="1"/>
+              <a:t>Libc</a:t>
+            </a:r>
+            <a:r>
+              <a:rPr lang="en-US" dirty="0"/>
+              <a:t> Base</a:t>
+            </a:r>
+            <a:br>
+              <a:rPr lang="en-US" dirty="0"/>
+            </a:br>
+            <a:r>
+              <a:rPr lang="en-US" dirty="0"/>
+              <a:t>via GOT Table</a:t>
+            </a:r>
+          </a:p>
+        </p:txBody>
+      </p:sp>
+      <p:sp>
+        <p:nvSpPr>
+          <p:cNvPr id="3" name="Slide Number Placeholder 2">
+            <a:extLst>
+              <a:ext uri="{FF2B5EF4-FFF2-40B4-BE49-F238E27FC236}">
+                <a16:creationId xmlns:a16="http://schemas.microsoft.com/office/drawing/2014/main" id="{A020F21D-7E06-BF44-9C9E-C16B25875649}"/>
+              </a:ext>
+            </a:extLst>
+          </p:cNvPr>
+          <p:cNvSpPr>
+            <a:spLocks noGrp="1"/>
+          </p:cNvSpPr>
+          <p:nvPr>
+            <p:ph type="sldNum" idx="12"/>
+          </p:nvPr>
+        </p:nvSpPr>
+        <p:spPr/>
+        <p:txBody>
+          <a:bodyPr/>
+          <a:lstStyle/>
+          <a:p>
+            <a:fld id="{B8AB1F1C-5B97-FA47-A21B-131B164DAC8F}" type="slidenum">
+              <a:rPr lang="en-US" smtClean="0"/>
+              <a:t>10</a:t>
+            </a:fld>
+            <a:endParaRPr lang="en-US"/>
+          </a:p>
+        </p:txBody>
+      </p:sp>
+    </p:spTree>
+    <p:extLst>
+      <p:ext uri="{BB962C8B-B14F-4D97-AF65-F5344CB8AC3E}">
+        <p14:creationId xmlns:p14="http://schemas.microsoft.com/office/powerpoint/2010/main" val="2429403378"/>
+      </p:ext>
+    </p:extLst>
+  </p:cSld>
+  <p:clrMapOvr>
+    <a:masterClrMapping/>
+  </p:clrMapOvr>
+</p:sld>
+</file>
+
+<file path=ppt/slides/slide12.xml><?xml version="1.0" encoding="utf-8"?>
+<p:sld xmlns:a="http://schemas.openxmlformats.org/drawingml/2006/main" xmlns:r="http://schemas.openxmlformats.org/officeDocument/2006/relationships" xmlns:p="http://schemas.openxmlformats.org/presentationml/2006/main">
+  <p:cSld>
+    <p:spTree>
+      <p:nvGrpSpPr>
+        <p:cNvPr id="1" name=""/>
+        <p:cNvGrpSpPr/>
+        <p:nvPr/>
+      </p:nvGrpSpPr>
+      <p:grpSpPr>
+        <a:xfrm>
+          <a:off x="0" y="0"/>
+          <a:ext cx="0" cy="0"/>
+          <a:chOff x="0" y="0"/>
+          <a:chExt cx="0" cy="0"/>
+        </a:xfrm>
+      </p:grpSpPr>
+      <p:sp>
+        <p:nvSpPr>
+          <p:cNvPr id="2" name="Title 1">
+            <a:extLst>
+              <a:ext uri="{FF2B5EF4-FFF2-40B4-BE49-F238E27FC236}">
+                <a16:creationId xmlns:a16="http://schemas.microsoft.com/office/drawing/2014/main" id="{13C0B932-4328-D54D-BB14-70E95145688E}"/>
+              </a:ext>
+            </a:extLst>
+          </p:cNvPr>
+          <p:cNvSpPr>
+            <a:spLocks noGrp="1"/>
+          </p:cNvSpPr>
+          <p:nvPr>
+            <p:ph type="ctrTitle"/>
+          </p:nvPr>
+        </p:nvSpPr>
+        <p:spPr/>
+        <p:txBody>
+          <a:bodyPr anchor="ctr"/>
+          <a:lstStyle/>
+          <a:p>
+            <a:r>
+              <a:rPr lang="en-US" dirty="0"/>
+              <a:t>Format String Vulnerabilities</a:t>
+            </a:r>
+          </a:p>
+        </p:txBody>
+      </p:sp>
+      <p:sp>
+        <p:nvSpPr>
+          <p:cNvPr id="3" name="Slide Number Placeholder 2">
+            <a:extLst>
+              <a:ext uri="{FF2B5EF4-FFF2-40B4-BE49-F238E27FC236}">
+                <a16:creationId xmlns:a16="http://schemas.microsoft.com/office/drawing/2014/main" id="{A020F21D-7E06-BF44-9C9E-C16B25875649}"/>
+              </a:ext>
+            </a:extLst>
+          </p:cNvPr>
+          <p:cNvSpPr>
+            <a:spLocks noGrp="1"/>
+          </p:cNvSpPr>
+          <p:nvPr>
+            <p:ph type="sldNum" idx="12"/>
+          </p:nvPr>
+        </p:nvSpPr>
+        <p:spPr/>
+        <p:txBody>
+          <a:bodyPr/>
+          <a:lstStyle/>
+          <a:p>
+            <a:fld id="{B8AB1F1C-5B97-FA47-A21B-131B164DAC8F}" type="slidenum">
+              <a:rPr lang="en-US" smtClean="0"/>
+              <a:t>11</a:t>
+            </a:fld>
+            <a:endParaRPr lang="en-US"/>
+          </a:p>
+        </p:txBody>
+      </p:sp>
+    </p:spTree>
+    <p:extLst>
+      <p:ext uri="{BB962C8B-B14F-4D97-AF65-F5344CB8AC3E}">
+        <p14:creationId xmlns:p14="http://schemas.microsoft.com/office/powerpoint/2010/main" val="2054833304"/>
+      </p:ext>
+    </p:extLst>
+  </p:cSld>
+  <p:clrMapOvr>
+    <a:masterClrMapping/>
+  </p:clrMapOvr>
+</p:sld>
+</file>
+
+<file path=ppt/slides/slide13.xml><?xml version="1.0" encoding="utf-8"?>
+<p:sld xmlns:a="http://schemas.openxmlformats.org/drawingml/2006/main" xmlns:r="http://schemas.openxmlformats.org/officeDocument/2006/relationships" xmlns:p="http://schemas.openxmlformats.org/presentationml/2006/main">
+  <p:cSld>
+    <p:spTree>
+      <p:nvGrpSpPr>
+        <p:cNvPr id="1" name=""/>
+        <p:cNvGrpSpPr/>
+        <p:nvPr/>
+      </p:nvGrpSpPr>
+      <p:grpSpPr>
+        <a:xfrm>
+          <a:off x="0" y="0"/>
+          <a:ext cx="0" cy="0"/>
+          <a:chOff x="0" y="0"/>
+          <a:chExt cx="0" cy="0"/>
+        </a:xfrm>
+      </p:grpSpPr>
+      <p:sp>
+        <p:nvSpPr>
           <p:cNvPr id="4" name="Title 3">
             <a:extLst>
               <a:ext uri="{FF2B5EF4-FFF2-40B4-BE49-F238E27FC236}">
@@ -7141,10 +7660,7 @@
               <a:rPr lang="en-US" dirty="0" err="1"/>
               <a:t>printf</a:t>
             </a:r>
-            <a:r>
-              <a:rPr lang="en-US" dirty="0"/>
-              <a:t>: Arguments</a:t>
-            </a:r>
+            <a:endParaRPr lang="en-US" dirty="0"/>
           </a:p>
         </p:txBody>
       </p:sp>
@@ -7189,6 +7705,7 @@
               </a:rPr>
               <a:t>(“%d %d %d %d %d %d %d %d\n”, 1, 2, 3, 4, 5, 6, 7, 8);</a:t>
             </a:r>
+            <a:endParaRPr lang="en-US" dirty="0"/>
           </a:p>
           <a:p>
             <a:pPr marL="50799" indent="0">
@@ -7197,160 +7714,22 @@
             <a:endParaRPr lang="en-US" dirty="0"/>
           </a:p>
           <a:p>
-            <a:pPr marL="507999" indent="-457200">
-              <a:spcBef>
-                <a:spcPts val="200"/>
-              </a:spcBef>
-              <a:buFont typeface="+mj-lt"/>
-              <a:buAutoNum type="arabicPeriod"/>
+            <a:pPr marL="50799" indent="0">
+              <a:buNone/>
             </a:pPr>
+            <a:endParaRPr lang="en-US" dirty="0"/>
+          </a:p>
+          <a:p>
+            <a:pPr marL="50799" indent="0">
+              <a:buNone/>
+            </a:pPr>
             <a:r>
               <a:rPr lang="en-US" dirty="0"/>
-              <a:t>  </a:t>
-            </a:r>
-            <a:r>
-              <a:rPr lang="en-US" sz="2000" dirty="0" err="1"/>
-              <a:t>rdi</a:t>
-            </a:r>
-            <a:r>
-              <a:rPr lang="en-US" sz="2000" dirty="0"/>
-              <a:t>: &amp;</a:t>
-            </a:r>
-            <a:r>
-              <a:rPr lang="en-US" sz="2000" dirty="0">
-                <a:latin typeface="Courier" pitchFamily="2" charset="0"/>
-              </a:rPr>
-              <a:t>“%d %d %d %d %d %d %d %d\n”</a:t>
-            </a:r>
-            <a:endParaRPr lang="en-US" sz="2000" dirty="0"/>
-          </a:p>
-          <a:p>
-            <a:pPr marL="507999" indent="-457200">
-              <a:spcBef>
-                <a:spcPts val="200"/>
-              </a:spcBef>
-              <a:buFont typeface="+mj-lt"/>
-              <a:buAutoNum type="arabicPeriod"/>
-            </a:pPr>
-            <a:r>
-              <a:rPr lang="en-US" sz="2000" dirty="0"/>
-              <a:t>  </a:t>
-            </a:r>
-            <a:r>
-              <a:rPr lang="en-US" sz="2000" dirty="0" err="1"/>
-              <a:t>rsi</a:t>
-            </a:r>
-            <a:r>
-              <a:rPr lang="en-US" sz="2000" dirty="0"/>
-              <a:t>: 1</a:t>
-            </a:r>
-          </a:p>
-          <a:p>
-            <a:pPr marL="507999" indent="-457200">
-              <a:spcBef>
-                <a:spcPts val="200"/>
-              </a:spcBef>
-              <a:buFont typeface="+mj-lt"/>
-              <a:buAutoNum type="arabicPeriod"/>
-            </a:pPr>
-            <a:r>
-              <a:rPr lang="en-US" sz="2000" dirty="0"/>
-              <a:t>  </a:t>
-            </a:r>
-            <a:r>
-              <a:rPr lang="en-US" sz="2000" dirty="0" err="1"/>
-              <a:t>rdx</a:t>
-            </a:r>
-            <a:r>
-              <a:rPr lang="en-US" sz="2000" dirty="0"/>
-              <a:t>: 2</a:t>
-            </a:r>
-          </a:p>
-          <a:p>
-            <a:pPr marL="507999" indent="-457200">
-              <a:spcBef>
-                <a:spcPts val="200"/>
-              </a:spcBef>
-              <a:buFont typeface="+mj-lt"/>
-              <a:buAutoNum type="arabicPeriod"/>
-            </a:pPr>
-            <a:r>
-              <a:rPr lang="en-US" sz="2000" dirty="0"/>
-              <a:t>  </a:t>
-            </a:r>
-            <a:r>
-              <a:rPr lang="en-US" sz="2000" dirty="0" err="1"/>
-              <a:t>rcx</a:t>
-            </a:r>
-            <a:r>
-              <a:rPr lang="en-US" sz="2000" dirty="0"/>
-              <a:t>: 3</a:t>
-            </a:r>
-          </a:p>
-          <a:p>
-            <a:pPr marL="507999" indent="-457200">
-              <a:spcBef>
-                <a:spcPts val="200"/>
-              </a:spcBef>
-              <a:buFont typeface="+mj-lt"/>
-              <a:buAutoNum type="arabicPeriod"/>
-            </a:pPr>
-            <a:r>
-              <a:rPr lang="en-US" sz="2000" dirty="0"/>
-              <a:t>  r8: 4</a:t>
-            </a:r>
-          </a:p>
-          <a:p>
-            <a:pPr marL="507999" indent="-457200">
-              <a:spcBef>
-                <a:spcPts val="200"/>
-              </a:spcBef>
-              <a:buFont typeface="+mj-lt"/>
-              <a:buAutoNum type="arabicPeriod"/>
-            </a:pPr>
-            <a:r>
-              <a:rPr lang="en-US" sz="2000" dirty="0"/>
-              <a:t>  r9: 5</a:t>
-            </a:r>
-          </a:p>
-          <a:p>
-            <a:pPr marL="507999" indent="-457200">
-              <a:spcBef>
-                <a:spcPts val="200"/>
-              </a:spcBef>
-              <a:buFont typeface="+mj-lt"/>
-              <a:buAutoNum type="arabicPeriod"/>
-            </a:pPr>
-            <a:r>
-              <a:rPr lang="en-US" sz="2000" dirty="0"/>
-              <a:t>  on the stack (6)</a:t>
-            </a:r>
-          </a:p>
-          <a:p>
-            <a:pPr marL="507999" indent="-457200">
-              <a:spcBef>
-                <a:spcPts val="200"/>
-              </a:spcBef>
-              <a:buFont typeface="+mj-lt"/>
-              <a:buAutoNum type="arabicPeriod"/>
-            </a:pPr>
-            <a:r>
-              <a:rPr lang="en-US" sz="2000" dirty="0"/>
-              <a:t>  on the stack (7)</a:t>
-            </a:r>
-          </a:p>
-          <a:p>
-            <a:pPr marL="507999" indent="-457200">
-              <a:spcBef>
-                <a:spcPts val="200"/>
-              </a:spcBef>
-              <a:buFont typeface="+mj-lt"/>
-              <a:buAutoNum type="arabicPeriod"/>
-            </a:pPr>
-            <a:r>
-              <a:rPr lang="en-US" sz="2000" dirty="0"/>
-              <a:t>  on the stack (8)</a:t>
-            </a:r>
+              <a:t>Output: 1 2 3 4 5 6 7 8</a:t>
+            </a:r>
+          </a:p>
+          <a:p>
+            <a:endParaRPr lang="en-US" dirty="0"/>
           </a:p>
         </p:txBody>
       </p:sp>
@@ -7377,7 +7756,304 @@
           <a:p>
             <a:fld id="{B8AB1F1C-5B97-FA47-A21B-131B164DAC8F}" type="slidenum">
               <a:rPr lang="en-US" smtClean="0"/>
-              <a:t>10</a:t>
+              <a:t>12</a:t>
+            </a:fld>
+            <a:endParaRPr lang="en-US"/>
+          </a:p>
+        </p:txBody>
+      </p:sp>
+    </p:spTree>
+    <p:extLst>
+      <p:ext uri="{BB962C8B-B14F-4D97-AF65-F5344CB8AC3E}">
+        <p14:creationId xmlns:p14="http://schemas.microsoft.com/office/powerpoint/2010/main" val="1420975282"/>
+      </p:ext>
+    </p:extLst>
+  </p:cSld>
+  <p:clrMapOvr>
+    <a:masterClrMapping/>
+  </p:clrMapOvr>
+</p:sld>
+</file>
+
+<file path=ppt/slides/slide14.xml><?xml version="1.0" encoding="utf-8"?>
+<p:sld xmlns:a="http://schemas.openxmlformats.org/drawingml/2006/main" xmlns:r="http://schemas.openxmlformats.org/officeDocument/2006/relationships" xmlns:p="http://schemas.openxmlformats.org/presentationml/2006/main">
+  <p:cSld>
+    <p:spTree>
+      <p:nvGrpSpPr>
+        <p:cNvPr id="1" name=""/>
+        <p:cNvGrpSpPr/>
+        <p:nvPr/>
+      </p:nvGrpSpPr>
+      <p:grpSpPr>
+        <a:xfrm>
+          <a:off x="0" y="0"/>
+          <a:ext cx="0" cy="0"/>
+          <a:chOff x="0" y="0"/>
+          <a:chExt cx="0" cy="0"/>
+        </a:xfrm>
+      </p:grpSpPr>
+      <p:sp>
+        <p:nvSpPr>
+          <p:cNvPr id="4" name="Title 3">
+            <a:extLst>
+              <a:ext uri="{FF2B5EF4-FFF2-40B4-BE49-F238E27FC236}">
+                <a16:creationId xmlns:a16="http://schemas.microsoft.com/office/drawing/2014/main" id="{B2FE6EE5-0C66-C04C-BE48-19414654E4B8}"/>
+              </a:ext>
+            </a:extLst>
+          </p:cNvPr>
+          <p:cNvSpPr>
+            <a:spLocks noGrp="1"/>
+          </p:cNvSpPr>
+          <p:nvPr>
+            <p:ph type="title"/>
+          </p:nvPr>
+        </p:nvSpPr>
+        <p:spPr/>
+        <p:txBody>
+          <a:bodyPr/>
+          <a:lstStyle/>
+          <a:p>
+            <a:r>
+              <a:rPr lang="en-US" dirty="0" err="1"/>
+              <a:t>printf</a:t>
+            </a:r>
+            <a:r>
+              <a:rPr lang="en-US" dirty="0"/>
+              <a:t>: Arguments</a:t>
+            </a:r>
+          </a:p>
+        </p:txBody>
+      </p:sp>
+      <p:sp>
+        <p:nvSpPr>
+          <p:cNvPr id="5" name="Text Placeholder 4">
+            <a:extLst>
+              <a:ext uri="{FF2B5EF4-FFF2-40B4-BE49-F238E27FC236}">
+                <a16:creationId xmlns:a16="http://schemas.microsoft.com/office/drawing/2014/main" id="{5E178703-3DC7-C648-89BD-282E0C3537BD}"/>
+              </a:ext>
+            </a:extLst>
+          </p:cNvPr>
+          <p:cNvSpPr>
+            <a:spLocks noGrp="1"/>
+          </p:cNvSpPr>
+          <p:nvPr>
+            <p:ph type="body" idx="1"/>
+          </p:nvPr>
+        </p:nvSpPr>
+        <p:spPr>
+          <a:xfrm>
+            <a:off x="1402732" y="2061256"/>
+            <a:ext cx="9506233" cy="3847374"/>
+          </a:xfrm>
+        </p:spPr>
+        <p:txBody>
+          <a:bodyPr/>
+          <a:lstStyle/>
+          <a:p>
+            <a:pPr marL="50799" indent="0">
+              <a:buNone/>
+            </a:pPr>
+            <a:r>
+              <a:rPr lang="en-US" sz="2000" dirty="0" err="1">
+                <a:latin typeface="Courier" pitchFamily="2" charset="0"/>
+              </a:rPr>
+              <a:t>printf</a:t>
+            </a:r>
+            <a:r>
+              <a:rPr lang="en-US" sz="2000" dirty="0">
+                <a:latin typeface="Courier" pitchFamily="2" charset="0"/>
+              </a:rPr>
+              <a:t>(“%d %d %d %d %d %d %d %d\n”, 1, 2, 3, 4, 5, 6, 7, 8);</a:t>
+            </a:r>
+          </a:p>
+          <a:p>
+            <a:pPr marL="50799" indent="0">
+              <a:buNone/>
+            </a:pPr>
+            <a:endParaRPr lang="en-US" dirty="0"/>
+          </a:p>
+          <a:p>
+            <a:pPr marL="507999" indent="-457200">
+              <a:spcBef>
+                <a:spcPts val="200"/>
+              </a:spcBef>
+              <a:buFont typeface="+mj-lt"/>
+              <a:buAutoNum type="arabicPeriod"/>
+            </a:pPr>
+            <a:r>
+              <a:rPr lang="en-US" dirty="0"/>
+              <a:t>  </a:t>
+            </a:r>
+            <a:r>
+              <a:rPr lang="en-US" sz="2000" dirty="0" err="1"/>
+              <a:t>rdi</a:t>
+            </a:r>
+            <a:r>
+              <a:rPr lang="en-US" sz="2000" dirty="0"/>
+              <a:t>: &amp;</a:t>
+            </a:r>
+            <a:r>
+              <a:rPr lang="en-US" sz="2000" dirty="0">
+                <a:latin typeface="Courier" pitchFamily="2" charset="0"/>
+              </a:rPr>
+              <a:t>“%d %d %d %d %d %d %d %d\n”</a:t>
+            </a:r>
+            <a:endParaRPr lang="en-US" sz="2000" dirty="0"/>
+          </a:p>
+          <a:p>
+            <a:pPr marL="507999" indent="-457200">
+              <a:spcBef>
+                <a:spcPts val="200"/>
+              </a:spcBef>
+              <a:buFont typeface="+mj-lt"/>
+              <a:buAutoNum type="arabicPeriod"/>
+            </a:pPr>
+            <a:r>
+              <a:rPr lang="en-US" sz="2000" dirty="0"/>
+              <a:t>  </a:t>
+            </a:r>
+            <a:r>
+              <a:rPr lang="en-US" sz="2000" dirty="0" err="1"/>
+              <a:t>rsi</a:t>
+            </a:r>
+            <a:r>
+              <a:rPr lang="en-US" sz="2000" dirty="0"/>
+              <a:t>: 1</a:t>
+            </a:r>
+          </a:p>
+          <a:p>
+            <a:pPr marL="507999" indent="-457200">
+              <a:spcBef>
+                <a:spcPts val="200"/>
+              </a:spcBef>
+              <a:buFont typeface="+mj-lt"/>
+              <a:buAutoNum type="arabicPeriod"/>
+            </a:pPr>
+            <a:r>
+              <a:rPr lang="en-US" sz="2000" dirty="0"/>
+              <a:t>  </a:t>
+            </a:r>
+            <a:r>
+              <a:rPr lang="en-US" sz="2000" dirty="0" err="1"/>
+              <a:t>rdx</a:t>
+            </a:r>
+            <a:r>
+              <a:rPr lang="en-US" sz="2000" dirty="0"/>
+              <a:t>: 2</a:t>
+            </a:r>
+          </a:p>
+          <a:p>
+            <a:pPr marL="507999" indent="-457200">
+              <a:spcBef>
+                <a:spcPts val="200"/>
+              </a:spcBef>
+              <a:buFont typeface="+mj-lt"/>
+              <a:buAutoNum type="arabicPeriod"/>
+            </a:pPr>
+            <a:r>
+              <a:rPr lang="en-US" sz="2000" dirty="0"/>
+              <a:t>  </a:t>
+            </a:r>
+            <a:r>
+              <a:rPr lang="en-US" sz="2000" dirty="0" err="1"/>
+              <a:t>rcx</a:t>
+            </a:r>
+            <a:r>
+              <a:rPr lang="en-US" sz="2000" dirty="0"/>
+              <a:t>: 3</a:t>
+            </a:r>
+          </a:p>
+          <a:p>
+            <a:pPr marL="507999" indent="-457200">
+              <a:spcBef>
+                <a:spcPts val="200"/>
+              </a:spcBef>
+              <a:buFont typeface="+mj-lt"/>
+              <a:buAutoNum type="arabicPeriod"/>
+            </a:pPr>
+            <a:r>
+              <a:rPr lang="en-US" sz="2000" dirty="0"/>
+              <a:t>  r8: 4</a:t>
+            </a:r>
+          </a:p>
+          <a:p>
+            <a:pPr marL="507999" indent="-457200">
+              <a:spcBef>
+                <a:spcPts val="200"/>
+              </a:spcBef>
+              <a:buFont typeface="+mj-lt"/>
+              <a:buAutoNum type="arabicPeriod"/>
+            </a:pPr>
+            <a:r>
+              <a:rPr lang="en-US" sz="2000" dirty="0"/>
+              <a:t>  r9: 5</a:t>
+            </a:r>
+          </a:p>
+          <a:p>
+            <a:pPr marL="507999" indent="-457200">
+              <a:spcBef>
+                <a:spcPts val="200"/>
+              </a:spcBef>
+              <a:buFont typeface="+mj-lt"/>
+              <a:buAutoNum type="arabicPeriod"/>
+            </a:pPr>
+            <a:r>
+              <a:rPr lang="en-US" sz="2000" dirty="0"/>
+              <a:t>  on the stack (6)</a:t>
+            </a:r>
+          </a:p>
+          <a:p>
+            <a:pPr marL="507999" indent="-457200">
+              <a:spcBef>
+                <a:spcPts val="200"/>
+              </a:spcBef>
+              <a:buFont typeface="+mj-lt"/>
+              <a:buAutoNum type="arabicPeriod"/>
+            </a:pPr>
+            <a:r>
+              <a:rPr lang="en-US" sz="2000" dirty="0"/>
+              <a:t>  on the stack (7)</a:t>
+            </a:r>
+          </a:p>
+          <a:p>
+            <a:pPr marL="507999" indent="-457200">
+              <a:spcBef>
+                <a:spcPts val="200"/>
+              </a:spcBef>
+              <a:buFont typeface="+mj-lt"/>
+              <a:buAutoNum type="arabicPeriod"/>
+            </a:pPr>
+            <a:r>
+              <a:rPr lang="en-US" sz="2000" dirty="0"/>
+              <a:t>  on the stack (8)</a:t>
+            </a:r>
+          </a:p>
+        </p:txBody>
+      </p:sp>
+      <p:sp>
+        <p:nvSpPr>
+          <p:cNvPr id="3" name="Slide Number Placeholder 2">
+            <a:extLst>
+              <a:ext uri="{FF2B5EF4-FFF2-40B4-BE49-F238E27FC236}">
+                <a16:creationId xmlns:a16="http://schemas.microsoft.com/office/drawing/2014/main" id="{DDEB2D29-7DB5-C849-8CA4-A32296F84982}"/>
+              </a:ext>
+            </a:extLst>
+          </p:cNvPr>
+          <p:cNvSpPr>
+            <a:spLocks noGrp="1"/>
+          </p:cNvSpPr>
+          <p:nvPr>
+            <p:ph type="sldNum" idx="12"/>
+          </p:nvPr>
+        </p:nvSpPr>
+        <p:spPr/>
+        <p:txBody>
+          <a:bodyPr/>
+          <a:lstStyle/>
+          <a:p>
+            <a:fld id="{B8AB1F1C-5B97-FA47-A21B-131B164DAC8F}" type="slidenum">
+              <a:rPr lang="en-US" smtClean="0"/>
+              <a:t>13</a:t>
             </a:fld>
             <a:endParaRPr lang="en-US"/>
           </a:p>
@@ -7426,7 +8102,7 @@
 </p:sld>
 </file>
 
-<file path=ppt/slides/slide12.xml><?xml version="1.0" encoding="utf-8"?>
+<file path=ppt/slides/slide15.xml><?xml version="1.0" encoding="utf-8"?>
 <p:sld xmlns:a="http://schemas.openxmlformats.org/drawingml/2006/main" xmlns:r="http://schemas.openxmlformats.org/officeDocument/2006/relationships" xmlns:p="http://schemas.openxmlformats.org/presentationml/2006/main">
   <p:cSld>
     <p:spTree>
@@ -7716,7 +8392,7 @@
           <a:p>
             <a:fld id="{B8AB1F1C-5B97-FA47-A21B-131B164DAC8F}" type="slidenum">
               <a:rPr lang="en-US" smtClean="0"/>
-              <a:t>11</a:t>
+              <a:t>14</a:t>
             </a:fld>
             <a:endParaRPr lang="en-US"/>
           </a:p>
@@ -7765,7 +8441,7 @@
 </p:sld>
 </file>
 
-<file path=ppt/slides/slide13.xml><?xml version="1.0" encoding="utf-8"?>
+<file path=ppt/slides/slide16.xml><?xml version="1.0" encoding="utf-8"?>
 <p:sld xmlns:a="http://schemas.openxmlformats.org/drawingml/2006/main" xmlns:r="http://schemas.openxmlformats.org/officeDocument/2006/relationships" xmlns:p="http://schemas.openxmlformats.org/presentationml/2006/main">
   <p:cSld>
     <p:spTree>
@@ -8055,7 +8731,7 @@
           <a:p>
             <a:fld id="{B8AB1F1C-5B97-FA47-A21B-131B164DAC8F}" type="slidenum">
               <a:rPr lang="en-US" smtClean="0"/>
-              <a:t>12</a:t>
+              <a:t>15</a:t>
             </a:fld>
             <a:endParaRPr lang="en-US"/>
           </a:p>
@@ -8155,7 +8831,7 @@
 </p:sld>
 </file>
 
-<file path=ppt/slides/slide14.xml><?xml version="1.0" encoding="utf-8"?>
+<file path=ppt/slides/slide17.xml><?xml version="1.0" encoding="utf-8"?>
 <p:sld xmlns:a="http://schemas.openxmlformats.org/drawingml/2006/main" xmlns:r="http://schemas.openxmlformats.org/officeDocument/2006/relationships" xmlns:p="http://schemas.openxmlformats.org/presentationml/2006/main">
   <p:cSld>
     <p:spTree>
@@ -8471,7 +9147,7 @@
           <a:p>
             <a:fld id="{B8AB1F1C-5B97-FA47-A21B-131B164DAC8F}" type="slidenum">
               <a:rPr lang="en-US" smtClean="0"/>
-              <a:t>13</a:t>
+              <a:t>16</a:t>
             </a:fld>
             <a:endParaRPr lang="en-US"/>
           </a:p>
@@ -8571,7 +9247,7 @@
 </p:sld>
 </file>
 
-<file path=ppt/slides/slide15.xml><?xml version="1.0" encoding="utf-8"?>
+<file path=ppt/slides/slide18.xml><?xml version="1.0" encoding="utf-8"?>
 <p:sld xmlns:a="http://schemas.openxmlformats.org/drawingml/2006/main" xmlns:r="http://schemas.openxmlformats.org/officeDocument/2006/relationships" xmlns:p="http://schemas.openxmlformats.org/presentationml/2006/main">
   <p:cSld>
     <p:spTree>
@@ -9087,7 +9763,7 @@
           <a:p>
             <a:fld id="{B8AB1F1C-5B97-FA47-A21B-131B164DAC8F}" type="slidenum">
               <a:rPr lang="en-US" smtClean="0"/>
-              <a:t>14</a:t>
+              <a:t>17</a:t>
             </a:fld>
             <a:endParaRPr lang="en-US"/>
           </a:p>
@@ -9537,7 +10213,7 @@
 </p:sld>
 </file>
 
-<file path=ppt/slides/slide16.xml><?xml version="1.0" encoding="utf-8"?>
+<file path=ppt/slides/slide19.xml><?xml version="1.0" encoding="utf-8"?>
 <p:sld xmlns:a="http://schemas.openxmlformats.org/drawingml/2006/main" xmlns:r="http://schemas.openxmlformats.org/officeDocument/2006/relationships" xmlns:p="http://schemas.openxmlformats.org/presentationml/2006/main">
   <p:cSld>
     <p:spTree>
@@ -10040,7 +10716,7 @@
           <a:p>
             <a:fld id="{B8AB1F1C-5B97-FA47-A21B-131B164DAC8F}" type="slidenum">
               <a:rPr lang="en-US" smtClean="0"/>
-              <a:t>15</a:t>
+              <a:t>18</a:t>
             </a:fld>
             <a:endParaRPr lang="en-US"/>
           </a:p>
@@ -10508,7 +11184,7 @@
 </p:sld>
 </file>
 
-<file path=ppt/slides/slide17.xml><?xml version="1.0" encoding="utf-8"?>
+<file path=ppt/slides/slide2.xml><?xml version="1.0" encoding="utf-8"?>
 <p:sld xmlns:a="http://schemas.openxmlformats.org/drawingml/2006/main" xmlns:r="http://schemas.openxmlformats.org/officeDocument/2006/relationships" xmlns:p="http://schemas.openxmlformats.org/presentationml/2006/main">
   <p:cSld>
     <p:spTree>
@@ -10527,6 +11203,615 @@
       </p:grpSpPr>
       <p:sp>
         <p:nvSpPr>
+          <p:cNvPr id="5" name="Google Shape;105;p16">
+            <a:extLst>
+              <a:ext uri="{FF2B5EF4-FFF2-40B4-BE49-F238E27FC236}">
+                <a16:creationId xmlns:a16="http://schemas.microsoft.com/office/drawing/2014/main" id="{2B9DF7B9-0351-334A-AC17-20409DD9D608}"/>
+              </a:ext>
+            </a:extLst>
+          </p:cNvPr>
+          <p:cNvSpPr txBox="1">
+            <a:spLocks/>
+          </p:cNvSpPr>
+          <p:nvPr/>
+        </p:nvSpPr>
+        <p:spPr>
+          <a:xfrm rot="161729">
+            <a:off x="1301681" y="1169209"/>
+            <a:ext cx="9373171" cy="1013519"/>
+          </a:xfrm>
+          <a:prstGeom prst="rect">
+            <a:avLst/>
+          </a:prstGeom>
+        </p:spPr>
+        <p:txBody>
+          <a:bodyPr spcFirstLastPara="1" wrap="square" lIns="121900" tIns="121900" rIns="121900" bIns="121900" anchor="b" anchorCtr="0">
+            <a:noAutofit/>
+          </a:bodyPr>
+          <a:lstStyle>
+            <a:defPPr marR="0" lvl="0" algn="l" rtl="0">
+              <a:lnSpc>
+                <a:spcPct val="100000"/>
+              </a:lnSpc>
+              <a:spcBef>
+                <a:spcPts val="0"/>
+              </a:spcBef>
+              <a:spcAft>
+                <a:spcPts val="0"/>
+              </a:spcAft>
+            </a:defPPr>
+            <a:lvl1pPr marR="0" lvl="0" algn="l" rtl="0" eaLnBrk="1" hangingPunct="1">
+              <a:lnSpc>
+                <a:spcPct val="100000"/>
+              </a:lnSpc>
+              <a:spcBef>
+                <a:spcPts val="0"/>
+              </a:spcBef>
+              <a:spcAft>
+                <a:spcPts val="0"/>
+              </a:spcAft>
+              <a:buClr>
+                <a:srgbClr val="000000"/>
+              </a:buClr>
+              <a:buFont typeface="Arial"/>
+              <a:defRPr sz="1867" b="0" i="0" u="none" strike="noStrike" cap="none">
+                <a:solidFill>
+                  <a:srgbClr val="000000"/>
+                </a:solidFill>
+                <a:latin typeface="Arial"/>
+                <a:ea typeface="Arial"/>
+                <a:cs typeface="Arial"/>
+                <a:sym typeface="Arial"/>
+              </a:defRPr>
+            </a:lvl1pPr>
+            <a:lvl2pPr marR="0" lvl="1" algn="l" rtl="0" eaLnBrk="1" hangingPunct="1">
+              <a:lnSpc>
+                <a:spcPct val="100000"/>
+              </a:lnSpc>
+              <a:spcBef>
+                <a:spcPts val="0"/>
+              </a:spcBef>
+              <a:spcAft>
+                <a:spcPts val="0"/>
+              </a:spcAft>
+              <a:buClr>
+                <a:srgbClr val="000000"/>
+              </a:buClr>
+              <a:buFont typeface="Arial"/>
+              <a:defRPr sz="1867" b="0" i="0" u="none" strike="noStrike" cap="none">
+                <a:solidFill>
+                  <a:srgbClr val="000000"/>
+                </a:solidFill>
+                <a:latin typeface="Arial"/>
+                <a:ea typeface="Arial"/>
+                <a:cs typeface="Arial"/>
+                <a:sym typeface="Arial"/>
+              </a:defRPr>
+            </a:lvl2pPr>
+            <a:lvl3pPr marR="0" lvl="2" algn="l" rtl="0" eaLnBrk="1" hangingPunct="1">
+              <a:lnSpc>
+                <a:spcPct val="100000"/>
+              </a:lnSpc>
+              <a:spcBef>
+                <a:spcPts val="0"/>
+              </a:spcBef>
+              <a:spcAft>
+                <a:spcPts val="0"/>
+              </a:spcAft>
+              <a:buClr>
+                <a:srgbClr val="000000"/>
+              </a:buClr>
+              <a:buFont typeface="Arial"/>
+              <a:defRPr sz="1867" b="0" i="0" u="none" strike="noStrike" cap="none">
+                <a:solidFill>
+                  <a:srgbClr val="000000"/>
+                </a:solidFill>
+                <a:latin typeface="Arial"/>
+                <a:ea typeface="Arial"/>
+                <a:cs typeface="Arial"/>
+                <a:sym typeface="Arial"/>
+              </a:defRPr>
+            </a:lvl3pPr>
+            <a:lvl4pPr marR="0" lvl="3" algn="l" rtl="0" eaLnBrk="1" hangingPunct="1">
+              <a:lnSpc>
+                <a:spcPct val="100000"/>
+              </a:lnSpc>
+              <a:spcBef>
+                <a:spcPts val="0"/>
+              </a:spcBef>
+              <a:spcAft>
+                <a:spcPts val="0"/>
+              </a:spcAft>
+              <a:buClr>
+                <a:srgbClr val="000000"/>
+              </a:buClr>
+              <a:buFont typeface="Arial"/>
+              <a:defRPr sz="1867" b="0" i="0" u="none" strike="noStrike" cap="none">
+                <a:solidFill>
+                  <a:srgbClr val="000000"/>
+                </a:solidFill>
+                <a:latin typeface="Arial"/>
+                <a:ea typeface="Arial"/>
+                <a:cs typeface="Arial"/>
+                <a:sym typeface="Arial"/>
+              </a:defRPr>
+            </a:lvl4pPr>
+            <a:lvl5pPr marR="0" lvl="4" algn="l" rtl="0" eaLnBrk="1" hangingPunct="1">
+              <a:lnSpc>
+                <a:spcPct val="100000"/>
+              </a:lnSpc>
+              <a:spcBef>
+                <a:spcPts val="0"/>
+              </a:spcBef>
+              <a:spcAft>
+                <a:spcPts val="0"/>
+              </a:spcAft>
+              <a:buClr>
+                <a:srgbClr val="000000"/>
+              </a:buClr>
+              <a:buFont typeface="Arial"/>
+              <a:defRPr sz="1867" b="0" i="0" u="none" strike="noStrike" cap="none">
+                <a:solidFill>
+                  <a:srgbClr val="000000"/>
+                </a:solidFill>
+                <a:latin typeface="Arial"/>
+                <a:ea typeface="Arial"/>
+                <a:cs typeface="Arial"/>
+                <a:sym typeface="Arial"/>
+              </a:defRPr>
+            </a:lvl5pPr>
+            <a:lvl6pPr marR="0" lvl="5" algn="l" rtl="0" eaLnBrk="1" hangingPunct="1">
+              <a:lnSpc>
+                <a:spcPct val="100000"/>
+              </a:lnSpc>
+              <a:spcBef>
+                <a:spcPts val="0"/>
+              </a:spcBef>
+              <a:spcAft>
+                <a:spcPts val="0"/>
+              </a:spcAft>
+              <a:buClr>
+                <a:srgbClr val="000000"/>
+              </a:buClr>
+              <a:buFont typeface="Arial"/>
+              <a:defRPr sz="1867" b="0" i="0" u="none" strike="noStrike" cap="none">
+                <a:solidFill>
+                  <a:srgbClr val="000000"/>
+                </a:solidFill>
+                <a:latin typeface="Arial"/>
+                <a:ea typeface="Arial"/>
+                <a:cs typeface="Arial"/>
+                <a:sym typeface="Arial"/>
+              </a:defRPr>
+            </a:lvl6pPr>
+            <a:lvl7pPr marR="0" lvl="6" algn="l" rtl="0" eaLnBrk="1" hangingPunct="1">
+              <a:lnSpc>
+                <a:spcPct val="100000"/>
+              </a:lnSpc>
+              <a:spcBef>
+                <a:spcPts val="0"/>
+              </a:spcBef>
+              <a:spcAft>
+                <a:spcPts val="0"/>
+              </a:spcAft>
+              <a:buClr>
+                <a:srgbClr val="000000"/>
+              </a:buClr>
+              <a:buFont typeface="Arial"/>
+              <a:defRPr sz="1867" b="0" i="0" u="none" strike="noStrike" cap="none">
+                <a:solidFill>
+                  <a:srgbClr val="000000"/>
+                </a:solidFill>
+                <a:latin typeface="Arial"/>
+                <a:ea typeface="Arial"/>
+                <a:cs typeface="Arial"/>
+                <a:sym typeface="Arial"/>
+              </a:defRPr>
+            </a:lvl7pPr>
+            <a:lvl8pPr marR="0" lvl="7" algn="l" rtl="0" eaLnBrk="1" hangingPunct="1">
+              <a:lnSpc>
+                <a:spcPct val="100000"/>
+              </a:lnSpc>
+              <a:spcBef>
+                <a:spcPts val="0"/>
+              </a:spcBef>
+              <a:spcAft>
+                <a:spcPts val="0"/>
+              </a:spcAft>
+              <a:buClr>
+                <a:srgbClr val="000000"/>
+              </a:buClr>
+              <a:buFont typeface="Arial"/>
+              <a:defRPr sz="1867" b="0" i="0" u="none" strike="noStrike" cap="none">
+                <a:solidFill>
+                  <a:srgbClr val="000000"/>
+                </a:solidFill>
+                <a:latin typeface="Arial"/>
+                <a:ea typeface="Arial"/>
+                <a:cs typeface="Arial"/>
+                <a:sym typeface="Arial"/>
+              </a:defRPr>
+            </a:lvl8pPr>
+            <a:lvl9pPr marR="0" lvl="8" algn="l" rtl="0" eaLnBrk="1" hangingPunct="1">
+              <a:lnSpc>
+                <a:spcPct val="100000"/>
+              </a:lnSpc>
+              <a:spcBef>
+                <a:spcPts val="0"/>
+              </a:spcBef>
+              <a:spcAft>
+                <a:spcPts val="0"/>
+              </a:spcAft>
+              <a:buClr>
+                <a:srgbClr val="000000"/>
+              </a:buClr>
+              <a:buFont typeface="Arial"/>
+              <a:defRPr sz="1867" b="0" i="0" u="none" strike="noStrike" cap="none">
+                <a:solidFill>
+                  <a:srgbClr val="000000"/>
+                </a:solidFill>
+                <a:latin typeface="Arial"/>
+                <a:ea typeface="Arial"/>
+                <a:cs typeface="Arial"/>
+                <a:sym typeface="Arial"/>
+              </a:defRPr>
+            </a:lvl9pPr>
+          </a:lstStyle>
+          <a:p>
+            <a:r>
+              <a:rPr lang="en-US" sz="4000" dirty="0">
+                <a:latin typeface="Bangers" pitchFamily="2" charset="77"/>
+              </a:rPr>
+              <a:t>Announcement</a:t>
+            </a:r>
+          </a:p>
+        </p:txBody>
+      </p:sp>
+      <p:sp>
+        <p:nvSpPr>
+          <p:cNvPr id="6" name="Google Shape;106;p16">
+            <a:extLst>
+              <a:ext uri="{FF2B5EF4-FFF2-40B4-BE49-F238E27FC236}">
+                <a16:creationId xmlns:a16="http://schemas.microsoft.com/office/drawing/2014/main" id="{2895F2F4-42CF-2C4C-8253-78001E4621D4}"/>
+              </a:ext>
+            </a:extLst>
+          </p:cNvPr>
+          <p:cNvSpPr txBox="1">
+            <a:spLocks/>
+          </p:cNvSpPr>
+          <p:nvPr/>
+        </p:nvSpPr>
+        <p:spPr>
+          <a:xfrm>
+            <a:off x="1402733" y="2061267"/>
+            <a:ext cx="9290800" cy="3436019"/>
+          </a:xfrm>
+          <a:prstGeom prst="rect">
+            <a:avLst/>
+          </a:prstGeom>
+          <a:noFill/>
+          <a:ln>
+            <a:noFill/>
+          </a:ln>
+        </p:spPr>
+        <p:txBody>
+          <a:bodyPr spcFirstLastPara="1" wrap="square" lIns="121900" tIns="121900" rIns="121900" bIns="121900" anchor="ctr" anchorCtr="0">
+            <a:noAutofit/>
+          </a:bodyPr>
+          <a:lstStyle>
+            <a:defPPr marR="0" lvl="0" algn="l" rtl="0">
+              <a:lnSpc>
+                <a:spcPct val="100000"/>
+              </a:lnSpc>
+              <a:spcBef>
+                <a:spcPts val="0"/>
+              </a:spcBef>
+              <a:spcAft>
+                <a:spcPts val="0"/>
+              </a:spcAft>
+            </a:defPPr>
+            <a:lvl1pPr marL="609585" marR="0" lvl="0" indent="-304792" algn="ctr" rtl="0" eaLnBrk="1" hangingPunct="1">
+              <a:lnSpc>
+                <a:spcPct val="100000"/>
+              </a:lnSpc>
+              <a:spcBef>
+                <a:spcPts val="480"/>
+              </a:spcBef>
+              <a:spcAft>
+                <a:spcPts val="0"/>
+              </a:spcAft>
+              <a:buClr>
+                <a:schemeClr val="dk1"/>
+              </a:buClr>
+              <a:buSzPts val="1400"/>
+              <a:buFont typeface="Sniglet"/>
+              <a:buNone/>
+              <a:defRPr sz="1867" b="0" i="0" u="none" strike="noStrike" cap="none">
+                <a:solidFill>
+                  <a:schemeClr val="dk1"/>
+                </a:solidFill>
+                <a:latin typeface="Sniglet"/>
+                <a:ea typeface="Sniglet"/>
+                <a:cs typeface="Sniglet"/>
+                <a:sym typeface="Sniglet"/>
+              </a:defRPr>
+            </a:lvl1pPr>
+            <a:lvl2pPr marL="914400" marR="0" lvl="1" indent="-381000" algn="l" rtl="0" eaLnBrk="1" hangingPunct="1">
+              <a:lnSpc>
+                <a:spcPct val="100000"/>
+              </a:lnSpc>
+              <a:spcBef>
+                <a:spcPts val="0"/>
+              </a:spcBef>
+              <a:spcAft>
+                <a:spcPts val="0"/>
+              </a:spcAft>
+              <a:buClr>
+                <a:schemeClr val="dk1"/>
+              </a:buClr>
+              <a:buSzPts val="2400"/>
+              <a:buFont typeface="Sniglet"/>
+              <a:buChar char="×"/>
+              <a:defRPr sz="2400" b="0" i="0" u="none" strike="noStrike" cap="none">
+                <a:solidFill>
+                  <a:schemeClr val="dk1"/>
+                </a:solidFill>
+                <a:latin typeface="Sniglet"/>
+                <a:ea typeface="Sniglet"/>
+                <a:cs typeface="Sniglet"/>
+                <a:sym typeface="Sniglet"/>
+              </a:defRPr>
+            </a:lvl2pPr>
+            <a:lvl3pPr marL="1371600" marR="0" lvl="2" indent="-381000" algn="l" rtl="0" eaLnBrk="1" hangingPunct="1">
+              <a:lnSpc>
+                <a:spcPct val="100000"/>
+              </a:lnSpc>
+              <a:spcBef>
+                <a:spcPts val="0"/>
+              </a:spcBef>
+              <a:spcAft>
+                <a:spcPts val="0"/>
+              </a:spcAft>
+              <a:buClr>
+                <a:schemeClr val="dk1"/>
+              </a:buClr>
+              <a:buSzPts val="2400"/>
+              <a:buFont typeface="Sniglet"/>
+              <a:buChar char="×"/>
+              <a:defRPr sz="2400" b="0" i="0" u="none" strike="noStrike" cap="none">
+                <a:solidFill>
+                  <a:schemeClr val="dk1"/>
+                </a:solidFill>
+                <a:latin typeface="Sniglet"/>
+                <a:ea typeface="Sniglet"/>
+                <a:cs typeface="Sniglet"/>
+                <a:sym typeface="Sniglet"/>
+              </a:defRPr>
+            </a:lvl3pPr>
+            <a:lvl4pPr marL="1828800" marR="0" lvl="3" indent="-342900" algn="l" rtl="0" eaLnBrk="1" hangingPunct="1">
+              <a:lnSpc>
+                <a:spcPct val="100000"/>
+              </a:lnSpc>
+              <a:spcBef>
+                <a:spcPts val="0"/>
+              </a:spcBef>
+              <a:spcAft>
+                <a:spcPts val="0"/>
+              </a:spcAft>
+              <a:buClr>
+                <a:schemeClr val="dk1"/>
+              </a:buClr>
+              <a:buSzPts val="1800"/>
+              <a:buFont typeface="Sniglet"/>
+              <a:buChar char="×"/>
+              <a:defRPr sz="1800" b="0" i="0" u="none" strike="noStrike" cap="none">
+                <a:solidFill>
+                  <a:schemeClr val="dk1"/>
+                </a:solidFill>
+                <a:latin typeface="Sniglet"/>
+                <a:ea typeface="Sniglet"/>
+                <a:cs typeface="Sniglet"/>
+                <a:sym typeface="Sniglet"/>
+              </a:defRPr>
+            </a:lvl4pPr>
+            <a:lvl5pPr marL="2286000" marR="0" lvl="4" indent="-342900" algn="l" rtl="0" eaLnBrk="1" hangingPunct="1">
+              <a:lnSpc>
+                <a:spcPct val="100000"/>
+              </a:lnSpc>
+              <a:spcBef>
+                <a:spcPts val="0"/>
+              </a:spcBef>
+              <a:spcAft>
+                <a:spcPts val="0"/>
+              </a:spcAft>
+              <a:buClr>
+                <a:schemeClr val="dk1"/>
+              </a:buClr>
+              <a:buSzPts val="1800"/>
+              <a:buFont typeface="Sniglet"/>
+              <a:buChar char="×"/>
+              <a:defRPr sz="1800" b="0" i="0" u="none" strike="noStrike" cap="none">
+                <a:solidFill>
+                  <a:schemeClr val="dk1"/>
+                </a:solidFill>
+                <a:latin typeface="Sniglet"/>
+                <a:ea typeface="Sniglet"/>
+                <a:cs typeface="Sniglet"/>
+                <a:sym typeface="Sniglet"/>
+              </a:defRPr>
+            </a:lvl5pPr>
+            <a:lvl6pPr marL="2743200" marR="0" lvl="5" indent="-342900" algn="l" rtl="0" eaLnBrk="1" hangingPunct="1">
+              <a:lnSpc>
+                <a:spcPct val="100000"/>
+              </a:lnSpc>
+              <a:spcBef>
+                <a:spcPts val="0"/>
+              </a:spcBef>
+              <a:spcAft>
+                <a:spcPts val="0"/>
+              </a:spcAft>
+              <a:buClr>
+                <a:schemeClr val="dk1"/>
+              </a:buClr>
+              <a:buSzPts val="1800"/>
+              <a:buFont typeface="Sniglet"/>
+              <a:buChar char="×"/>
+              <a:defRPr sz="1800" b="0" i="0" u="none" strike="noStrike" cap="none">
+                <a:solidFill>
+                  <a:schemeClr val="dk1"/>
+                </a:solidFill>
+                <a:latin typeface="Sniglet"/>
+                <a:ea typeface="Sniglet"/>
+                <a:cs typeface="Sniglet"/>
+                <a:sym typeface="Sniglet"/>
+              </a:defRPr>
+            </a:lvl6pPr>
+            <a:lvl7pPr marL="3200400" marR="0" lvl="6" indent="-342900" algn="l" rtl="0" eaLnBrk="1" hangingPunct="1">
+              <a:lnSpc>
+                <a:spcPct val="100000"/>
+              </a:lnSpc>
+              <a:spcBef>
+                <a:spcPts val="0"/>
+              </a:spcBef>
+              <a:spcAft>
+                <a:spcPts val="0"/>
+              </a:spcAft>
+              <a:buClr>
+                <a:schemeClr val="dk1"/>
+              </a:buClr>
+              <a:buSzPts val="1800"/>
+              <a:buFont typeface="Sniglet"/>
+              <a:buChar char="×"/>
+              <a:defRPr sz="1800" b="0" i="0" u="none" strike="noStrike" cap="none">
+                <a:solidFill>
+                  <a:schemeClr val="dk1"/>
+                </a:solidFill>
+                <a:latin typeface="Sniglet"/>
+                <a:ea typeface="Sniglet"/>
+                <a:cs typeface="Sniglet"/>
+                <a:sym typeface="Sniglet"/>
+              </a:defRPr>
+            </a:lvl7pPr>
+            <a:lvl8pPr marL="3657600" marR="0" lvl="7" indent="-342900" algn="l" rtl="0" eaLnBrk="1" hangingPunct="1">
+              <a:lnSpc>
+                <a:spcPct val="100000"/>
+              </a:lnSpc>
+              <a:spcBef>
+                <a:spcPts val="0"/>
+              </a:spcBef>
+              <a:spcAft>
+                <a:spcPts val="0"/>
+              </a:spcAft>
+              <a:buClr>
+                <a:schemeClr val="dk1"/>
+              </a:buClr>
+              <a:buSzPts val="1800"/>
+              <a:buFont typeface="Sniglet"/>
+              <a:buChar char="×"/>
+              <a:defRPr sz="1800" b="0" i="0" u="none" strike="noStrike" cap="none">
+                <a:solidFill>
+                  <a:schemeClr val="dk1"/>
+                </a:solidFill>
+                <a:latin typeface="Sniglet"/>
+                <a:ea typeface="Sniglet"/>
+                <a:cs typeface="Sniglet"/>
+                <a:sym typeface="Sniglet"/>
+              </a:defRPr>
+            </a:lvl8pPr>
+            <a:lvl9pPr marL="4114800" marR="0" lvl="8" indent="-342900" algn="l" rtl="0" eaLnBrk="1" hangingPunct="1">
+              <a:lnSpc>
+                <a:spcPct val="100000"/>
+              </a:lnSpc>
+              <a:spcBef>
+                <a:spcPts val="0"/>
+              </a:spcBef>
+              <a:spcAft>
+                <a:spcPts val="0"/>
+              </a:spcAft>
+              <a:buClr>
+                <a:schemeClr val="dk1"/>
+              </a:buClr>
+              <a:buSzPts val="1800"/>
+              <a:buFont typeface="Sniglet"/>
+              <a:buChar char="×"/>
+              <a:defRPr sz="1800" b="0" i="0" u="none" strike="noStrike" cap="none">
+                <a:solidFill>
+                  <a:schemeClr val="dk1"/>
+                </a:solidFill>
+                <a:latin typeface="Sniglet"/>
+                <a:ea typeface="Sniglet"/>
+                <a:cs typeface="Sniglet"/>
+                <a:sym typeface="Sniglet"/>
+              </a:defRPr>
+            </a:lvl9pPr>
+          </a:lstStyle>
+          <a:p>
+            <a:pPr indent="-507987" algn="l">
+              <a:buSzPts val="2400"/>
+              <a:buFont typeface="Arial" panose="020B0604020202020204" pitchFamily="34" charset="0"/>
+              <a:buChar char="•"/>
+            </a:pPr>
+            <a:r>
+              <a:rPr lang="en-US" sz="2400" dirty="0"/>
+              <a:t>Assignment 3 is released</a:t>
+            </a:r>
+          </a:p>
+          <a:p>
+            <a:pPr indent="-507987" algn="l">
+              <a:buSzPts val="2400"/>
+              <a:buFont typeface="Arial" panose="020B0604020202020204" pitchFamily="34" charset="0"/>
+              <a:buChar char="•"/>
+            </a:pPr>
+            <a:endParaRPr lang="en-US" sz="2400" dirty="0"/>
+          </a:p>
+          <a:p>
+            <a:pPr indent="-507987" algn="l">
+              <a:buSzPts val="2400"/>
+              <a:buFont typeface="Arial" panose="020B0604020202020204" pitchFamily="34" charset="0"/>
+              <a:buChar char="•"/>
+            </a:pPr>
+            <a:r>
+              <a:rPr lang="en-US" sz="2400" dirty="0"/>
+              <a:t>Next week: Guest lecture, binary analysis</a:t>
+            </a:r>
+          </a:p>
+        </p:txBody>
+      </p:sp>
+    </p:spTree>
+    <p:extLst>
+      <p:ext uri="{BB962C8B-B14F-4D97-AF65-F5344CB8AC3E}">
+        <p14:creationId xmlns:p14="http://schemas.microsoft.com/office/powerpoint/2010/main" val="1005942405"/>
+      </p:ext>
+    </p:extLst>
+  </p:cSld>
+  <p:clrMapOvr>
+    <a:masterClrMapping/>
+  </p:clrMapOvr>
+  <p:transition>
+    <p:fade thruBlk="1"/>
+  </p:transition>
+</p:sld>
+</file>
+
+<file path=ppt/slides/slide20.xml><?xml version="1.0" encoding="utf-8"?>
+<p:sld xmlns:a="http://schemas.openxmlformats.org/drawingml/2006/main" xmlns:r="http://schemas.openxmlformats.org/officeDocument/2006/relationships" xmlns:p="http://schemas.openxmlformats.org/presentationml/2006/main">
+  <p:cSld>
+    <p:spTree>
+      <p:nvGrpSpPr>
+        <p:cNvPr id="1" name=""/>
+        <p:cNvGrpSpPr/>
+        <p:nvPr/>
+      </p:nvGrpSpPr>
+      <p:grpSpPr>
+        <a:xfrm>
+          <a:off x="0" y="0"/>
+          <a:ext cx="0" cy="0"/>
+          <a:chOff x="0" y="0"/>
+          <a:chExt cx="0" cy="0"/>
+        </a:xfrm>
+      </p:grpSpPr>
+      <p:sp>
+        <p:nvSpPr>
           <p:cNvPr id="4" name="Title 3">
             <a:extLst>
               <a:ext uri="{FF2B5EF4-FFF2-40B4-BE49-F238E27FC236}">
@@ -11040,7 +12325,7 @@
           <a:p>
             <a:fld id="{B8AB1F1C-5B97-FA47-A21B-131B164DAC8F}" type="slidenum">
               <a:rPr lang="en-US" smtClean="0"/>
-              <a:t>16</a:t>
+              <a:t>19</a:t>
             </a:fld>
             <a:endParaRPr lang="en-US"/>
           </a:p>
@@ -11508,7 +12793,7 @@
 </p:sld>
 </file>
 
-<file path=ppt/slides/slide18.xml><?xml version="1.0" encoding="utf-8"?>
+<file path=ppt/slides/slide21.xml><?xml version="1.0" encoding="utf-8"?>
 <p:sld xmlns:a="http://schemas.openxmlformats.org/drawingml/2006/main" xmlns:r="http://schemas.openxmlformats.org/officeDocument/2006/relationships" xmlns:p="http://schemas.openxmlformats.org/presentationml/2006/main">
   <p:cSld>
     <p:spTree>
@@ -12040,7 +13325,7 @@
           <a:p>
             <a:fld id="{B8AB1F1C-5B97-FA47-A21B-131B164DAC8F}" type="slidenum">
               <a:rPr lang="en-US" smtClean="0"/>
-              <a:t>17</a:t>
+              <a:t>20</a:t>
             </a:fld>
             <a:endParaRPr lang="en-US"/>
           </a:p>
@@ -12612,7 +13897,7 @@
 </p:sld>
 </file>
 
-<file path=ppt/slides/slide19.xml><?xml version="1.0" encoding="utf-8"?>
+<file path=ppt/slides/slide22.xml><?xml version="1.0" encoding="utf-8"?>
 <p:sld xmlns:a="http://schemas.openxmlformats.org/drawingml/2006/main" xmlns:r="http://schemas.openxmlformats.org/officeDocument/2006/relationships" xmlns:p="http://schemas.openxmlformats.org/presentationml/2006/main">
   <p:cSld>
     <p:spTree>
@@ -13144,7 +14429,7 @@
           <a:p>
             <a:fld id="{B8AB1F1C-5B97-FA47-A21B-131B164DAC8F}" type="slidenum">
               <a:rPr lang="en-US" smtClean="0"/>
-              <a:t>18</a:t>
+              <a:t>21</a:t>
             </a:fld>
             <a:endParaRPr lang="en-US"/>
           </a:p>
@@ -13716,7 +15001,7 @@
 </p:sld>
 </file>
 
-<file path=ppt/slides/slide2.xml><?xml version="1.0" encoding="utf-8"?>
+<file path=ppt/slides/slide23.xml><?xml version="1.0" encoding="utf-8"?>
 <p:sld xmlns:a="http://schemas.openxmlformats.org/drawingml/2006/main" xmlns:r="http://schemas.openxmlformats.org/officeDocument/2006/relationships" xmlns:p="http://schemas.openxmlformats.org/presentationml/2006/main">
   <p:cSld>
     <p:spTree>
@@ -13735,10 +15020,10 @@
       </p:grpSpPr>
       <p:sp>
         <p:nvSpPr>
-          <p:cNvPr id="4" name="Title 3">
+          <p:cNvPr id="2" name="Title 1">
             <a:extLst>
               <a:ext uri="{FF2B5EF4-FFF2-40B4-BE49-F238E27FC236}">
-                <a16:creationId xmlns:a16="http://schemas.microsoft.com/office/drawing/2014/main" id="{D0B8703B-4AF7-224A-BC65-D08A797B80CB}"/>
+                <a16:creationId xmlns:a16="http://schemas.microsoft.com/office/drawing/2014/main" id="{670970DC-2E00-FA41-A18F-095E834478F4}"/>
               </a:ext>
             </a:extLst>
           </p:cNvPr>
@@ -13756,17 +15041,17 @@
           <a:p>
             <a:r>
               <a:rPr lang="en-US" dirty="0"/>
-              <a:t>Overview</a:t>
+              <a:t>positional argument</a:t>
             </a:r>
           </a:p>
         </p:txBody>
       </p:sp>
       <p:sp>
         <p:nvSpPr>
-          <p:cNvPr id="5" name="Text Placeholder 4">
+          <p:cNvPr id="3" name="Text Placeholder 2">
             <a:extLst>
               <a:ext uri="{FF2B5EF4-FFF2-40B4-BE49-F238E27FC236}">
-                <a16:creationId xmlns:a16="http://schemas.microsoft.com/office/drawing/2014/main" id="{4F65CBB2-E49F-2D4A-9592-CEF3D474D6BE}"/>
+                <a16:creationId xmlns:a16="http://schemas.microsoft.com/office/drawing/2014/main" id="{41AECD00-3897-E343-A31B-E495ED265B8E}"/>
               </a:ext>
             </a:extLst>
           </p:cNvPr>
@@ -13779,34 +15064,126 @@
         </p:nvSpPr>
         <p:spPr/>
         <p:txBody>
-          <a:bodyPr/>
+          <a:bodyPr anchor="ctr"/>
           <a:lstStyle/>
           <a:p>
-            <a:r>
-              <a:rPr lang="en-US" dirty="0"/>
-              <a:t>Dynamic Linking in ELF Binaries</a:t>
-            </a:r>
-          </a:p>
-          <a:p>
-            <a:r>
-              <a:rPr lang="en-US" dirty="0"/>
-              <a:t>Lab Continued</a:t>
-            </a:r>
-          </a:p>
-          <a:p>
-            <a:r>
-              <a:rPr lang="en-US" dirty="0"/>
-              <a:t>Format String Vulnerabilities</a:t>
-            </a:r>
+            <a:pPr marL="50799" indent="0" algn="ctr">
+              <a:buNone/>
+            </a:pPr>
+            <a:r>
+              <a:rPr lang="en-US" sz="2800" dirty="0" err="1">
+                <a:latin typeface="Courier" pitchFamily="2" charset="0"/>
+              </a:rPr>
+              <a:t>printf</a:t>
+            </a:r>
+            <a:r>
+              <a:rPr lang="en-US" sz="2800" dirty="0">
+                <a:latin typeface="Courier" pitchFamily="2" charset="0"/>
+              </a:rPr>
+              <a:t>(”m = </a:t>
+            </a:r>
+            <a:r>
+              <a:rPr lang="en-US" sz="2800" dirty="0">
+                <a:solidFill>
+                  <a:schemeClr val="tx1"/>
+                </a:solidFill>
+                <a:latin typeface="Courier" pitchFamily="2" charset="0"/>
+              </a:rPr>
+              <a:t>%</a:t>
+            </a:r>
+            <a:r>
+              <a:rPr lang="en-US" sz="2800" dirty="0">
+                <a:solidFill>
+                  <a:schemeClr val="accent2"/>
+                </a:solidFill>
+                <a:latin typeface="Courier" pitchFamily="2" charset="0"/>
+              </a:rPr>
+              <a:t>2$</a:t>
+            </a:r>
+            <a:r>
+              <a:rPr lang="en-US" sz="2800" dirty="0">
+                <a:solidFill>
+                  <a:schemeClr val="tx1"/>
+                </a:solidFill>
+                <a:latin typeface="Courier" pitchFamily="2" charset="0"/>
+              </a:rPr>
+              <a:t>d, n = %</a:t>
+            </a:r>
+            <a:r>
+              <a:rPr lang="en-US" sz="2800" dirty="0">
+                <a:solidFill>
+                  <a:schemeClr val="accent1"/>
+                </a:solidFill>
+                <a:latin typeface="Courier" pitchFamily="2" charset="0"/>
+              </a:rPr>
+              <a:t>1$</a:t>
+            </a:r>
+            <a:r>
+              <a:rPr lang="en-US" sz="2800" dirty="0">
+                <a:solidFill>
+                  <a:schemeClr val="tx1"/>
+                </a:solidFill>
+                <a:latin typeface="Courier" pitchFamily="2" charset="0"/>
+              </a:rPr>
+              <a:t>d”, </a:t>
+            </a:r>
+            <a:r>
+              <a:rPr lang="en-US" sz="2800" dirty="0">
+                <a:solidFill>
+                  <a:schemeClr val="accent1"/>
+                </a:solidFill>
+                <a:latin typeface="Courier" pitchFamily="2" charset="0"/>
+              </a:rPr>
+              <a:t>n</a:t>
+            </a:r>
+            <a:r>
+              <a:rPr lang="en-US" sz="2800" dirty="0">
+                <a:solidFill>
+                  <a:schemeClr val="tx1"/>
+                </a:solidFill>
+                <a:latin typeface="Courier" pitchFamily="2" charset="0"/>
+              </a:rPr>
+              <a:t>, </a:t>
+            </a:r>
+            <a:r>
+              <a:rPr lang="en-US" sz="2800" dirty="0">
+                <a:solidFill>
+                  <a:schemeClr val="accent2"/>
+                </a:solidFill>
+                <a:latin typeface="Courier" pitchFamily="2" charset="0"/>
+              </a:rPr>
+              <a:t>m</a:t>
+            </a:r>
+            <a:r>
+              <a:rPr lang="en-US" sz="2800" dirty="0">
+                <a:solidFill>
+                  <a:schemeClr val="tx1"/>
+                </a:solidFill>
+                <a:latin typeface="Courier" pitchFamily="2" charset="0"/>
+              </a:rPr>
+              <a:t>)</a:t>
+            </a:r>
+            <a:r>
+              <a:rPr lang="en-US" sz="2800" dirty="0">
+                <a:latin typeface="Courier" pitchFamily="2" charset="0"/>
+              </a:rPr>
+              <a:t>;</a:t>
+            </a:r>
+          </a:p>
+          <a:p>
+            <a:pPr marL="50799" indent="0">
+              <a:buNone/>
+            </a:pPr>
+            <a:endParaRPr lang="en-US" dirty="0"/>
           </a:p>
         </p:txBody>
       </p:sp>
       <p:sp>
         <p:nvSpPr>
-          <p:cNvPr id="3" name="Slide Number Placeholder 2">
+          <p:cNvPr id="4" name="Slide Number Placeholder 3">
             <a:extLst>
               <a:ext uri="{FF2B5EF4-FFF2-40B4-BE49-F238E27FC236}">
-                <a16:creationId xmlns:a16="http://schemas.microsoft.com/office/drawing/2014/main" id="{EDA152BC-8DD3-834E-B0EA-90A0FD0BE790}"/>
+                <a16:creationId xmlns:a16="http://schemas.microsoft.com/office/drawing/2014/main" id="{33F9D2BE-37BB-9447-BA29-CF2FF87C3288}"/>
               </a:ext>
             </a:extLst>
           </p:cNvPr>
@@ -13824,7 +15201,7 @@
           <a:p>
             <a:fld id="{B8AB1F1C-5B97-FA47-A21B-131B164DAC8F}" type="slidenum">
               <a:rPr lang="en-US" smtClean="0"/>
-              <a:t>1</a:t>
+              <a:t>22</a:t>
             </a:fld>
             <a:endParaRPr lang="en-US"/>
           </a:p>
@@ -13833,7 +15210,7 @@
     </p:spTree>
     <p:extLst>
       <p:ext uri="{BB962C8B-B14F-4D97-AF65-F5344CB8AC3E}">
-        <p14:creationId xmlns:p14="http://schemas.microsoft.com/office/powerpoint/2010/main" val="928784914"/>
+        <p14:creationId xmlns:p14="http://schemas.microsoft.com/office/powerpoint/2010/main" val="2695798085"/>
       </p:ext>
     </p:extLst>
   </p:cSld>
@@ -13843,7 +15220,7 @@
 </p:sld>
 </file>
 
-<file path=ppt/slides/slide20.xml><?xml version="1.0" encoding="utf-8"?>
+<file path=ppt/slides/slide24.xml><?xml version="1.0" encoding="utf-8"?>
 <p:sld xmlns:a="http://schemas.openxmlformats.org/drawingml/2006/main" xmlns:r="http://schemas.openxmlformats.org/officeDocument/2006/relationships" xmlns:p="http://schemas.openxmlformats.org/presentationml/2006/main">
   <p:cSld>
     <p:spTree>
@@ -13862,225 +15239,6 @@
       </p:grpSpPr>
       <p:sp>
         <p:nvSpPr>
-          <p:cNvPr id="2" name="Title 1">
-            <a:extLst>
-              <a:ext uri="{FF2B5EF4-FFF2-40B4-BE49-F238E27FC236}">
-                <a16:creationId xmlns:a16="http://schemas.microsoft.com/office/drawing/2014/main" id="{670970DC-2E00-FA41-A18F-095E834478F4}"/>
-              </a:ext>
-            </a:extLst>
-          </p:cNvPr>
-          <p:cNvSpPr>
-            <a:spLocks noGrp="1"/>
-          </p:cNvSpPr>
-          <p:nvPr>
-            <p:ph type="title"/>
-          </p:nvPr>
-        </p:nvSpPr>
-        <p:spPr/>
-        <p:txBody>
-          <a:bodyPr/>
-          <a:lstStyle/>
-          <a:p>
-            <a:r>
-              <a:rPr lang="en-US" dirty="0"/>
-              <a:t>positional argument</a:t>
-            </a:r>
-          </a:p>
-        </p:txBody>
-      </p:sp>
-      <p:sp>
-        <p:nvSpPr>
-          <p:cNvPr id="3" name="Text Placeholder 2">
-            <a:extLst>
-              <a:ext uri="{FF2B5EF4-FFF2-40B4-BE49-F238E27FC236}">
-                <a16:creationId xmlns:a16="http://schemas.microsoft.com/office/drawing/2014/main" id="{41AECD00-3897-E343-A31B-E495ED265B8E}"/>
-              </a:ext>
-            </a:extLst>
-          </p:cNvPr>
-          <p:cNvSpPr>
-            <a:spLocks noGrp="1"/>
-          </p:cNvSpPr>
-          <p:nvPr>
-            <p:ph type="body" idx="1"/>
-          </p:nvPr>
-        </p:nvSpPr>
-        <p:spPr/>
-        <p:txBody>
-          <a:bodyPr anchor="ctr"/>
-          <a:lstStyle/>
-          <a:p>
-            <a:pPr marL="50799" indent="0" algn="ctr">
-              <a:buNone/>
-            </a:pPr>
-            <a:r>
-              <a:rPr lang="en-US" sz="2800" dirty="0" err="1">
-                <a:latin typeface="Courier" pitchFamily="2" charset="0"/>
-              </a:rPr>
-              <a:t>printf</a:t>
-            </a:r>
-            <a:r>
-              <a:rPr lang="en-US" sz="2800" dirty="0">
-                <a:latin typeface="Courier" pitchFamily="2" charset="0"/>
-              </a:rPr>
-              <a:t>(”m = </a:t>
-            </a:r>
-            <a:r>
-              <a:rPr lang="en-US" sz="2800" dirty="0">
-                <a:solidFill>
-                  <a:schemeClr val="tx1"/>
-                </a:solidFill>
-                <a:latin typeface="Courier" pitchFamily="2" charset="0"/>
-              </a:rPr>
-              <a:t>%</a:t>
-            </a:r>
-            <a:r>
-              <a:rPr lang="en-US" sz="2800" dirty="0">
-                <a:solidFill>
-                  <a:schemeClr val="accent2"/>
-                </a:solidFill>
-                <a:latin typeface="Courier" pitchFamily="2" charset="0"/>
-              </a:rPr>
-              <a:t>2$</a:t>
-            </a:r>
-            <a:r>
-              <a:rPr lang="en-US" sz="2800" dirty="0">
-                <a:solidFill>
-                  <a:schemeClr val="tx1"/>
-                </a:solidFill>
-                <a:latin typeface="Courier" pitchFamily="2" charset="0"/>
-              </a:rPr>
-              <a:t>d, n = %</a:t>
-            </a:r>
-            <a:r>
-              <a:rPr lang="en-US" sz="2800" dirty="0">
-                <a:solidFill>
-                  <a:schemeClr val="accent1"/>
-                </a:solidFill>
-                <a:latin typeface="Courier" pitchFamily="2" charset="0"/>
-              </a:rPr>
-              <a:t>1$</a:t>
-            </a:r>
-            <a:r>
-              <a:rPr lang="en-US" sz="2800" dirty="0">
-                <a:solidFill>
-                  <a:schemeClr val="tx1"/>
-                </a:solidFill>
-                <a:latin typeface="Courier" pitchFamily="2" charset="0"/>
-              </a:rPr>
-              <a:t>d”, </a:t>
-            </a:r>
-            <a:r>
-              <a:rPr lang="en-US" sz="2800" dirty="0">
-                <a:solidFill>
-                  <a:schemeClr val="accent1"/>
-                </a:solidFill>
-                <a:latin typeface="Courier" pitchFamily="2" charset="0"/>
-              </a:rPr>
-              <a:t>n</a:t>
-            </a:r>
-            <a:r>
-              <a:rPr lang="en-US" sz="2800" dirty="0">
-                <a:solidFill>
-                  <a:schemeClr val="tx1"/>
-                </a:solidFill>
-                <a:latin typeface="Courier" pitchFamily="2" charset="0"/>
-              </a:rPr>
-              <a:t>, </a:t>
-            </a:r>
-            <a:r>
-              <a:rPr lang="en-US" sz="2800" dirty="0">
-                <a:solidFill>
-                  <a:schemeClr val="accent2"/>
-                </a:solidFill>
-                <a:latin typeface="Courier" pitchFamily="2" charset="0"/>
-              </a:rPr>
-              <a:t>m</a:t>
-            </a:r>
-            <a:r>
-              <a:rPr lang="en-US" sz="2800" dirty="0">
-                <a:solidFill>
-                  <a:schemeClr val="tx1"/>
-                </a:solidFill>
-                <a:latin typeface="Courier" pitchFamily="2" charset="0"/>
-              </a:rPr>
-              <a:t>)</a:t>
-            </a:r>
-            <a:r>
-              <a:rPr lang="en-US" sz="2800" dirty="0">
-                <a:latin typeface="Courier" pitchFamily="2" charset="0"/>
-              </a:rPr>
-              <a:t>;</a:t>
-            </a:r>
-          </a:p>
-          <a:p>
-            <a:pPr marL="50799" indent="0">
-              <a:buNone/>
-            </a:pPr>
-            <a:endParaRPr lang="en-US" dirty="0"/>
-          </a:p>
-        </p:txBody>
-      </p:sp>
-      <p:sp>
-        <p:nvSpPr>
-          <p:cNvPr id="4" name="Slide Number Placeholder 3">
-            <a:extLst>
-              <a:ext uri="{FF2B5EF4-FFF2-40B4-BE49-F238E27FC236}">
-                <a16:creationId xmlns:a16="http://schemas.microsoft.com/office/drawing/2014/main" id="{33F9D2BE-37BB-9447-BA29-CF2FF87C3288}"/>
-              </a:ext>
-            </a:extLst>
-          </p:cNvPr>
-          <p:cNvSpPr>
-            <a:spLocks noGrp="1"/>
-          </p:cNvSpPr>
-          <p:nvPr>
-            <p:ph type="sldNum" idx="12"/>
-          </p:nvPr>
-        </p:nvSpPr>
-        <p:spPr/>
-        <p:txBody>
-          <a:bodyPr/>
-          <a:lstStyle/>
-          <a:p>
-            <a:fld id="{B8AB1F1C-5B97-FA47-A21B-131B164DAC8F}" type="slidenum">
-              <a:rPr lang="en-US" smtClean="0"/>
-              <a:t>19</a:t>
-            </a:fld>
-            <a:endParaRPr lang="en-US"/>
-          </a:p>
-        </p:txBody>
-      </p:sp>
-    </p:spTree>
-    <p:extLst>
-      <p:ext uri="{BB962C8B-B14F-4D97-AF65-F5344CB8AC3E}">
-        <p14:creationId xmlns:p14="http://schemas.microsoft.com/office/powerpoint/2010/main" val="2695798085"/>
-      </p:ext>
-    </p:extLst>
-  </p:cSld>
-  <p:clrMapOvr>
-    <a:masterClrMapping/>
-  </p:clrMapOvr>
-</p:sld>
-</file>
-
-<file path=ppt/slides/slide21.xml><?xml version="1.0" encoding="utf-8"?>
-<p:sld xmlns:a="http://schemas.openxmlformats.org/drawingml/2006/main" xmlns:r="http://schemas.openxmlformats.org/officeDocument/2006/relationships" xmlns:p="http://schemas.openxmlformats.org/presentationml/2006/main">
-  <p:cSld>
-    <p:spTree>
-      <p:nvGrpSpPr>
-        <p:cNvPr id="1" name=""/>
-        <p:cNvGrpSpPr/>
-        <p:nvPr/>
-      </p:nvGrpSpPr>
-      <p:grpSpPr>
-        <a:xfrm>
-          <a:off x="0" y="0"/>
-          <a:ext cx="0" cy="0"/>
-          <a:chOff x="0" y="0"/>
-          <a:chExt cx="0" cy="0"/>
-        </a:xfrm>
-      </p:grpSpPr>
-      <p:sp>
-        <p:nvSpPr>
           <p:cNvPr id="4" name="Title 3">
             <a:extLst>
               <a:ext uri="{FF2B5EF4-FFF2-40B4-BE49-F238E27FC236}">
@@ -14510,7 +15668,7 @@
           <a:p>
             <a:fld id="{B8AB1F1C-5B97-FA47-A21B-131B164DAC8F}" type="slidenum">
               <a:rPr lang="en-US" smtClean="0"/>
-              <a:t>20</a:t>
+              <a:t>23</a:t>
             </a:fld>
             <a:endParaRPr lang="en-US"/>
           </a:p>
@@ -15260,7 +16418,7 @@
 </p:sld>
 </file>
 
-<file path=ppt/slides/slide22.xml><?xml version="1.0" encoding="utf-8"?>
+<file path=ppt/slides/slide25.xml><?xml version="1.0" encoding="utf-8"?>
 <p:sld xmlns:a="http://schemas.openxmlformats.org/drawingml/2006/main" xmlns:r="http://schemas.openxmlformats.org/officeDocument/2006/relationships" xmlns:p="http://schemas.openxmlformats.org/presentationml/2006/main">
   <p:cSld>
     <p:spTree>
@@ -15402,7 +16560,7 @@
           <a:p>
             <a:fld id="{B8AB1F1C-5B97-FA47-A21B-131B164DAC8F}" type="slidenum">
               <a:rPr lang="en-US" smtClean="0"/>
-              <a:t>21</a:t>
+              <a:t>24</a:t>
             </a:fld>
             <a:endParaRPr lang="en-US"/>
           </a:p>
@@ -15421,7 +16579,7 @@
 </p:sld>
 </file>
 
-<file path=ppt/slides/slide23.xml><?xml version="1.0" encoding="utf-8"?>
+<file path=ppt/slides/slide26.xml><?xml version="1.0" encoding="utf-8"?>
 <p:sld xmlns:a="http://schemas.openxmlformats.org/drawingml/2006/main" xmlns:r="http://schemas.openxmlformats.org/officeDocument/2006/relationships" xmlns:p="http://schemas.openxmlformats.org/presentationml/2006/main">
   <p:cSld>
     <p:spTree>
@@ -15589,7 +16747,7 @@
           <a:p>
             <a:fld id="{B8AB1F1C-5B97-FA47-A21B-131B164DAC8F}" type="slidenum">
               <a:rPr lang="en-US" smtClean="0"/>
-              <a:t>22</a:t>
+              <a:t>25</a:t>
             </a:fld>
             <a:endParaRPr lang="en-US"/>
           </a:p>
@@ -15608,7 +16766,7 @@
 </p:sld>
 </file>
 
-<file path=ppt/slides/slide24.xml><?xml version="1.0" encoding="utf-8"?>
+<file path=ppt/slides/slide27.xml><?xml version="1.0" encoding="utf-8"?>
 <p:sld xmlns:a="http://schemas.openxmlformats.org/drawingml/2006/main" xmlns:r="http://schemas.openxmlformats.org/officeDocument/2006/relationships" xmlns:p="http://schemas.openxmlformats.org/presentationml/2006/main">
   <p:cSld>
     <p:spTree>
@@ -15794,7 +16952,7 @@
           <a:p>
             <a:fld id="{B8AB1F1C-5B97-FA47-A21B-131B164DAC8F}" type="slidenum">
               <a:rPr lang="en-US" smtClean="0"/>
-              <a:t>23</a:t>
+              <a:t>26</a:t>
             </a:fld>
             <a:endParaRPr lang="en-US"/>
           </a:p>
@@ -15843,7 +17001,7 @@
 </p:sld>
 </file>
 
-<file path=ppt/slides/slide25.xml><?xml version="1.0" encoding="utf-8"?>
+<file path=ppt/slides/slide28.xml><?xml version="1.0" encoding="utf-8"?>
 <p:sld xmlns:a="http://schemas.openxmlformats.org/drawingml/2006/main" xmlns:r="http://schemas.openxmlformats.org/officeDocument/2006/relationships" xmlns:p="http://schemas.openxmlformats.org/presentationml/2006/main">
   <p:cSld>
     <p:spTree>
@@ -16064,7 +17222,7 @@
           <a:p>
             <a:fld id="{B8AB1F1C-5B97-FA47-A21B-131B164DAC8F}" type="slidenum">
               <a:rPr lang="en-US" smtClean="0"/>
-              <a:t>24</a:t>
+              <a:t>27</a:t>
             </a:fld>
             <a:endParaRPr lang="en-US"/>
           </a:p>
@@ -16113,7 +17271,7 @@
 </p:sld>
 </file>
 
-<file path=ppt/slides/slide26.xml><?xml version="1.0" encoding="utf-8"?>
+<file path=ppt/slides/slide29.xml><?xml version="1.0" encoding="utf-8"?>
 <p:sld xmlns:a="http://schemas.openxmlformats.org/drawingml/2006/main" xmlns:r="http://schemas.openxmlformats.org/officeDocument/2006/relationships" xmlns:p="http://schemas.openxmlformats.org/presentationml/2006/main">
   <p:cSld>
     <p:spTree>
@@ -16293,7 +17451,7 @@
           <a:p>
             <a:fld id="{B8AB1F1C-5B97-FA47-A21B-131B164DAC8F}" type="slidenum">
               <a:rPr lang="en-US" smtClean="0"/>
-              <a:t>25</a:t>
+              <a:t>28</a:t>
             </a:fld>
             <a:endParaRPr lang="en-US"/>
           </a:p>
@@ -16687,7 +17845,7 @@
 </p:sld>
 </file>
 
-<file path=ppt/slides/slide27.xml><?xml version="1.0" encoding="utf-8"?>
+<file path=ppt/slides/slide3.xml><?xml version="1.0" encoding="utf-8"?>
 <p:sld xmlns:a="http://schemas.openxmlformats.org/drawingml/2006/main" xmlns:r="http://schemas.openxmlformats.org/officeDocument/2006/relationships" xmlns:p="http://schemas.openxmlformats.org/presentationml/2006/main">
   <p:cSld>
     <p:spTree>
@@ -16706,6 +17864,93 @@
       </p:grpSpPr>
       <p:sp>
         <p:nvSpPr>
+          <p:cNvPr id="5" name="Title 4">
+            <a:extLst>
+              <a:ext uri="{FF2B5EF4-FFF2-40B4-BE49-F238E27FC236}">
+                <a16:creationId xmlns:a16="http://schemas.microsoft.com/office/drawing/2014/main" id="{CD64B58D-148C-8544-9975-A4E16B05F286}"/>
+              </a:ext>
+            </a:extLst>
+          </p:cNvPr>
+          <p:cNvSpPr>
+            <a:spLocks noGrp="1"/>
+          </p:cNvSpPr>
+          <p:nvPr>
+            <p:ph type="ctrTitle"/>
+          </p:nvPr>
+        </p:nvSpPr>
+        <p:spPr/>
+        <p:txBody>
+          <a:bodyPr/>
+          <a:lstStyle/>
+          <a:p>
+            <a:r>
+              <a:rPr lang="en-US" dirty="0"/>
+              <a:t>in-class Lab</a:t>
+            </a:r>
+          </a:p>
+        </p:txBody>
+      </p:sp>
+      <p:sp>
+        <p:nvSpPr>
+          <p:cNvPr id="4" name="Slide Number Placeholder 3">
+            <a:extLst>
+              <a:ext uri="{FF2B5EF4-FFF2-40B4-BE49-F238E27FC236}">
+                <a16:creationId xmlns:a16="http://schemas.microsoft.com/office/drawing/2014/main" id="{915F394D-26A5-3947-884F-5F054C67FC17}"/>
+              </a:ext>
+            </a:extLst>
+          </p:cNvPr>
+          <p:cNvSpPr>
+            <a:spLocks noGrp="1"/>
+          </p:cNvSpPr>
+          <p:nvPr>
+            <p:ph type="sldNum" idx="12"/>
+          </p:nvPr>
+        </p:nvSpPr>
+        <p:spPr/>
+        <p:txBody>
+          <a:bodyPr/>
+          <a:lstStyle/>
+          <a:p>
+            <a:fld id="{B8AB1F1C-5B97-FA47-A21B-131B164DAC8F}" type="slidenum">
+              <a:rPr lang="en-US" smtClean="0"/>
+              <a:t>2</a:t>
+            </a:fld>
+            <a:endParaRPr lang="en-US"/>
+          </a:p>
+        </p:txBody>
+      </p:sp>
+    </p:spTree>
+    <p:extLst>
+      <p:ext uri="{BB962C8B-B14F-4D97-AF65-F5344CB8AC3E}">
+        <p14:creationId xmlns:p14="http://schemas.microsoft.com/office/powerpoint/2010/main" val="2698001835"/>
+      </p:ext>
+    </p:extLst>
+  </p:cSld>
+  <p:clrMapOvr>
+    <a:masterClrMapping/>
+  </p:clrMapOvr>
+</p:sld>
+</file>
+
+<file path=ppt/slides/slide30.xml><?xml version="1.0" encoding="utf-8"?>
+<p:sld xmlns:a="http://schemas.openxmlformats.org/drawingml/2006/main" xmlns:r="http://schemas.openxmlformats.org/officeDocument/2006/relationships" xmlns:p="http://schemas.openxmlformats.org/presentationml/2006/main">
+  <p:cSld>
+    <p:spTree>
+      <p:nvGrpSpPr>
+        <p:cNvPr id="1" name=""/>
+        <p:cNvGrpSpPr/>
+        <p:nvPr/>
+      </p:nvGrpSpPr>
+      <p:grpSpPr>
+        <a:xfrm>
+          <a:off x="0" y="0"/>
+          <a:ext cx="0" cy="0"/>
+          <a:chOff x="0" y="0"/>
+          <a:chExt cx="0" cy="0"/>
+        </a:xfrm>
+      </p:grpSpPr>
+      <p:sp>
+        <p:nvSpPr>
           <p:cNvPr id="4" name="Title 3">
             <a:extLst>
               <a:ext uri="{FF2B5EF4-FFF2-40B4-BE49-F238E27FC236}">
@@ -16925,7 +18170,7 @@
           <a:p>
             <a:fld id="{B8AB1F1C-5B97-FA47-A21B-131B164DAC8F}" type="slidenum">
               <a:rPr lang="en-US" smtClean="0"/>
-              <a:t>26</a:t>
+              <a:t>29</a:t>
             </a:fld>
             <a:endParaRPr lang="en-US"/>
           </a:p>
@@ -17313,7 +18558,7 @@
 </p:sld>
 </file>
 
-<file path=ppt/slides/slide28.xml><?xml version="1.0" encoding="utf-8"?>
+<file path=ppt/slides/slide31.xml><?xml version="1.0" encoding="utf-8"?>
 <p:sld xmlns:a="http://schemas.openxmlformats.org/drawingml/2006/main" xmlns:r="http://schemas.openxmlformats.org/officeDocument/2006/relationships" xmlns:p="http://schemas.openxmlformats.org/presentationml/2006/main">
   <p:cSld>
     <p:spTree>
@@ -17607,7 +18852,7 @@
           <a:p>
             <a:fld id="{B8AB1F1C-5B97-FA47-A21B-131B164DAC8F}" type="slidenum">
               <a:rPr lang="en-US" smtClean="0"/>
-              <a:t>27</a:t>
+              <a:t>30</a:t>
             </a:fld>
             <a:endParaRPr lang="en-US"/>
           </a:p>
@@ -18621,7 +19866,7 @@
 </p:sld>
 </file>
 
-<file path=ppt/slides/slide29.xml><?xml version="1.0" encoding="utf-8"?>
+<file path=ppt/slides/slide32.xml><?xml version="1.0" encoding="utf-8"?>
 <p:sld xmlns:a="http://schemas.openxmlformats.org/drawingml/2006/main" xmlns:r="http://schemas.openxmlformats.org/officeDocument/2006/relationships" xmlns:p="http://schemas.openxmlformats.org/presentationml/2006/main">
   <p:cSld>
     <p:spTree>
@@ -18939,7 +20184,7 @@
           <a:p>
             <a:fld id="{B8AB1F1C-5B97-FA47-A21B-131B164DAC8F}" type="slidenum">
               <a:rPr lang="en-US" smtClean="0"/>
-              <a:t>28</a:t>
+              <a:t>31</a:t>
             </a:fld>
             <a:endParaRPr lang="en-US"/>
           </a:p>
@@ -19589,7 +20834,7 @@
 </p:sld>
 </file>
 
-<file path=ppt/slides/slide3.xml><?xml version="1.0" encoding="utf-8"?>
+<file path=ppt/slides/slide33.xml><?xml version="1.0" encoding="utf-8"?>
 <p:sld xmlns:a="http://schemas.openxmlformats.org/drawingml/2006/main" xmlns:r="http://schemas.openxmlformats.org/officeDocument/2006/relationships" xmlns:p="http://schemas.openxmlformats.org/presentationml/2006/main">
   <p:cSld>
     <p:spTree>
@@ -19608,93 +20853,6 @@
       </p:grpSpPr>
       <p:sp>
         <p:nvSpPr>
-          <p:cNvPr id="2" name="Title 1">
-            <a:extLst>
-              <a:ext uri="{FF2B5EF4-FFF2-40B4-BE49-F238E27FC236}">
-                <a16:creationId xmlns:a16="http://schemas.microsoft.com/office/drawing/2014/main" id="{13C0B932-4328-D54D-BB14-70E95145688E}"/>
-              </a:ext>
-            </a:extLst>
-          </p:cNvPr>
-          <p:cNvSpPr>
-            <a:spLocks noGrp="1"/>
-          </p:cNvSpPr>
-          <p:nvPr>
-            <p:ph type="ctrTitle"/>
-          </p:nvPr>
-        </p:nvSpPr>
-        <p:spPr/>
-        <p:txBody>
-          <a:bodyPr anchor="ctr"/>
-          <a:lstStyle/>
-          <a:p>
-            <a:r>
-              <a:rPr lang="en-US" dirty="0"/>
-              <a:t>ELF Dynamic Linking</a:t>
-            </a:r>
-          </a:p>
-        </p:txBody>
-      </p:sp>
-      <p:sp>
-        <p:nvSpPr>
-          <p:cNvPr id="3" name="Slide Number Placeholder 2">
-            <a:extLst>
-              <a:ext uri="{FF2B5EF4-FFF2-40B4-BE49-F238E27FC236}">
-                <a16:creationId xmlns:a16="http://schemas.microsoft.com/office/drawing/2014/main" id="{A020F21D-7E06-BF44-9C9E-C16B25875649}"/>
-              </a:ext>
-            </a:extLst>
-          </p:cNvPr>
-          <p:cNvSpPr>
-            <a:spLocks noGrp="1"/>
-          </p:cNvSpPr>
-          <p:nvPr>
-            <p:ph type="sldNum" idx="12"/>
-          </p:nvPr>
-        </p:nvSpPr>
-        <p:spPr/>
-        <p:txBody>
-          <a:bodyPr/>
-          <a:lstStyle/>
-          <a:p>
-            <a:fld id="{B8AB1F1C-5B97-FA47-A21B-131B164DAC8F}" type="slidenum">
-              <a:rPr lang="en-US" smtClean="0"/>
-              <a:t>2</a:t>
-            </a:fld>
-            <a:endParaRPr lang="en-US"/>
-          </a:p>
-        </p:txBody>
-      </p:sp>
-    </p:spTree>
-    <p:extLst>
-      <p:ext uri="{BB962C8B-B14F-4D97-AF65-F5344CB8AC3E}">
-        <p14:creationId xmlns:p14="http://schemas.microsoft.com/office/powerpoint/2010/main" val="823755178"/>
-      </p:ext>
-    </p:extLst>
-  </p:cSld>
-  <p:clrMapOvr>
-    <a:masterClrMapping/>
-  </p:clrMapOvr>
-</p:sld>
-</file>
-
-<file path=ppt/slides/slide30.xml><?xml version="1.0" encoding="utf-8"?>
-<p:sld xmlns:a="http://schemas.openxmlformats.org/drawingml/2006/main" xmlns:r="http://schemas.openxmlformats.org/officeDocument/2006/relationships" xmlns:p="http://schemas.openxmlformats.org/presentationml/2006/main">
-  <p:cSld>
-    <p:spTree>
-      <p:nvGrpSpPr>
-        <p:cNvPr id="1" name=""/>
-        <p:cNvGrpSpPr/>
-        <p:nvPr/>
-      </p:nvGrpSpPr>
-      <p:grpSpPr>
-        <a:xfrm>
-          <a:off x="0" y="0"/>
-          <a:ext cx="0" cy="0"/>
-          <a:chOff x="0" y="0"/>
-          <a:chExt cx="0" cy="0"/>
-        </a:xfrm>
-      </p:grpSpPr>
-      <p:sp>
-        <p:nvSpPr>
           <p:cNvPr id="4" name="Title 3">
             <a:extLst>
               <a:ext uri="{FF2B5EF4-FFF2-40B4-BE49-F238E27FC236}">
@@ -19985,7 +21143,7 @@
           <a:p>
             <a:fld id="{B8AB1F1C-5B97-FA47-A21B-131B164DAC8F}" type="slidenum">
               <a:rPr lang="en-US" smtClean="0"/>
-              <a:t>29</a:t>
+              <a:t>32</a:t>
             </a:fld>
             <a:endParaRPr lang="en-US"/>
           </a:p>
@@ -20135,1249 +21293,6 @@
 </p:sld>
 </file>
 
-<file path=ppt/slides/slide31.xml><?xml version="1.0" encoding="utf-8"?>
-<p:sld xmlns:a="http://schemas.openxmlformats.org/drawingml/2006/main" xmlns:r="http://schemas.openxmlformats.org/officeDocument/2006/relationships" xmlns:p="http://schemas.openxmlformats.org/presentationml/2006/main">
-  <p:cSld>
-    <p:spTree>
-      <p:nvGrpSpPr>
-        <p:cNvPr id="1" name=""/>
-        <p:cNvGrpSpPr/>
-        <p:nvPr/>
-      </p:nvGrpSpPr>
-      <p:grpSpPr>
-        <a:xfrm>
-          <a:off x="0" y="0"/>
-          <a:ext cx="0" cy="0"/>
-          <a:chOff x="0" y="0"/>
-          <a:chExt cx="0" cy="0"/>
-        </a:xfrm>
-      </p:grpSpPr>
-      <p:sp>
-        <p:nvSpPr>
-          <p:cNvPr id="4" name="Title 3">
-            <a:extLst>
-              <a:ext uri="{FF2B5EF4-FFF2-40B4-BE49-F238E27FC236}">
-                <a16:creationId xmlns:a16="http://schemas.microsoft.com/office/drawing/2014/main" id="{B2FE6EE5-0C66-C04C-BE48-19414654E4B8}"/>
-              </a:ext>
-            </a:extLst>
-          </p:cNvPr>
-          <p:cNvSpPr>
-            <a:spLocks noGrp="1"/>
-          </p:cNvSpPr>
-          <p:nvPr>
-            <p:ph type="title"/>
-          </p:nvPr>
-        </p:nvSpPr>
-        <p:spPr/>
-        <p:txBody>
-          <a:bodyPr/>
-          <a:lstStyle/>
-          <a:p>
-            <a:r>
-              <a:rPr lang="en-US" dirty="0"/>
-              <a:t>Controlling written value</a:t>
-            </a:r>
-            <a:endParaRPr lang="en-US" dirty="0">
-              <a:solidFill>
-                <a:schemeClr val="accent1"/>
-              </a:solidFill>
-            </a:endParaRPr>
-          </a:p>
-        </p:txBody>
-      </p:sp>
-      <p:sp>
-        <p:nvSpPr>
-          <p:cNvPr id="5" name="Text Placeholder 4">
-            <a:extLst>
-              <a:ext uri="{FF2B5EF4-FFF2-40B4-BE49-F238E27FC236}">
-                <a16:creationId xmlns:a16="http://schemas.microsoft.com/office/drawing/2014/main" id="{5E178703-3DC7-C648-89BD-282E0C3537BD}"/>
-              </a:ext>
-            </a:extLst>
-          </p:cNvPr>
-          <p:cNvSpPr>
-            <a:spLocks noGrp="1"/>
-          </p:cNvSpPr>
-          <p:nvPr>
-            <p:ph type="body" idx="1"/>
-          </p:nvPr>
-        </p:nvSpPr>
-        <p:spPr>
-          <a:xfrm>
-            <a:off x="1402731" y="2061256"/>
-            <a:ext cx="9290768" cy="3847374"/>
-          </a:xfrm>
-        </p:spPr>
-        <p:txBody>
-          <a:bodyPr/>
-          <a:lstStyle/>
-          <a:p>
-            <a:pPr marL="50799" indent="0">
-              <a:buNone/>
-            </a:pPr>
-            <a:r>
-              <a:rPr lang="en-US" sz="2000" dirty="0">
-                <a:latin typeface="Sniglet" pitchFamily="82" charset="0"/>
-              </a:rPr>
-              <a:t>Goal: </a:t>
-            </a:r>
-            <a:r>
-              <a:rPr lang="en-US" sz="2000" dirty="0">
-                <a:solidFill>
-                  <a:schemeClr val="tx1"/>
-                </a:solidFill>
-                <a:latin typeface="Courier" pitchFamily="2" charset="0"/>
-              </a:rPr>
-              <a:t>[0x555555554708] = 1000 </a:t>
-            </a:r>
-          </a:p>
-          <a:p>
-            <a:pPr marL="50799" indent="0">
-              <a:buNone/>
-            </a:pPr>
-            <a:r>
-              <a:rPr lang="en-US" sz="2000" dirty="0">
-                <a:latin typeface="Courier" pitchFamily="2" charset="0"/>
-              </a:rPr>
-              <a:t>char </a:t>
-            </a:r>
-            <a:r>
-              <a:rPr lang="en-US" sz="2000" dirty="0" err="1">
-                <a:latin typeface="Courier" pitchFamily="2" charset="0"/>
-              </a:rPr>
-              <a:t>buf</a:t>
-            </a:r>
-            <a:r>
-              <a:rPr lang="en-US" sz="2000" dirty="0">
-                <a:latin typeface="Courier" pitchFamily="2" charset="0"/>
-              </a:rPr>
-              <a:t>[] = </a:t>
-            </a:r>
-            <a:r>
-              <a:rPr lang="en-US" sz="2000" dirty="0" err="1">
-                <a:solidFill>
-                  <a:schemeClr val="accent4"/>
-                </a:solidFill>
-                <a:latin typeface="Courier" pitchFamily="2" charset="0"/>
-              </a:rPr>
-              <a:t>little_end</a:t>
-            </a:r>
-            <a:r>
-              <a:rPr lang="en-US" sz="2000" dirty="0">
-                <a:solidFill>
-                  <a:schemeClr val="accent4"/>
-                </a:solidFill>
-                <a:latin typeface="Courier" pitchFamily="2" charset="0"/>
-              </a:rPr>
-              <a:t>(0x555555554708)</a:t>
-            </a:r>
-            <a:r>
-              <a:rPr lang="en-US" sz="2000" dirty="0">
-                <a:latin typeface="Courier" pitchFamily="2" charset="0"/>
-              </a:rPr>
-              <a:t> + </a:t>
-            </a:r>
-          </a:p>
-          <a:p>
-            <a:pPr marL="50799" indent="0">
-              <a:buNone/>
-            </a:pPr>
-            <a:r>
-              <a:rPr lang="en-US" sz="2000" dirty="0">
-                <a:latin typeface="Courier" pitchFamily="2" charset="0"/>
-              </a:rPr>
-              <a:t>             “</a:t>
-            </a:r>
-            <a:r>
-              <a:rPr lang="en-US" sz="2000" dirty="0" err="1">
-                <a:latin typeface="Courier" pitchFamily="2" charset="0"/>
-              </a:rPr>
-              <a:t>hello%x%x%x%x%x%n</a:t>
-            </a:r>
-            <a:r>
-              <a:rPr lang="en-US" sz="2000" dirty="0">
-                <a:latin typeface="Courier" pitchFamily="2" charset="0"/>
-              </a:rPr>
-              <a:t>\n”;</a:t>
-            </a:r>
-          </a:p>
-          <a:p>
-            <a:pPr marL="50799" indent="0">
-              <a:buNone/>
-            </a:pPr>
-            <a:r>
-              <a:rPr lang="en-US" sz="2000" dirty="0" err="1">
-                <a:solidFill>
-                  <a:schemeClr val="accent6"/>
-                </a:solidFill>
-                <a:latin typeface="Courier" pitchFamily="2" charset="0"/>
-              </a:rPr>
-              <a:t>printf</a:t>
-            </a:r>
-            <a:r>
-              <a:rPr lang="en-US" sz="2000" dirty="0">
-                <a:solidFill>
-                  <a:schemeClr val="accent6"/>
-                </a:solidFill>
-                <a:latin typeface="Courier" pitchFamily="2" charset="0"/>
-              </a:rPr>
-              <a:t>(</a:t>
-            </a:r>
-            <a:r>
-              <a:rPr lang="en-US" sz="2000" u="sng" dirty="0" err="1">
-                <a:solidFill>
-                  <a:schemeClr val="accent1"/>
-                </a:solidFill>
-                <a:latin typeface="Courier" pitchFamily="2" charset="0"/>
-              </a:rPr>
-              <a:t>buf</a:t>
-            </a:r>
-            <a:r>
-              <a:rPr lang="en-US" sz="2000" dirty="0">
-                <a:solidFill>
-                  <a:schemeClr val="accent6"/>
-                </a:solidFill>
-                <a:latin typeface="Courier" pitchFamily="2" charset="0"/>
-              </a:rPr>
-              <a:t>);</a:t>
-            </a:r>
-          </a:p>
-          <a:p>
-            <a:pPr marL="50799" indent="0">
-              <a:buNone/>
-            </a:pPr>
-            <a:endParaRPr lang="en-US" sz="2000" dirty="0">
-              <a:solidFill>
-                <a:schemeClr val="accent6"/>
-              </a:solidFill>
-              <a:latin typeface="Courier" pitchFamily="2" charset="0"/>
-            </a:endParaRPr>
-          </a:p>
-          <a:p>
-            <a:pPr marL="50799" indent="0">
-              <a:buNone/>
-            </a:pPr>
-            <a:r>
-              <a:rPr lang="en-US" dirty="0">
-                <a:solidFill>
-                  <a:schemeClr val="tx1"/>
-                </a:solidFill>
-                <a:latin typeface="Sniglet" pitchFamily="82" charset="0"/>
-              </a:rPr>
-              <a:t>#printed bytes before writing to </a:t>
-            </a:r>
-            <a:r>
-              <a:rPr lang="en-US" dirty="0">
-                <a:solidFill>
-                  <a:schemeClr val="tx1"/>
-                </a:solidFill>
-                <a:latin typeface="Courier" pitchFamily="2" charset="0"/>
-              </a:rPr>
-              <a:t>0x555555554708 :</a:t>
-            </a:r>
-          </a:p>
-          <a:p>
-            <a:pPr marL="50799" indent="0">
-              <a:buNone/>
-            </a:pPr>
-            <a:r>
-              <a:rPr lang="en-US" dirty="0">
-                <a:solidFill>
-                  <a:schemeClr val="tx1"/>
-                </a:solidFill>
-                <a:latin typeface="Sniglet" pitchFamily="82" charset="0"/>
-              </a:rPr>
-              <a:t>        8 + 5 + </a:t>
-            </a:r>
-            <a:r>
-              <a:rPr lang="en-US" dirty="0" err="1">
-                <a:solidFill>
-                  <a:schemeClr val="tx1"/>
-                </a:solidFill>
-                <a:latin typeface="Sniglet" pitchFamily="82" charset="0"/>
-              </a:rPr>
-              <a:t>len</a:t>
-            </a:r>
-            <a:r>
-              <a:rPr lang="en-US" dirty="0">
-                <a:solidFill>
-                  <a:schemeClr val="tx1"/>
-                </a:solidFill>
-                <a:latin typeface="Sniglet" pitchFamily="82" charset="0"/>
-              </a:rPr>
-              <a:t>(</a:t>
-            </a:r>
-            <a:r>
-              <a:rPr lang="en-US" dirty="0" err="1">
-                <a:solidFill>
-                  <a:schemeClr val="tx1"/>
-                </a:solidFill>
-                <a:latin typeface="Sniglet" pitchFamily="82" charset="0"/>
-              </a:rPr>
-              <a:t>rsi</a:t>
-            </a:r>
-            <a:r>
-              <a:rPr lang="en-US" dirty="0">
-                <a:solidFill>
-                  <a:schemeClr val="tx1"/>
-                </a:solidFill>
-                <a:latin typeface="Sniglet" pitchFamily="82" charset="0"/>
-              </a:rPr>
-              <a:t>) + </a:t>
-            </a:r>
-            <a:r>
-              <a:rPr lang="en-US" dirty="0" err="1">
-                <a:solidFill>
-                  <a:schemeClr val="tx1"/>
-                </a:solidFill>
-                <a:latin typeface="Sniglet" pitchFamily="82" charset="0"/>
-              </a:rPr>
-              <a:t>len</a:t>
-            </a:r>
-            <a:r>
-              <a:rPr lang="en-US" dirty="0">
-                <a:solidFill>
-                  <a:schemeClr val="tx1"/>
-                </a:solidFill>
-                <a:latin typeface="Sniglet" pitchFamily="82" charset="0"/>
-              </a:rPr>
-              <a:t>(</a:t>
-            </a:r>
-            <a:r>
-              <a:rPr lang="en-US" dirty="0" err="1">
-                <a:solidFill>
-                  <a:schemeClr val="tx1"/>
-                </a:solidFill>
-                <a:latin typeface="Sniglet" pitchFamily="82" charset="0"/>
-              </a:rPr>
-              <a:t>rdx</a:t>
-            </a:r>
-            <a:r>
-              <a:rPr lang="en-US" dirty="0">
-                <a:solidFill>
-                  <a:schemeClr val="tx1"/>
-                </a:solidFill>
-                <a:latin typeface="Sniglet" pitchFamily="82" charset="0"/>
-              </a:rPr>
-              <a:t>) + </a:t>
-            </a:r>
-            <a:r>
-              <a:rPr lang="en-US" dirty="0" err="1">
-                <a:solidFill>
-                  <a:schemeClr val="tx1"/>
-                </a:solidFill>
-                <a:latin typeface="Sniglet" pitchFamily="82" charset="0"/>
-              </a:rPr>
-              <a:t>len</a:t>
-            </a:r>
-            <a:r>
-              <a:rPr lang="en-US" dirty="0">
-                <a:solidFill>
-                  <a:schemeClr val="tx1"/>
-                </a:solidFill>
-                <a:latin typeface="Sniglet" pitchFamily="82" charset="0"/>
-              </a:rPr>
-              <a:t>(</a:t>
-            </a:r>
-            <a:r>
-              <a:rPr lang="en-US" dirty="0" err="1">
-                <a:solidFill>
-                  <a:schemeClr val="tx1"/>
-                </a:solidFill>
-                <a:latin typeface="Sniglet" pitchFamily="82" charset="0"/>
-              </a:rPr>
-              <a:t>rcx</a:t>
-            </a:r>
-            <a:r>
-              <a:rPr lang="en-US" dirty="0">
-                <a:solidFill>
-                  <a:schemeClr val="tx1"/>
-                </a:solidFill>
-                <a:latin typeface="Sniglet" pitchFamily="82" charset="0"/>
-              </a:rPr>
-              <a:t>) + </a:t>
-            </a:r>
-            <a:r>
-              <a:rPr lang="en-US" dirty="0" err="1">
-                <a:solidFill>
-                  <a:schemeClr val="tx1"/>
-                </a:solidFill>
-                <a:latin typeface="Sniglet" pitchFamily="82" charset="0"/>
-              </a:rPr>
-              <a:t>len</a:t>
-            </a:r>
-            <a:r>
-              <a:rPr lang="en-US" dirty="0">
-                <a:solidFill>
-                  <a:schemeClr val="tx1"/>
-                </a:solidFill>
-                <a:latin typeface="Sniglet" pitchFamily="82" charset="0"/>
-              </a:rPr>
-              <a:t>(r8) + </a:t>
-            </a:r>
-            <a:r>
-              <a:rPr lang="en-US" dirty="0" err="1">
-                <a:solidFill>
-                  <a:schemeClr val="tx1"/>
-                </a:solidFill>
-                <a:latin typeface="Sniglet" pitchFamily="82" charset="0"/>
-              </a:rPr>
-              <a:t>len</a:t>
-            </a:r>
-            <a:r>
-              <a:rPr lang="en-US" dirty="0">
-                <a:solidFill>
-                  <a:schemeClr val="tx1"/>
-                </a:solidFill>
-                <a:latin typeface="Sniglet" pitchFamily="82" charset="0"/>
-              </a:rPr>
-              <a:t>(r9)</a:t>
-            </a:r>
-          </a:p>
-          <a:p>
-            <a:pPr marL="50799" indent="0">
-              <a:buNone/>
-            </a:pPr>
-            <a:endParaRPr lang="en-US" dirty="0">
-              <a:solidFill>
-                <a:schemeClr val="tx1"/>
-              </a:solidFill>
-              <a:latin typeface="Sniglet" pitchFamily="82" charset="0"/>
-            </a:endParaRPr>
-          </a:p>
-          <a:p>
-            <a:pPr marL="50799" indent="0">
-              <a:buNone/>
-            </a:pPr>
-            <a:r>
-              <a:rPr lang="en-US" dirty="0">
-                <a:solidFill>
-                  <a:schemeClr val="tx1"/>
-                </a:solidFill>
-                <a:latin typeface="Sniglet" pitchFamily="82" charset="0"/>
-              </a:rPr>
-              <a:t>How to make the number equal to 1000?</a:t>
-            </a:r>
-          </a:p>
-        </p:txBody>
-      </p:sp>
-      <p:sp>
-        <p:nvSpPr>
-          <p:cNvPr id="3" name="Slide Number Placeholder 2">
-            <a:extLst>
-              <a:ext uri="{FF2B5EF4-FFF2-40B4-BE49-F238E27FC236}">
-                <a16:creationId xmlns:a16="http://schemas.microsoft.com/office/drawing/2014/main" id="{DDEB2D29-7DB5-C849-8CA4-A32296F84982}"/>
-              </a:ext>
-            </a:extLst>
-          </p:cNvPr>
-          <p:cNvSpPr>
-            <a:spLocks noGrp="1"/>
-          </p:cNvSpPr>
-          <p:nvPr>
-            <p:ph type="sldNum" idx="12"/>
-          </p:nvPr>
-        </p:nvSpPr>
-        <p:spPr/>
-        <p:txBody>
-          <a:bodyPr/>
-          <a:lstStyle/>
-          <a:p>
-            <a:fld id="{B8AB1F1C-5B97-FA47-A21B-131B164DAC8F}" type="slidenum">
-              <a:rPr lang="en-US" smtClean="0"/>
-              <a:t>30</a:t>
-            </a:fld>
-            <a:endParaRPr lang="en-US"/>
-          </a:p>
-        </p:txBody>
-      </p:sp>
-    </p:spTree>
-    <p:extLst>
-      <p:ext uri="{BB962C8B-B14F-4D97-AF65-F5344CB8AC3E}">
-        <p14:creationId xmlns:p14="http://schemas.microsoft.com/office/powerpoint/2010/main" val="1184979937"/>
-      </p:ext>
-    </p:extLst>
-  </p:cSld>
-  <p:clrMapOvr>
-    <a:masterClrMapping/>
-  </p:clrMapOvr>
-</p:sld>
-</file>
-
-<file path=ppt/slides/slide32.xml><?xml version="1.0" encoding="utf-8"?>
-<p:sld xmlns:a="http://schemas.openxmlformats.org/drawingml/2006/main" xmlns:r="http://schemas.openxmlformats.org/officeDocument/2006/relationships" xmlns:p="http://schemas.openxmlformats.org/presentationml/2006/main">
-  <p:cSld>
-    <p:spTree>
-      <p:nvGrpSpPr>
-        <p:cNvPr id="1" name=""/>
-        <p:cNvGrpSpPr/>
-        <p:nvPr/>
-      </p:nvGrpSpPr>
-      <p:grpSpPr>
-        <a:xfrm>
-          <a:off x="0" y="0"/>
-          <a:ext cx="0" cy="0"/>
-          <a:chOff x="0" y="0"/>
-          <a:chExt cx="0" cy="0"/>
-        </a:xfrm>
-      </p:grpSpPr>
-      <p:sp>
-        <p:nvSpPr>
-          <p:cNvPr id="2" name="Title 1">
-            <a:extLst>
-              <a:ext uri="{FF2B5EF4-FFF2-40B4-BE49-F238E27FC236}">
-                <a16:creationId xmlns:a16="http://schemas.microsoft.com/office/drawing/2014/main" id="{C7DEFB65-06F0-CA4D-AEFE-D7AF8BEDAB0C}"/>
-              </a:ext>
-            </a:extLst>
-          </p:cNvPr>
-          <p:cNvSpPr>
-            <a:spLocks noGrp="1"/>
-          </p:cNvSpPr>
-          <p:nvPr>
-            <p:ph type="title"/>
-          </p:nvPr>
-        </p:nvSpPr>
-        <p:spPr/>
-        <p:txBody>
-          <a:bodyPr/>
-          <a:lstStyle/>
-          <a:p>
-            <a:r>
-              <a:rPr lang="en-US" dirty="0"/>
-              <a:t>Controlling written value </a:t>
-            </a:r>
-            <a:r>
-              <a:rPr lang="en-US" dirty="0">
-                <a:solidFill>
-                  <a:schemeClr val="accent6"/>
-                </a:solidFill>
-              </a:rPr>
-              <a:t>by </a:t>
-            </a:r>
-            <a:r>
-              <a:rPr lang="en-US" b="1" dirty="0">
-                <a:solidFill>
-                  <a:schemeClr val="accent6"/>
-                </a:solidFill>
-              </a:rPr>
-              <a:t>Format Specifiers</a:t>
-            </a:r>
-            <a:endParaRPr lang="en-US" dirty="0">
-              <a:solidFill>
-                <a:schemeClr val="accent6"/>
-              </a:solidFill>
-            </a:endParaRPr>
-          </a:p>
-        </p:txBody>
-      </p:sp>
-      <p:sp>
-        <p:nvSpPr>
-          <p:cNvPr id="3" name="Text Placeholder 2">
-            <a:extLst>
-              <a:ext uri="{FF2B5EF4-FFF2-40B4-BE49-F238E27FC236}">
-                <a16:creationId xmlns:a16="http://schemas.microsoft.com/office/drawing/2014/main" id="{BDF7B82A-5A89-7A4C-864B-5B32B7C4521B}"/>
-              </a:ext>
-            </a:extLst>
-          </p:cNvPr>
-          <p:cNvSpPr>
-            <a:spLocks noGrp="1"/>
-          </p:cNvSpPr>
-          <p:nvPr>
-            <p:ph type="body" idx="1"/>
-          </p:nvPr>
-        </p:nvSpPr>
-        <p:spPr/>
-        <p:txBody>
-          <a:bodyPr/>
-          <a:lstStyle/>
-          <a:p>
-            <a:pPr marL="50799" indent="0">
-              <a:buNone/>
-            </a:pPr>
-            <a:r>
-              <a:rPr lang="en-US" dirty="0">
-                <a:latin typeface="Courier" pitchFamily="2" charset="0"/>
-              </a:rPr>
-              <a:t>%[</a:t>
-            </a:r>
-            <a:r>
-              <a:rPr lang="en-US" dirty="0">
-                <a:solidFill>
-                  <a:srgbClr val="00B050"/>
-                </a:solidFill>
-                <a:latin typeface="Courier" pitchFamily="2" charset="0"/>
-              </a:rPr>
-              <a:t>position$</a:t>
-            </a:r>
-            <a:r>
-              <a:rPr lang="en-US" dirty="0">
-                <a:latin typeface="Courier" pitchFamily="2" charset="0"/>
-              </a:rPr>
-              <a:t>][</a:t>
-            </a:r>
-            <a:r>
-              <a:rPr lang="en-US" dirty="0">
-                <a:solidFill>
-                  <a:schemeClr val="accent1"/>
-                </a:solidFill>
-                <a:latin typeface="Courier" pitchFamily="2" charset="0"/>
-              </a:rPr>
-              <a:t>flag</a:t>
-            </a:r>
-            <a:r>
-              <a:rPr lang="en-US" dirty="0">
-                <a:latin typeface="Courier" pitchFamily="2" charset="0"/>
-              </a:rPr>
-              <a:t>][</a:t>
-            </a:r>
-            <a:r>
-              <a:rPr lang="en-US" dirty="0">
-                <a:solidFill>
-                  <a:schemeClr val="accent2"/>
-                </a:solidFill>
-                <a:latin typeface="Courier" pitchFamily="2" charset="0"/>
-              </a:rPr>
-              <a:t>min width</a:t>
-            </a:r>
-            <a:r>
-              <a:rPr lang="en-US" dirty="0">
-                <a:latin typeface="Courier" pitchFamily="2" charset="0"/>
-              </a:rPr>
-              <a:t>][</a:t>
-            </a:r>
-            <a:r>
-              <a:rPr lang="en-US" dirty="0">
-                <a:solidFill>
-                  <a:schemeClr val="accent6"/>
-                </a:solidFill>
-                <a:latin typeface="Courier" pitchFamily="2" charset="0"/>
-              </a:rPr>
-              <a:t>.precision</a:t>
-            </a:r>
-            <a:r>
-              <a:rPr lang="en-US" dirty="0">
-                <a:latin typeface="Courier" pitchFamily="2" charset="0"/>
-              </a:rPr>
-              <a:t>][</a:t>
-            </a:r>
-            <a:r>
-              <a:rPr lang="en-US" dirty="0">
-                <a:solidFill>
-                  <a:schemeClr val="accent4"/>
-                </a:solidFill>
-                <a:latin typeface="Courier" pitchFamily="2" charset="0"/>
-              </a:rPr>
-              <a:t>length modifier</a:t>
-            </a:r>
-            <a:r>
-              <a:rPr lang="en-US" dirty="0">
-                <a:latin typeface="Courier" pitchFamily="2" charset="0"/>
-              </a:rPr>
-              <a:t>][</a:t>
-            </a:r>
-            <a:r>
-              <a:rPr lang="en-US" dirty="0">
-                <a:solidFill>
-                  <a:srgbClr val="7030A0"/>
-                </a:solidFill>
-                <a:latin typeface="Courier" pitchFamily="2" charset="0"/>
-              </a:rPr>
-              <a:t>conversion specifier</a:t>
-            </a:r>
-            <a:r>
-              <a:rPr lang="en-US" dirty="0">
-                <a:latin typeface="Courier" pitchFamily="2" charset="0"/>
-              </a:rPr>
-              <a:t>]</a:t>
-            </a:r>
-          </a:p>
-          <a:p>
-            <a:pPr marL="50799" indent="0">
-              <a:buNone/>
-            </a:pPr>
-            <a:r>
-              <a:rPr lang="en-US" dirty="0">
-                <a:latin typeface="Courier" pitchFamily="2" charset="0"/>
-              </a:rPr>
-              <a:t>long x = 10;</a:t>
-            </a:r>
-          </a:p>
-          <a:p>
-            <a:pPr marL="50799" indent="0">
-              <a:buNone/>
-            </a:pPr>
-            <a:r>
-              <a:rPr lang="en-US" dirty="0" err="1">
-                <a:latin typeface="Courier" pitchFamily="2" charset="0"/>
-              </a:rPr>
-              <a:t>printf</a:t>
-            </a:r>
-            <a:r>
-              <a:rPr lang="en-US" dirty="0">
-                <a:latin typeface="Courier" pitchFamily="2" charset="0"/>
-              </a:rPr>
-              <a:t>(”%</a:t>
-            </a:r>
-            <a:r>
-              <a:rPr lang="en-US" dirty="0">
-                <a:solidFill>
-                  <a:schemeClr val="accent1"/>
-                </a:solidFill>
-                <a:latin typeface="Courier" pitchFamily="2" charset="0"/>
-              </a:rPr>
-              <a:t>0</a:t>
-            </a:r>
-            <a:r>
-              <a:rPr lang="en-US" dirty="0">
-                <a:solidFill>
-                  <a:schemeClr val="accent2"/>
-                </a:solidFill>
-                <a:latin typeface="Courier" pitchFamily="2" charset="0"/>
-              </a:rPr>
-              <a:t>10</a:t>
-            </a:r>
-            <a:r>
-              <a:rPr lang="en-US" dirty="0">
-                <a:solidFill>
-                  <a:schemeClr val="accent4"/>
-                </a:solidFill>
-                <a:latin typeface="Courier" pitchFamily="2" charset="0"/>
-              </a:rPr>
-              <a:t>l</a:t>
-            </a:r>
-            <a:r>
-              <a:rPr lang="en-US" dirty="0">
-                <a:solidFill>
-                  <a:srgbClr val="7030A0"/>
-                </a:solidFill>
-                <a:latin typeface="Courier" pitchFamily="2" charset="0"/>
-              </a:rPr>
-              <a:t>d</a:t>
-            </a:r>
-            <a:r>
-              <a:rPr lang="en-US" dirty="0">
-                <a:latin typeface="Courier" pitchFamily="2" charset="0"/>
-              </a:rPr>
-              <a:t>”, x);</a:t>
-            </a:r>
-          </a:p>
-          <a:p>
-            <a:pPr marL="50799" indent="0">
-              <a:buNone/>
-            </a:pPr>
-            <a:endParaRPr lang="en-US" dirty="0">
-              <a:latin typeface="Sniglet" pitchFamily="82" charset="0"/>
-            </a:endParaRPr>
-          </a:p>
-          <a:p>
-            <a:pPr marL="50799" indent="0">
-              <a:buNone/>
-            </a:pPr>
-            <a:r>
-              <a:rPr lang="en-US" dirty="0">
-                <a:latin typeface="Sniglet" pitchFamily="82" charset="0"/>
-              </a:rPr>
-              <a:t>Print x as a long int with the minimum length of 10 bytes, padding with 0.</a:t>
-            </a:r>
-          </a:p>
-          <a:p>
-            <a:pPr marL="50799" indent="0">
-              <a:buNone/>
-            </a:pPr>
-            <a:r>
-              <a:rPr lang="en-US" dirty="0">
-                <a:latin typeface="Sniglet" pitchFamily="82" charset="0"/>
-              </a:rPr>
-              <a:t>Output: 0000000010</a:t>
-            </a:r>
-          </a:p>
-        </p:txBody>
-      </p:sp>
-      <p:sp>
-        <p:nvSpPr>
-          <p:cNvPr id="4" name="Slide Number Placeholder 3">
-            <a:extLst>
-              <a:ext uri="{FF2B5EF4-FFF2-40B4-BE49-F238E27FC236}">
-                <a16:creationId xmlns:a16="http://schemas.microsoft.com/office/drawing/2014/main" id="{824CDF89-B348-EB4D-8353-9A54937A8DCF}"/>
-              </a:ext>
-            </a:extLst>
-          </p:cNvPr>
-          <p:cNvSpPr>
-            <a:spLocks noGrp="1"/>
-          </p:cNvSpPr>
-          <p:nvPr>
-            <p:ph type="sldNum" idx="12"/>
-          </p:nvPr>
-        </p:nvSpPr>
-        <p:spPr/>
-        <p:txBody>
-          <a:bodyPr/>
-          <a:lstStyle/>
-          <a:p>
-            <a:fld id="{B8AB1F1C-5B97-FA47-A21B-131B164DAC8F}" type="slidenum">
-              <a:rPr lang="en-US" smtClean="0"/>
-              <a:t>31</a:t>
-            </a:fld>
-            <a:endParaRPr lang="en-US"/>
-          </a:p>
-        </p:txBody>
-      </p:sp>
-    </p:spTree>
-    <p:extLst>
-      <p:ext uri="{BB962C8B-B14F-4D97-AF65-F5344CB8AC3E}">
-        <p14:creationId xmlns:p14="http://schemas.microsoft.com/office/powerpoint/2010/main" val="756710108"/>
-      </p:ext>
-    </p:extLst>
-  </p:cSld>
-  <p:clrMapOvr>
-    <a:masterClrMapping/>
-  </p:clrMapOvr>
-</p:sld>
-</file>
-
-<file path=ppt/slides/slide33.xml><?xml version="1.0" encoding="utf-8"?>
-<p:sld xmlns:a="http://schemas.openxmlformats.org/drawingml/2006/main" xmlns:r="http://schemas.openxmlformats.org/officeDocument/2006/relationships" xmlns:p="http://schemas.openxmlformats.org/presentationml/2006/main">
-  <p:cSld>
-    <p:spTree>
-      <p:nvGrpSpPr>
-        <p:cNvPr id="1" name=""/>
-        <p:cNvGrpSpPr/>
-        <p:nvPr/>
-      </p:nvGrpSpPr>
-      <p:grpSpPr>
-        <a:xfrm>
-          <a:off x="0" y="0"/>
-          <a:ext cx="0" cy="0"/>
-          <a:chOff x="0" y="0"/>
-          <a:chExt cx="0" cy="0"/>
-        </a:xfrm>
-      </p:grpSpPr>
-      <p:sp>
-        <p:nvSpPr>
-          <p:cNvPr id="4" name="Title 3">
-            <a:extLst>
-              <a:ext uri="{FF2B5EF4-FFF2-40B4-BE49-F238E27FC236}">
-                <a16:creationId xmlns:a16="http://schemas.microsoft.com/office/drawing/2014/main" id="{B2FE6EE5-0C66-C04C-BE48-19414654E4B8}"/>
-              </a:ext>
-            </a:extLst>
-          </p:cNvPr>
-          <p:cNvSpPr>
-            <a:spLocks noGrp="1"/>
-          </p:cNvSpPr>
-          <p:nvPr>
-            <p:ph type="title"/>
-          </p:nvPr>
-        </p:nvSpPr>
-        <p:spPr/>
-        <p:txBody>
-          <a:bodyPr/>
-          <a:lstStyle/>
-          <a:p>
-            <a:r>
-              <a:rPr lang="en-US" dirty="0"/>
-              <a:t>Controlling written value</a:t>
-            </a:r>
-            <a:endParaRPr lang="en-US" dirty="0">
-              <a:solidFill>
-                <a:schemeClr val="accent1"/>
-              </a:solidFill>
-            </a:endParaRPr>
-          </a:p>
-        </p:txBody>
-      </p:sp>
-      <p:sp>
-        <p:nvSpPr>
-          <p:cNvPr id="5" name="Text Placeholder 4">
-            <a:extLst>
-              <a:ext uri="{FF2B5EF4-FFF2-40B4-BE49-F238E27FC236}">
-                <a16:creationId xmlns:a16="http://schemas.microsoft.com/office/drawing/2014/main" id="{5E178703-3DC7-C648-89BD-282E0C3537BD}"/>
-              </a:ext>
-            </a:extLst>
-          </p:cNvPr>
-          <p:cNvSpPr>
-            <a:spLocks noGrp="1"/>
-          </p:cNvSpPr>
-          <p:nvPr>
-            <p:ph type="body" idx="1"/>
-          </p:nvPr>
-        </p:nvSpPr>
-        <p:spPr>
-          <a:xfrm>
-            <a:off x="1402731" y="2061256"/>
-            <a:ext cx="9290768" cy="3847374"/>
-          </a:xfrm>
-        </p:spPr>
-        <p:txBody>
-          <a:bodyPr/>
-          <a:lstStyle/>
-          <a:p>
-            <a:pPr marL="50799" indent="0">
-              <a:buNone/>
-            </a:pPr>
-            <a:r>
-              <a:rPr lang="en-US" sz="2000" dirty="0">
-                <a:latin typeface="Sniglet" pitchFamily="82" charset="0"/>
-              </a:rPr>
-              <a:t>Goal: </a:t>
-            </a:r>
-            <a:r>
-              <a:rPr lang="en-US" sz="2000" dirty="0">
-                <a:solidFill>
-                  <a:schemeClr val="tx1"/>
-                </a:solidFill>
-                <a:latin typeface="Courier" pitchFamily="2" charset="0"/>
-              </a:rPr>
-              <a:t>[0x555555554708] = 1000 </a:t>
-            </a:r>
-          </a:p>
-          <a:p>
-            <a:pPr marL="50799" indent="0">
-              <a:buNone/>
-            </a:pPr>
-            <a:r>
-              <a:rPr lang="en-US" sz="2000" dirty="0">
-                <a:latin typeface="Courier" pitchFamily="2" charset="0"/>
-              </a:rPr>
-              <a:t>char </a:t>
-            </a:r>
-            <a:r>
-              <a:rPr lang="en-US" sz="2000" dirty="0" err="1">
-                <a:latin typeface="Courier" pitchFamily="2" charset="0"/>
-              </a:rPr>
-              <a:t>buf</a:t>
-            </a:r>
-            <a:r>
-              <a:rPr lang="en-US" sz="2000" dirty="0">
-                <a:latin typeface="Courier" pitchFamily="2" charset="0"/>
-              </a:rPr>
-              <a:t>[] = </a:t>
-            </a:r>
-            <a:r>
-              <a:rPr lang="en-US" sz="2000" dirty="0" err="1">
-                <a:solidFill>
-                  <a:schemeClr val="tx1"/>
-                </a:solidFill>
-                <a:latin typeface="Courier" pitchFamily="2" charset="0"/>
-              </a:rPr>
-              <a:t>little_end</a:t>
-            </a:r>
-            <a:r>
-              <a:rPr lang="en-US" sz="2000" dirty="0">
-                <a:solidFill>
-                  <a:schemeClr val="tx1"/>
-                </a:solidFill>
-                <a:latin typeface="Courier" pitchFamily="2" charset="0"/>
-              </a:rPr>
-              <a:t>(0x555555554708) </a:t>
-            </a:r>
-            <a:r>
-              <a:rPr lang="en-US" sz="2000" dirty="0">
-                <a:latin typeface="Courier" pitchFamily="2" charset="0"/>
-              </a:rPr>
-              <a:t>+ </a:t>
-            </a:r>
-          </a:p>
-          <a:p>
-            <a:pPr marL="50799" indent="0">
-              <a:buNone/>
-            </a:pPr>
-            <a:r>
-              <a:rPr lang="en-US" sz="2000" dirty="0">
-                <a:latin typeface="Courier" pitchFamily="2" charset="0"/>
-              </a:rPr>
-              <a:t>             “</a:t>
-            </a:r>
-            <a:r>
-              <a:rPr lang="en-US" sz="2000" dirty="0">
-                <a:solidFill>
-                  <a:schemeClr val="accent1"/>
-                </a:solidFill>
-                <a:latin typeface="Courier" pitchFamily="2" charset="0"/>
-              </a:rPr>
-              <a:t>%0200x%0200x%0200x%0200x%0200x</a:t>
-            </a:r>
-            <a:r>
-              <a:rPr lang="en-US" sz="2000" dirty="0">
-                <a:latin typeface="Courier" pitchFamily="2" charset="0"/>
-              </a:rPr>
-              <a:t>%n\n”;</a:t>
-            </a:r>
-          </a:p>
-          <a:p>
-            <a:pPr marL="50799" indent="0">
-              <a:buNone/>
-            </a:pPr>
-            <a:r>
-              <a:rPr lang="en-US" sz="2000" dirty="0" err="1">
-                <a:solidFill>
-                  <a:schemeClr val="tx1"/>
-                </a:solidFill>
-                <a:latin typeface="Courier" pitchFamily="2" charset="0"/>
-              </a:rPr>
-              <a:t>printf</a:t>
-            </a:r>
-            <a:r>
-              <a:rPr lang="en-US" sz="2000" dirty="0">
-                <a:solidFill>
-                  <a:schemeClr val="tx1"/>
-                </a:solidFill>
-                <a:latin typeface="Courier" pitchFamily="2" charset="0"/>
-              </a:rPr>
-              <a:t>(</a:t>
-            </a:r>
-            <a:r>
-              <a:rPr lang="en-US" sz="2000" dirty="0" err="1">
-                <a:solidFill>
-                  <a:schemeClr val="tx1"/>
-                </a:solidFill>
-                <a:latin typeface="Courier" pitchFamily="2" charset="0"/>
-              </a:rPr>
-              <a:t>buf</a:t>
-            </a:r>
-            <a:r>
-              <a:rPr lang="en-US" sz="2000" dirty="0">
-                <a:solidFill>
-                  <a:schemeClr val="tx1"/>
-                </a:solidFill>
-                <a:latin typeface="Courier" pitchFamily="2" charset="0"/>
-              </a:rPr>
-              <a:t>);</a:t>
-            </a:r>
-          </a:p>
-          <a:p>
-            <a:pPr marL="50799" indent="0">
-              <a:buNone/>
-            </a:pPr>
-            <a:endParaRPr lang="en-US" sz="2000" dirty="0">
-              <a:solidFill>
-                <a:schemeClr val="accent6"/>
-              </a:solidFill>
-              <a:latin typeface="Courier" pitchFamily="2" charset="0"/>
-            </a:endParaRPr>
-          </a:p>
-          <a:p>
-            <a:pPr marL="50799" indent="0">
-              <a:buNone/>
-            </a:pPr>
-            <a:r>
-              <a:rPr lang="en-US" dirty="0">
-                <a:solidFill>
-                  <a:schemeClr val="tx1"/>
-                </a:solidFill>
-                <a:latin typeface="Sniglet" pitchFamily="82" charset="0"/>
-              </a:rPr>
-              <a:t>#printed bytes before writing to </a:t>
-            </a:r>
-            <a:r>
-              <a:rPr lang="en-US" dirty="0">
-                <a:solidFill>
-                  <a:schemeClr val="tx1"/>
-                </a:solidFill>
-                <a:latin typeface="Courier" pitchFamily="2" charset="0"/>
-              </a:rPr>
-              <a:t>0x555555554708 :</a:t>
-            </a:r>
-          </a:p>
-          <a:p>
-            <a:pPr marL="50799" indent="0">
-              <a:buNone/>
-            </a:pPr>
-            <a:r>
-              <a:rPr lang="en-US" dirty="0">
-                <a:solidFill>
-                  <a:schemeClr val="tx1"/>
-                </a:solidFill>
-                <a:latin typeface="Sniglet" pitchFamily="82" charset="0"/>
-              </a:rPr>
-              <a:t>        8 + 5 + </a:t>
-            </a:r>
-            <a:r>
-              <a:rPr lang="en-US" dirty="0" err="1">
-                <a:solidFill>
-                  <a:schemeClr val="tx1"/>
-                </a:solidFill>
-                <a:latin typeface="Sniglet" pitchFamily="82" charset="0"/>
-              </a:rPr>
-              <a:t>len</a:t>
-            </a:r>
-            <a:r>
-              <a:rPr lang="en-US" dirty="0">
-                <a:solidFill>
-                  <a:schemeClr val="tx1"/>
-                </a:solidFill>
-                <a:latin typeface="Sniglet" pitchFamily="82" charset="0"/>
-              </a:rPr>
-              <a:t>(</a:t>
-            </a:r>
-            <a:r>
-              <a:rPr lang="en-US" dirty="0" err="1">
-                <a:solidFill>
-                  <a:schemeClr val="tx1"/>
-                </a:solidFill>
-                <a:latin typeface="Sniglet" pitchFamily="82" charset="0"/>
-              </a:rPr>
-              <a:t>rsi</a:t>
-            </a:r>
-            <a:r>
-              <a:rPr lang="en-US" dirty="0">
-                <a:solidFill>
-                  <a:schemeClr val="tx1"/>
-                </a:solidFill>
-                <a:latin typeface="Sniglet" pitchFamily="82" charset="0"/>
-              </a:rPr>
-              <a:t>) + </a:t>
-            </a:r>
-            <a:r>
-              <a:rPr lang="en-US" dirty="0" err="1">
-                <a:solidFill>
-                  <a:schemeClr val="tx1"/>
-                </a:solidFill>
-                <a:latin typeface="Sniglet" pitchFamily="82" charset="0"/>
-              </a:rPr>
-              <a:t>len</a:t>
-            </a:r>
-            <a:r>
-              <a:rPr lang="en-US" dirty="0">
-                <a:solidFill>
-                  <a:schemeClr val="tx1"/>
-                </a:solidFill>
-                <a:latin typeface="Sniglet" pitchFamily="82" charset="0"/>
-              </a:rPr>
-              <a:t>(</a:t>
-            </a:r>
-            <a:r>
-              <a:rPr lang="en-US" dirty="0" err="1">
-                <a:solidFill>
-                  <a:schemeClr val="tx1"/>
-                </a:solidFill>
-                <a:latin typeface="Sniglet" pitchFamily="82" charset="0"/>
-              </a:rPr>
-              <a:t>rdx</a:t>
-            </a:r>
-            <a:r>
-              <a:rPr lang="en-US" dirty="0">
-                <a:solidFill>
-                  <a:schemeClr val="tx1"/>
-                </a:solidFill>
-                <a:latin typeface="Sniglet" pitchFamily="82" charset="0"/>
-              </a:rPr>
-              <a:t>) + </a:t>
-            </a:r>
-            <a:r>
-              <a:rPr lang="en-US" dirty="0" err="1">
-                <a:solidFill>
-                  <a:schemeClr val="tx1"/>
-                </a:solidFill>
-                <a:latin typeface="Sniglet" pitchFamily="82" charset="0"/>
-              </a:rPr>
-              <a:t>len</a:t>
-            </a:r>
-            <a:r>
-              <a:rPr lang="en-US" dirty="0">
-                <a:solidFill>
-                  <a:schemeClr val="tx1"/>
-                </a:solidFill>
-                <a:latin typeface="Sniglet" pitchFamily="82" charset="0"/>
-              </a:rPr>
-              <a:t>(</a:t>
-            </a:r>
-            <a:r>
-              <a:rPr lang="en-US" dirty="0" err="1">
-                <a:solidFill>
-                  <a:schemeClr val="tx1"/>
-                </a:solidFill>
-                <a:latin typeface="Sniglet" pitchFamily="82" charset="0"/>
-              </a:rPr>
-              <a:t>rcx</a:t>
-            </a:r>
-            <a:r>
-              <a:rPr lang="en-US" dirty="0">
-                <a:solidFill>
-                  <a:schemeClr val="tx1"/>
-                </a:solidFill>
-                <a:latin typeface="Sniglet" pitchFamily="82" charset="0"/>
-              </a:rPr>
-              <a:t>) + </a:t>
-            </a:r>
-            <a:r>
-              <a:rPr lang="en-US" dirty="0" err="1">
-                <a:solidFill>
-                  <a:schemeClr val="tx1"/>
-                </a:solidFill>
-                <a:latin typeface="Sniglet" pitchFamily="82" charset="0"/>
-              </a:rPr>
-              <a:t>len</a:t>
-            </a:r>
-            <a:r>
-              <a:rPr lang="en-US" dirty="0">
-                <a:solidFill>
-                  <a:schemeClr val="tx1"/>
-                </a:solidFill>
-                <a:latin typeface="Sniglet" pitchFamily="82" charset="0"/>
-              </a:rPr>
-              <a:t>(r8) + </a:t>
-            </a:r>
-            <a:r>
-              <a:rPr lang="en-US" dirty="0" err="1">
-                <a:solidFill>
-                  <a:schemeClr val="tx1"/>
-                </a:solidFill>
-                <a:latin typeface="Sniglet" pitchFamily="82" charset="0"/>
-              </a:rPr>
-              <a:t>len</a:t>
-            </a:r>
-            <a:r>
-              <a:rPr lang="en-US" dirty="0">
-                <a:solidFill>
-                  <a:schemeClr val="tx1"/>
-                </a:solidFill>
-                <a:latin typeface="Sniglet" pitchFamily="82" charset="0"/>
-              </a:rPr>
-              <a:t>(r9)</a:t>
-            </a:r>
-          </a:p>
-        </p:txBody>
-      </p:sp>
-      <p:sp>
-        <p:nvSpPr>
-          <p:cNvPr id="3" name="Slide Number Placeholder 2">
-            <a:extLst>
-              <a:ext uri="{FF2B5EF4-FFF2-40B4-BE49-F238E27FC236}">
-                <a16:creationId xmlns:a16="http://schemas.microsoft.com/office/drawing/2014/main" id="{DDEB2D29-7DB5-C849-8CA4-A32296F84982}"/>
-              </a:ext>
-            </a:extLst>
-          </p:cNvPr>
-          <p:cNvSpPr>
-            <a:spLocks noGrp="1"/>
-          </p:cNvSpPr>
-          <p:nvPr>
-            <p:ph type="sldNum" idx="12"/>
-          </p:nvPr>
-        </p:nvSpPr>
-        <p:spPr/>
-        <p:txBody>
-          <a:bodyPr/>
-          <a:lstStyle/>
-          <a:p>
-            <a:fld id="{B8AB1F1C-5B97-FA47-A21B-131B164DAC8F}" type="slidenum">
-              <a:rPr lang="en-US" smtClean="0"/>
-              <a:t>32</a:t>
-            </a:fld>
-            <a:endParaRPr lang="en-US"/>
-          </a:p>
-        </p:txBody>
-      </p:sp>
-    </p:spTree>
-    <p:extLst>
-      <p:ext uri="{BB962C8B-B14F-4D97-AF65-F5344CB8AC3E}">
-        <p14:creationId xmlns:p14="http://schemas.microsoft.com/office/powerpoint/2010/main" val="4108532458"/>
-      </p:ext>
-    </p:extLst>
-  </p:cSld>
-  <p:clrMapOvr>
-    <a:masterClrMapping/>
-  </p:clrMapOvr>
-</p:sld>
-</file>
-
 <file path=ppt/slides/slide34.xml><?xml version="1.0" encoding="utf-8"?>
 <p:sld xmlns:a="http://schemas.openxmlformats.org/drawingml/2006/main" xmlns:r="http://schemas.openxmlformats.org/officeDocument/2006/relationships" xmlns:p="http://schemas.openxmlformats.org/presentationml/2006/main">
   <p:cSld>
@@ -21417,20 +21332,8 @@
           <a:lstStyle/>
           <a:p>
             <a:r>
-              <a:rPr lang="en-US" dirty="0" err="1">
-                <a:solidFill>
-                  <a:schemeClr val="tx1"/>
-                </a:solidFill>
-              </a:rPr>
-              <a:t>BuT</a:t>
-            </a:r>
-            <a:r>
-              <a:rPr lang="en-US" dirty="0">
-                <a:solidFill>
-                  <a:schemeClr val="tx1"/>
-                </a:solidFill>
-              </a:rPr>
-              <a:t>…</a:t>
+              <a:rPr lang="en-US" dirty="0"/>
+              <a:t>Controlling written value</a:t>
             </a:r>
             <a:endParaRPr lang="en-US" dirty="0">
               <a:solidFill>
@@ -21510,7 +21413,7 @@
             <a:r>
               <a:rPr lang="en-US" sz="2000" dirty="0" err="1">
                 <a:solidFill>
-                  <a:schemeClr val="accent1"/>
+                  <a:schemeClr val="accent4"/>
                 </a:solidFill>
                 <a:latin typeface="Courier" pitchFamily="2" charset="0"/>
               </a:rPr>
@@ -21519,17 +21422,17 @@
             <a:r>
               <a:rPr lang="en-US" sz="2000" dirty="0">
                 <a:solidFill>
-                  <a:schemeClr val="accent1"/>
-                </a:solidFill>
-                <a:latin typeface="Courier" pitchFamily="2" charset="0"/>
-              </a:rPr>
-              <a:t>(0x555555554708) </a:t>
-            </a:r>
-            <a:r>
-              <a:rPr lang="en-US" sz="2000" dirty="0">
-                <a:latin typeface="Courier" pitchFamily="2" charset="0"/>
-              </a:rPr>
-              <a:t>+ </a:t>
+                  <a:schemeClr val="accent4"/>
+                </a:solidFill>
+                <a:latin typeface="Courier" pitchFamily="2" charset="0"/>
+              </a:rPr>
+              <a:t>(0x555555554708)</a:t>
+            </a:r>
+            <a:r>
+              <a:rPr lang="en-US" sz="2000" dirty="0">
+                <a:latin typeface="Courier" pitchFamily="2" charset="0"/>
+              </a:rPr>
+              <a:t> + </a:t>
             </a:r>
           </a:p>
           <a:p>
@@ -21538,12 +21441,21 @@
             </a:pPr>
             <a:r>
               <a:rPr lang="en-US" sz="2000" dirty="0">
-                <a:solidFill>
-                  <a:schemeClr val="tx1"/>
-                </a:solidFill>
-                <a:latin typeface="Courier" pitchFamily="2" charset="0"/>
-              </a:rPr>
-              <a:t>             “%0200x%0200x%0200x%0200x%0200x%n\n”;</a:t>
+                <a:latin typeface="Courier" pitchFamily="2" charset="0"/>
+              </a:rPr>
+              <a:t>             “</a:t>
+            </a:r>
+            <a:r>
+              <a:rPr lang="en-US" sz="2000" dirty="0" err="1">
+                <a:latin typeface="Courier" pitchFamily="2" charset="0"/>
+              </a:rPr>
+              <a:t>hello%x%x%x%x%x%n</a:t>
+            </a:r>
+            <a:r>
+              <a:rPr lang="en-US" sz="2000" dirty="0">
+                <a:latin typeface="Courier" pitchFamily="2" charset="0"/>
+              </a:rPr>
+              <a:t>\n”;</a:t>
             </a:r>
           </a:p>
           <a:p>
@@ -21553,7 +21465,7 @@
             <a:r>
               <a:rPr lang="en-US" sz="2000" dirty="0" err="1">
                 <a:solidFill>
-                  <a:schemeClr val="tx1"/>
+                  <a:schemeClr val="accent6"/>
                 </a:solidFill>
                 <a:latin typeface="Courier" pitchFamily="2" charset="0"/>
               </a:rPr>
@@ -21562,16 +21474,16 @@
             <a:r>
               <a:rPr lang="en-US" sz="2000" dirty="0">
                 <a:solidFill>
-                  <a:schemeClr val="tx1"/>
+                  <a:schemeClr val="accent6"/>
                 </a:solidFill>
                 <a:latin typeface="Courier" pitchFamily="2" charset="0"/>
               </a:rPr>
               <a:t>(</a:t>
             </a:r>
             <a:r>
-              <a:rPr lang="en-US" sz="2000" dirty="0" err="1">
-                <a:solidFill>
-                  <a:schemeClr val="tx1"/>
+              <a:rPr lang="en-US" sz="2000" u="sng" dirty="0" err="1">
+                <a:solidFill>
+                  <a:schemeClr val="accent1"/>
                 </a:solidFill>
                 <a:latin typeface="Courier" pitchFamily="2" charset="0"/>
               </a:rPr>
@@ -21580,7 +21492,7 @@
             <a:r>
               <a:rPr lang="en-US" sz="2000" dirty="0">
                 <a:solidFill>
-                  <a:schemeClr val="tx1"/>
+                  <a:schemeClr val="accent6"/>
                 </a:solidFill>
                 <a:latin typeface="Courier" pitchFamily="2" charset="0"/>
               </a:rPr>
@@ -21603,29 +21515,23 @@
               <a:buNone/>
             </a:pPr>
             <a:r>
-              <a:rPr lang="en-US" sz="1800" dirty="0" err="1">
-                <a:solidFill>
-                  <a:schemeClr val="accent1"/>
-                </a:solidFill>
-                <a:latin typeface="Courier" pitchFamily="2" charset="0"/>
-              </a:rPr>
-              <a:t>little_end</a:t>
-            </a:r>
-            <a:r>
-              <a:rPr lang="en-US" sz="1800" dirty="0">
-                <a:solidFill>
-                  <a:schemeClr val="accent1"/>
-                </a:solidFill>
-                <a:latin typeface="Courier" pitchFamily="2" charset="0"/>
-              </a:rPr>
-              <a:t>(0x555555554708) = ‘\x08\x47\x55\x55\x55\x55\x00\x00’</a:t>
-            </a:r>
-            <a:endParaRPr lang="en-US" dirty="0">
-              <a:solidFill>
-                <a:schemeClr val="accent1"/>
-              </a:solidFill>
-              <a:latin typeface="Courier" pitchFamily="2" charset="0"/>
-            </a:endParaRPr>
+              <a:rPr lang="en-US" dirty="0">
+                <a:solidFill>
+                  <a:schemeClr val="tx1"/>
+                </a:solidFill>
+                <a:latin typeface="Sniglet" pitchFamily="82" charset="0"/>
+              </a:rPr>
+              <a:t>#printed bytes before writing to </a:t>
+            </a:r>
+            <a:r>
+              <a:rPr lang="en-US" dirty="0">
+                <a:solidFill>
+                  <a:schemeClr val="tx1"/>
+                </a:solidFill>
+                <a:latin typeface="Courier" pitchFamily="2" charset="0"/>
+              </a:rPr>
+              <a:t>0x555555554708 :</a:t>
+            </a:r>
           </a:p>
           <a:p>
             <a:pPr marL="50799" indent="0">
@@ -21638,7 +21544,176 @@
                 </a:solidFill>
                 <a:latin typeface="Sniglet" pitchFamily="82" charset="0"/>
               </a:rPr>
-              <a:t>will break the format string</a:t>
+              <a:t>        8 + 5 + </a:t>
+            </a:r>
+            <a:r>
+              <a:rPr lang="en-US" dirty="0" err="1">
+                <a:solidFill>
+                  <a:schemeClr val="tx1"/>
+                </a:solidFill>
+                <a:latin typeface="Sniglet" pitchFamily="82" charset="0"/>
+              </a:rPr>
+              <a:t>len</a:t>
+            </a:r>
+            <a:r>
+              <a:rPr lang="en-US" dirty="0">
+                <a:solidFill>
+                  <a:schemeClr val="tx1"/>
+                </a:solidFill>
+                <a:latin typeface="Sniglet" pitchFamily="82" charset="0"/>
+              </a:rPr>
+              <a:t>(</a:t>
+            </a:r>
+            <a:r>
+              <a:rPr lang="en-US" dirty="0" err="1">
+                <a:solidFill>
+                  <a:schemeClr val="tx1"/>
+                </a:solidFill>
+                <a:latin typeface="Sniglet" pitchFamily="82" charset="0"/>
+              </a:rPr>
+              <a:t>rsi</a:t>
+            </a:r>
+            <a:r>
+              <a:rPr lang="en-US" dirty="0">
+                <a:solidFill>
+                  <a:schemeClr val="tx1"/>
+                </a:solidFill>
+                <a:latin typeface="Sniglet" pitchFamily="82" charset="0"/>
+              </a:rPr>
+              <a:t>) + </a:t>
+            </a:r>
+            <a:r>
+              <a:rPr lang="en-US" dirty="0" err="1">
+                <a:solidFill>
+                  <a:schemeClr val="tx1"/>
+                </a:solidFill>
+                <a:latin typeface="Sniglet" pitchFamily="82" charset="0"/>
+              </a:rPr>
+              <a:t>len</a:t>
+            </a:r>
+            <a:r>
+              <a:rPr lang="en-US" dirty="0">
+                <a:solidFill>
+                  <a:schemeClr val="tx1"/>
+                </a:solidFill>
+                <a:latin typeface="Sniglet" pitchFamily="82" charset="0"/>
+              </a:rPr>
+              <a:t>(</a:t>
+            </a:r>
+            <a:r>
+              <a:rPr lang="en-US" dirty="0" err="1">
+                <a:solidFill>
+                  <a:schemeClr val="tx1"/>
+                </a:solidFill>
+                <a:latin typeface="Sniglet" pitchFamily="82" charset="0"/>
+              </a:rPr>
+              <a:t>rdx</a:t>
+            </a:r>
+            <a:r>
+              <a:rPr lang="en-US" dirty="0">
+                <a:solidFill>
+                  <a:schemeClr val="tx1"/>
+                </a:solidFill>
+                <a:latin typeface="Sniglet" pitchFamily="82" charset="0"/>
+              </a:rPr>
+              <a:t>) + </a:t>
+            </a:r>
+            <a:r>
+              <a:rPr lang="en-US" dirty="0" err="1">
+                <a:solidFill>
+                  <a:schemeClr val="tx1"/>
+                </a:solidFill>
+                <a:latin typeface="Sniglet" pitchFamily="82" charset="0"/>
+              </a:rPr>
+              <a:t>len</a:t>
+            </a:r>
+            <a:r>
+              <a:rPr lang="en-US" dirty="0">
+                <a:solidFill>
+                  <a:schemeClr val="tx1"/>
+                </a:solidFill>
+                <a:latin typeface="Sniglet" pitchFamily="82" charset="0"/>
+              </a:rPr>
+              <a:t>(</a:t>
+            </a:r>
+            <a:r>
+              <a:rPr lang="en-US" dirty="0" err="1">
+                <a:solidFill>
+                  <a:schemeClr val="tx1"/>
+                </a:solidFill>
+                <a:latin typeface="Sniglet" pitchFamily="82" charset="0"/>
+              </a:rPr>
+              <a:t>rcx</a:t>
+            </a:r>
+            <a:r>
+              <a:rPr lang="en-US" dirty="0">
+                <a:solidFill>
+                  <a:schemeClr val="tx1"/>
+                </a:solidFill>
+                <a:latin typeface="Sniglet" pitchFamily="82" charset="0"/>
+              </a:rPr>
+              <a:t>) + </a:t>
+            </a:r>
+            <a:r>
+              <a:rPr lang="en-US" dirty="0" err="1">
+                <a:solidFill>
+                  <a:schemeClr val="tx1"/>
+                </a:solidFill>
+                <a:latin typeface="Sniglet" pitchFamily="82" charset="0"/>
+              </a:rPr>
+              <a:t>len</a:t>
+            </a:r>
+            <a:r>
+              <a:rPr lang="en-US" dirty="0">
+                <a:solidFill>
+                  <a:schemeClr val="tx1"/>
+                </a:solidFill>
+                <a:latin typeface="Sniglet" pitchFamily="82" charset="0"/>
+              </a:rPr>
+              <a:t>(r8) + </a:t>
+            </a:r>
+            <a:r>
+              <a:rPr lang="en-US" dirty="0" err="1">
+                <a:solidFill>
+                  <a:schemeClr val="tx1"/>
+                </a:solidFill>
+                <a:latin typeface="Sniglet" pitchFamily="82" charset="0"/>
+              </a:rPr>
+              <a:t>len</a:t>
+            </a:r>
+            <a:r>
+              <a:rPr lang="en-US" dirty="0">
+                <a:solidFill>
+                  <a:schemeClr val="tx1"/>
+                </a:solidFill>
+                <a:latin typeface="Sniglet" pitchFamily="82" charset="0"/>
+              </a:rPr>
+              <a:t>(r9)</a:t>
+            </a:r>
+          </a:p>
+          <a:p>
+            <a:pPr marL="50799" indent="0">
+              <a:buNone/>
+            </a:pPr>
+            <a:endParaRPr lang="en-US" dirty="0">
+              <a:solidFill>
+                <a:schemeClr val="tx1"/>
+              </a:solidFill>
+              <a:latin typeface="Sniglet" pitchFamily="82" charset="0"/>
+            </a:endParaRPr>
+          </a:p>
+          <a:p>
+            <a:pPr marL="50799" indent="0">
+              <a:buNone/>
+            </a:pPr>
+            <a:r>
+              <a:rPr lang="en-US" dirty="0">
+                <a:solidFill>
+                  <a:schemeClr val="tx1"/>
+                </a:solidFill>
+                <a:latin typeface="Sniglet" pitchFamily="82" charset="0"/>
+              </a:rPr>
+              <a:t>How to make the number equal to 1000?</a:t>
             </a:r>
           </a:p>
         </p:txBody>
@@ -21675,7 +21750,7 @@
     </p:spTree>
     <p:extLst>
       <p:ext uri="{BB962C8B-B14F-4D97-AF65-F5344CB8AC3E}">
-        <p14:creationId xmlns:p14="http://schemas.microsoft.com/office/powerpoint/2010/main" val="3659445866"/>
+        <p14:creationId xmlns:p14="http://schemas.microsoft.com/office/powerpoint/2010/main" val="1184979937"/>
       </p:ext>
     </p:extLst>
   </p:cSld>
@@ -21704,6 +21779,337 @@
       </p:grpSpPr>
       <p:sp>
         <p:nvSpPr>
+          <p:cNvPr id="2" name="Title 1">
+            <a:extLst>
+              <a:ext uri="{FF2B5EF4-FFF2-40B4-BE49-F238E27FC236}">
+                <a16:creationId xmlns:a16="http://schemas.microsoft.com/office/drawing/2014/main" id="{C7DEFB65-06F0-CA4D-AEFE-D7AF8BEDAB0C}"/>
+              </a:ext>
+            </a:extLst>
+          </p:cNvPr>
+          <p:cNvSpPr>
+            <a:spLocks noGrp="1"/>
+          </p:cNvSpPr>
+          <p:nvPr>
+            <p:ph type="title"/>
+          </p:nvPr>
+        </p:nvSpPr>
+        <p:spPr/>
+        <p:txBody>
+          <a:bodyPr/>
+          <a:lstStyle/>
+          <a:p>
+            <a:r>
+              <a:rPr lang="en-US" dirty="0"/>
+              <a:t>Controlling written value </a:t>
+            </a:r>
+            <a:r>
+              <a:rPr lang="en-US" dirty="0">
+                <a:solidFill>
+                  <a:schemeClr val="accent6"/>
+                </a:solidFill>
+              </a:rPr>
+              <a:t>by </a:t>
+            </a:r>
+            <a:r>
+              <a:rPr lang="en-US" b="1" dirty="0">
+                <a:solidFill>
+                  <a:schemeClr val="accent6"/>
+                </a:solidFill>
+              </a:rPr>
+              <a:t>Format Specifiers</a:t>
+            </a:r>
+            <a:endParaRPr lang="en-US" dirty="0">
+              <a:solidFill>
+                <a:schemeClr val="accent6"/>
+              </a:solidFill>
+            </a:endParaRPr>
+          </a:p>
+        </p:txBody>
+      </p:sp>
+      <p:sp>
+        <p:nvSpPr>
+          <p:cNvPr id="3" name="Text Placeholder 2">
+            <a:extLst>
+              <a:ext uri="{FF2B5EF4-FFF2-40B4-BE49-F238E27FC236}">
+                <a16:creationId xmlns:a16="http://schemas.microsoft.com/office/drawing/2014/main" id="{BDF7B82A-5A89-7A4C-864B-5B32B7C4521B}"/>
+              </a:ext>
+            </a:extLst>
+          </p:cNvPr>
+          <p:cNvSpPr>
+            <a:spLocks noGrp="1"/>
+          </p:cNvSpPr>
+          <p:nvPr>
+            <p:ph type="body" idx="1"/>
+          </p:nvPr>
+        </p:nvSpPr>
+        <p:spPr/>
+        <p:txBody>
+          <a:bodyPr/>
+          <a:lstStyle/>
+          <a:p>
+            <a:pPr marL="50799" indent="0">
+              <a:buNone/>
+            </a:pPr>
+            <a:r>
+              <a:rPr lang="en-US" dirty="0">
+                <a:latin typeface="Courier" pitchFamily="2" charset="0"/>
+              </a:rPr>
+              <a:t>%[</a:t>
+            </a:r>
+            <a:r>
+              <a:rPr lang="en-US" dirty="0">
+                <a:solidFill>
+                  <a:srgbClr val="00B050"/>
+                </a:solidFill>
+                <a:latin typeface="Courier" pitchFamily="2" charset="0"/>
+              </a:rPr>
+              <a:t>position$</a:t>
+            </a:r>
+            <a:r>
+              <a:rPr lang="en-US" dirty="0">
+                <a:latin typeface="Courier" pitchFamily="2" charset="0"/>
+              </a:rPr>
+              <a:t>][</a:t>
+            </a:r>
+            <a:r>
+              <a:rPr lang="en-US" dirty="0">
+                <a:solidFill>
+                  <a:schemeClr val="accent1"/>
+                </a:solidFill>
+                <a:latin typeface="Courier" pitchFamily="2" charset="0"/>
+              </a:rPr>
+              <a:t>flag</a:t>
+            </a:r>
+            <a:r>
+              <a:rPr lang="en-US" dirty="0">
+                <a:latin typeface="Courier" pitchFamily="2" charset="0"/>
+              </a:rPr>
+              <a:t>][</a:t>
+            </a:r>
+            <a:r>
+              <a:rPr lang="en-US" dirty="0">
+                <a:solidFill>
+                  <a:schemeClr val="accent2"/>
+                </a:solidFill>
+                <a:latin typeface="Courier" pitchFamily="2" charset="0"/>
+              </a:rPr>
+              <a:t>min width</a:t>
+            </a:r>
+            <a:r>
+              <a:rPr lang="en-US" dirty="0">
+                <a:latin typeface="Courier" pitchFamily="2" charset="0"/>
+              </a:rPr>
+              <a:t>][</a:t>
+            </a:r>
+            <a:r>
+              <a:rPr lang="en-US" dirty="0">
+                <a:solidFill>
+                  <a:schemeClr val="accent6"/>
+                </a:solidFill>
+                <a:latin typeface="Courier" pitchFamily="2" charset="0"/>
+              </a:rPr>
+              <a:t>.precision</a:t>
+            </a:r>
+            <a:r>
+              <a:rPr lang="en-US" dirty="0">
+                <a:latin typeface="Courier" pitchFamily="2" charset="0"/>
+              </a:rPr>
+              <a:t>][</a:t>
+            </a:r>
+            <a:r>
+              <a:rPr lang="en-US" dirty="0">
+                <a:solidFill>
+                  <a:schemeClr val="accent4"/>
+                </a:solidFill>
+                <a:latin typeface="Courier" pitchFamily="2" charset="0"/>
+              </a:rPr>
+              <a:t>length modifier</a:t>
+            </a:r>
+            <a:r>
+              <a:rPr lang="en-US" dirty="0">
+                <a:latin typeface="Courier" pitchFamily="2" charset="0"/>
+              </a:rPr>
+              <a:t>][</a:t>
+            </a:r>
+            <a:r>
+              <a:rPr lang="en-US" dirty="0">
+                <a:solidFill>
+                  <a:srgbClr val="7030A0"/>
+                </a:solidFill>
+                <a:latin typeface="Courier" pitchFamily="2" charset="0"/>
+              </a:rPr>
+              <a:t>conversion specifier</a:t>
+            </a:r>
+            <a:r>
+              <a:rPr lang="en-US" dirty="0">
+                <a:latin typeface="Courier" pitchFamily="2" charset="0"/>
+              </a:rPr>
+              <a:t>]</a:t>
+            </a:r>
+          </a:p>
+          <a:p>
+            <a:pPr marL="50799" indent="0">
+              <a:buNone/>
+            </a:pPr>
+            <a:r>
+              <a:rPr lang="en-US" dirty="0">
+                <a:latin typeface="Courier" pitchFamily="2" charset="0"/>
+              </a:rPr>
+              <a:t>long x = 10;</a:t>
+            </a:r>
+          </a:p>
+          <a:p>
+            <a:pPr marL="50799" indent="0">
+              <a:buNone/>
+            </a:pPr>
+            <a:r>
+              <a:rPr lang="en-US" dirty="0" err="1">
+                <a:latin typeface="Courier" pitchFamily="2" charset="0"/>
+              </a:rPr>
+              <a:t>printf</a:t>
+            </a:r>
+            <a:r>
+              <a:rPr lang="en-US" dirty="0">
+                <a:latin typeface="Courier" pitchFamily="2" charset="0"/>
+              </a:rPr>
+              <a:t>(”%</a:t>
+            </a:r>
+            <a:r>
+              <a:rPr lang="en-US" dirty="0">
+                <a:solidFill>
+                  <a:schemeClr val="accent1"/>
+                </a:solidFill>
+                <a:latin typeface="Courier" pitchFamily="2" charset="0"/>
+              </a:rPr>
+              <a:t>0</a:t>
+            </a:r>
+            <a:r>
+              <a:rPr lang="en-US" dirty="0">
+                <a:solidFill>
+                  <a:schemeClr val="accent2"/>
+                </a:solidFill>
+                <a:latin typeface="Courier" pitchFamily="2" charset="0"/>
+              </a:rPr>
+              <a:t>10</a:t>
+            </a:r>
+            <a:r>
+              <a:rPr lang="en-US" dirty="0">
+                <a:solidFill>
+                  <a:schemeClr val="accent4"/>
+                </a:solidFill>
+                <a:latin typeface="Courier" pitchFamily="2" charset="0"/>
+              </a:rPr>
+              <a:t>l</a:t>
+            </a:r>
+            <a:r>
+              <a:rPr lang="en-US" dirty="0">
+                <a:solidFill>
+                  <a:srgbClr val="7030A0"/>
+                </a:solidFill>
+                <a:latin typeface="Courier" pitchFamily="2" charset="0"/>
+              </a:rPr>
+              <a:t>d</a:t>
+            </a:r>
+            <a:r>
+              <a:rPr lang="en-US" dirty="0">
+                <a:latin typeface="Courier" pitchFamily="2" charset="0"/>
+              </a:rPr>
+              <a:t>”, x);</a:t>
+            </a:r>
+          </a:p>
+          <a:p>
+            <a:pPr marL="50799" indent="0">
+              <a:buNone/>
+            </a:pPr>
+            <a:endParaRPr lang="en-US" dirty="0">
+              <a:latin typeface="Sniglet" pitchFamily="82" charset="0"/>
+            </a:endParaRPr>
+          </a:p>
+          <a:p>
+            <a:pPr marL="50799" indent="0">
+              <a:buNone/>
+            </a:pPr>
+            <a:r>
+              <a:rPr lang="en-US" dirty="0">
+                <a:latin typeface="Sniglet" pitchFamily="82" charset="0"/>
+              </a:rPr>
+              <a:t>Print x as a long int with the minimum length of 10 bytes, padding with 0.</a:t>
+            </a:r>
+          </a:p>
+          <a:p>
+            <a:pPr marL="50799" indent="0">
+              <a:buNone/>
+            </a:pPr>
+            <a:r>
+              <a:rPr lang="en-US" dirty="0">
+                <a:latin typeface="Sniglet" pitchFamily="82" charset="0"/>
+              </a:rPr>
+              <a:t>Output: 0000000010</a:t>
+            </a:r>
+          </a:p>
+        </p:txBody>
+      </p:sp>
+      <p:sp>
+        <p:nvSpPr>
+          <p:cNvPr id="4" name="Slide Number Placeholder 3">
+            <a:extLst>
+              <a:ext uri="{FF2B5EF4-FFF2-40B4-BE49-F238E27FC236}">
+                <a16:creationId xmlns:a16="http://schemas.microsoft.com/office/drawing/2014/main" id="{824CDF89-B348-EB4D-8353-9A54937A8DCF}"/>
+              </a:ext>
+            </a:extLst>
+          </p:cNvPr>
+          <p:cNvSpPr>
+            <a:spLocks noGrp="1"/>
+          </p:cNvSpPr>
+          <p:nvPr>
+            <p:ph type="sldNum" idx="12"/>
+          </p:nvPr>
+        </p:nvSpPr>
+        <p:spPr/>
+        <p:txBody>
+          <a:bodyPr/>
+          <a:lstStyle/>
+          <a:p>
+            <a:fld id="{B8AB1F1C-5B97-FA47-A21B-131B164DAC8F}" type="slidenum">
+              <a:rPr lang="en-US" smtClean="0"/>
+              <a:t>34</a:t>
+            </a:fld>
+            <a:endParaRPr lang="en-US"/>
+          </a:p>
+        </p:txBody>
+      </p:sp>
+    </p:spTree>
+    <p:extLst>
+      <p:ext uri="{BB962C8B-B14F-4D97-AF65-F5344CB8AC3E}">
+        <p14:creationId xmlns:p14="http://schemas.microsoft.com/office/powerpoint/2010/main" val="756710108"/>
+      </p:ext>
+    </p:extLst>
+  </p:cSld>
+  <p:clrMapOvr>
+    <a:masterClrMapping/>
+  </p:clrMapOvr>
+</p:sld>
+</file>
+
+<file path=ppt/slides/slide36.xml><?xml version="1.0" encoding="utf-8"?>
+<p:sld xmlns:a="http://schemas.openxmlformats.org/drawingml/2006/main" xmlns:r="http://schemas.openxmlformats.org/officeDocument/2006/relationships" xmlns:p="http://schemas.openxmlformats.org/presentationml/2006/main">
+  <p:cSld>
+    <p:spTree>
+      <p:nvGrpSpPr>
+        <p:cNvPr id="1" name=""/>
+        <p:cNvGrpSpPr/>
+        <p:nvPr/>
+      </p:nvGrpSpPr>
+      <p:grpSpPr>
+        <a:xfrm>
+          <a:off x="0" y="0"/>
+          <a:ext cx="0" cy="0"/>
+          <a:chOff x="0" y="0"/>
+          <a:chExt cx="0" cy="0"/>
+        </a:xfrm>
+      </p:grpSpPr>
+      <p:sp>
+        <p:nvSpPr>
           <p:cNvPr id="4" name="Title 3">
             <a:extLst>
               <a:ext uri="{FF2B5EF4-FFF2-40B4-BE49-F238E27FC236}">
@@ -21724,20 +22130,8 @@
           <a:lstStyle/>
           <a:p>
             <a:r>
-              <a:rPr lang="en-US" dirty="0" err="1">
-                <a:solidFill>
-                  <a:schemeClr val="tx1"/>
-                </a:solidFill>
-              </a:rPr>
-              <a:t>BuT</a:t>
-            </a:r>
-            <a:r>
-              <a:rPr lang="en-US" dirty="0">
-                <a:solidFill>
-                  <a:schemeClr val="tx1"/>
-                </a:solidFill>
-              </a:rPr>
-              <a:t>…</a:t>
+              <a:rPr lang="en-US" dirty="0"/>
+              <a:t>Controlling written value</a:t>
             </a:r>
             <a:endParaRPr lang="en-US" dirty="0">
               <a:solidFill>
@@ -21766,7 +22160,7 @@
         <p:spPr>
           <a:xfrm>
             <a:off x="1402731" y="2061256"/>
-            <a:ext cx="6168947" cy="3847374"/>
+            <a:ext cx="9290768" cy="3847374"/>
           </a:xfrm>
         </p:spPr>
         <p:txBody>
@@ -21815,22 +22209,13 @@
               <a:t>[] = </a:t>
             </a:r>
             <a:r>
-              <a:rPr lang="en-US" sz="2000" dirty="0">
+              <a:rPr lang="en-US" sz="2000" dirty="0" err="1">
                 <a:solidFill>
                   <a:schemeClr val="tx1"/>
                 </a:solidFill>
                 <a:latin typeface="Courier" pitchFamily="2" charset="0"/>
               </a:rPr>
-              <a:t>“%0200x%0200x%0200x%0200x%0200x</a:t>
-            </a:r>
-            <a:r>
-              <a:rPr lang="en-US" sz="2000" dirty="0">
-                <a:solidFill>
-                  <a:schemeClr val="accent1"/>
-                </a:solidFill>
-                <a:latin typeface="Courier" pitchFamily="2" charset="0"/>
-              </a:rPr>
-              <a:t>%n</a:t>
+              <a:t>little_end</a:t>
             </a:r>
             <a:r>
               <a:rPr lang="en-US" sz="2000" dirty="0">
@@ -21839,37 +22224,40 @@
                 </a:solidFill>
                 <a:latin typeface="Courier" pitchFamily="2" charset="0"/>
               </a:rPr>
-              <a:t>\n” + </a:t>
-            </a:r>
-            <a:r>
-              <a:rPr lang="en-US" sz="2000" dirty="0" err="1">
-                <a:solidFill>
-                  <a:schemeClr val="tx1"/>
-                </a:solidFill>
-                <a:latin typeface="Courier" pitchFamily="2" charset="0"/>
-              </a:rPr>
-              <a:t>little_end</a:t>
-            </a:r>
-            <a:r>
-              <a:rPr lang="en-US" sz="2000" dirty="0">
-                <a:solidFill>
-                  <a:schemeClr val="tx1"/>
-                </a:solidFill>
-                <a:latin typeface="Courier" pitchFamily="2" charset="0"/>
-              </a:rPr>
-              <a:t>(0x555555554708);</a:t>
+              <a:t>(0x555555554708) </a:t>
+            </a:r>
+            <a:r>
+              <a:rPr lang="en-US" sz="2000" dirty="0">
+                <a:latin typeface="Courier" pitchFamily="2" charset="0"/>
+              </a:rPr>
+              <a:t>+ </a:t>
             </a:r>
           </a:p>
           <a:p>
             <a:pPr marL="50799" indent="0">
               <a:buNone/>
             </a:pPr>
-            <a:endParaRPr lang="en-US" sz="2000" dirty="0">
-              <a:solidFill>
-                <a:schemeClr val="tx1"/>
-              </a:solidFill>
-              <a:latin typeface="Courier" pitchFamily="2" charset="0"/>
-            </a:endParaRPr>
+            <a:r>
+              <a:rPr lang="en-US" sz="2000" dirty="0">
+                <a:latin typeface="Courier" pitchFamily="2" charset="0"/>
+              </a:rPr>
+              <a:t>             “</a:t>
+            </a:r>
+            <a:r>
+              <a:rPr lang="en-US" sz="2000" dirty="0">
+                <a:solidFill>
+                  <a:schemeClr val="accent1"/>
+                </a:solidFill>
+                <a:latin typeface="Courier" pitchFamily="2" charset="0"/>
+              </a:rPr>
+              <a:t>%0200x%0200x%0200x%0200x%0200x</a:t>
+            </a:r>
+            <a:r>
+              <a:rPr lang="en-US" sz="2000" dirty="0">
+                <a:latin typeface="Courier" pitchFamily="2" charset="0"/>
+              </a:rPr>
+              <a:t>%n\n”;</a:t>
+            </a:r>
           </a:p>
           <a:p>
             <a:pPr marL="50799" indent="0">
@@ -21922,6 +22310,187 @@
               </a:solidFill>
               <a:latin typeface="Courier" pitchFamily="2" charset="0"/>
             </a:endParaRPr>
+          </a:p>
+          <a:p>
+            <a:pPr marL="50799" indent="0">
+              <a:buNone/>
+            </a:pPr>
+            <a:r>
+              <a:rPr lang="en-US" dirty="0">
+                <a:solidFill>
+                  <a:schemeClr val="tx1"/>
+                </a:solidFill>
+                <a:latin typeface="Sniglet" pitchFamily="82" charset="0"/>
+              </a:rPr>
+              <a:t>#printed bytes before writing to </a:t>
+            </a:r>
+            <a:r>
+              <a:rPr lang="en-US" dirty="0">
+                <a:solidFill>
+                  <a:schemeClr val="tx1"/>
+                </a:solidFill>
+                <a:latin typeface="Courier" pitchFamily="2" charset="0"/>
+              </a:rPr>
+              <a:t>0x555555554708 :</a:t>
+            </a:r>
+          </a:p>
+          <a:p>
+            <a:pPr marL="50799" indent="0">
+              <a:buNone/>
+            </a:pPr>
+            <a:r>
+              <a:rPr lang="en-US" dirty="0">
+                <a:solidFill>
+                  <a:schemeClr val="tx1"/>
+                </a:solidFill>
+                <a:latin typeface="Sniglet" pitchFamily="82" charset="0"/>
+              </a:rPr>
+              <a:t>        8 + 5 + </a:t>
+            </a:r>
+            <a:r>
+              <a:rPr lang="en-US" dirty="0" err="1">
+                <a:solidFill>
+                  <a:schemeClr val="tx1"/>
+                </a:solidFill>
+                <a:latin typeface="Sniglet" pitchFamily="82" charset="0"/>
+              </a:rPr>
+              <a:t>len</a:t>
+            </a:r>
+            <a:r>
+              <a:rPr lang="en-US" dirty="0">
+                <a:solidFill>
+                  <a:schemeClr val="tx1"/>
+                </a:solidFill>
+                <a:latin typeface="Sniglet" pitchFamily="82" charset="0"/>
+              </a:rPr>
+              <a:t>(</a:t>
+            </a:r>
+            <a:r>
+              <a:rPr lang="en-US" dirty="0" err="1">
+                <a:solidFill>
+                  <a:schemeClr val="tx1"/>
+                </a:solidFill>
+                <a:latin typeface="Sniglet" pitchFamily="82" charset="0"/>
+              </a:rPr>
+              <a:t>rsi</a:t>
+            </a:r>
+            <a:r>
+              <a:rPr lang="en-US" dirty="0">
+                <a:solidFill>
+                  <a:schemeClr val="tx1"/>
+                </a:solidFill>
+                <a:latin typeface="Sniglet" pitchFamily="82" charset="0"/>
+              </a:rPr>
+              <a:t>) + </a:t>
+            </a:r>
+            <a:r>
+              <a:rPr lang="en-US" dirty="0" err="1">
+                <a:solidFill>
+                  <a:schemeClr val="tx1"/>
+                </a:solidFill>
+                <a:latin typeface="Sniglet" pitchFamily="82" charset="0"/>
+              </a:rPr>
+              <a:t>len</a:t>
+            </a:r>
+            <a:r>
+              <a:rPr lang="en-US" dirty="0">
+                <a:solidFill>
+                  <a:schemeClr val="tx1"/>
+                </a:solidFill>
+                <a:latin typeface="Sniglet" pitchFamily="82" charset="0"/>
+              </a:rPr>
+              <a:t>(</a:t>
+            </a:r>
+            <a:r>
+              <a:rPr lang="en-US" dirty="0" err="1">
+                <a:solidFill>
+                  <a:schemeClr val="tx1"/>
+                </a:solidFill>
+                <a:latin typeface="Sniglet" pitchFamily="82" charset="0"/>
+              </a:rPr>
+              <a:t>rdx</a:t>
+            </a:r>
+            <a:r>
+              <a:rPr lang="en-US" dirty="0">
+                <a:solidFill>
+                  <a:schemeClr val="tx1"/>
+                </a:solidFill>
+                <a:latin typeface="Sniglet" pitchFamily="82" charset="0"/>
+              </a:rPr>
+              <a:t>) + </a:t>
+            </a:r>
+            <a:r>
+              <a:rPr lang="en-US" dirty="0" err="1">
+                <a:solidFill>
+                  <a:schemeClr val="tx1"/>
+                </a:solidFill>
+                <a:latin typeface="Sniglet" pitchFamily="82" charset="0"/>
+              </a:rPr>
+              <a:t>len</a:t>
+            </a:r>
+            <a:r>
+              <a:rPr lang="en-US" dirty="0">
+                <a:solidFill>
+                  <a:schemeClr val="tx1"/>
+                </a:solidFill>
+                <a:latin typeface="Sniglet" pitchFamily="82" charset="0"/>
+              </a:rPr>
+              <a:t>(</a:t>
+            </a:r>
+            <a:r>
+              <a:rPr lang="en-US" dirty="0" err="1">
+                <a:solidFill>
+                  <a:schemeClr val="tx1"/>
+                </a:solidFill>
+                <a:latin typeface="Sniglet" pitchFamily="82" charset="0"/>
+              </a:rPr>
+              <a:t>rcx</a:t>
+            </a:r>
+            <a:r>
+              <a:rPr lang="en-US" dirty="0">
+                <a:solidFill>
+                  <a:schemeClr val="tx1"/>
+                </a:solidFill>
+                <a:latin typeface="Sniglet" pitchFamily="82" charset="0"/>
+              </a:rPr>
+              <a:t>) + </a:t>
+            </a:r>
+            <a:r>
+              <a:rPr lang="en-US" dirty="0" err="1">
+                <a:solidFill>
+                  <a:schemeClr val="tx1"/>
+                </a:solidFill>
+                <a:latin typeface="Sniglet" pitchFamily="82" charset="0"/>
+              </a:rPr>
+              <a:t>len</a:t>
+            </a:r>
+            <a:r>
+              <a:rPr lang="en-US" dirty="0">
+                <a:solidFill>
+                  <a:schemeClr val="tx1"/>
+                </a:solidFill>
+                <a:latin typeface="Sniglet" pitchFamily="82" charset="0"/>
+              </a:rPr>
+              <a:t>(r8) + </a:t>
+            </a:r>
+            <a:r>
+              <a:rPr lang="en-US" dirty="0" err="1">
+                <a:solidFill>
+                  <a:schemeClr val="tx1"/>
+                </a:solidFill>
+                <a:latin typeface="Sniglet" pitchFamily="82" charset="0"/>
+              </a:rPr>
+              <a:t>len</a:t>
+            </a:r>
+            <a:r>
+              <a:rPr lang="en-US" dirty="0">
+                <a:solidFill>
+                  <a:schemeClr val="tx1"/>
+                </a:solidFill>
+                <a:latin typeface="Sniglet" pitchFamily="82" charset="0"/>
+              </a:rPr>
+              <a:t>(r9)</a:t>
+            </a:r>
           </a:p>
         </p:txBody>
       </p:sp>
@@ -21948,7 +22517,596 @@
           <a:p>
             <a:fld id="{B8AB1F1C-5B97-FA47-A21B-131B164DAC8F}" type="slidenum">
               <a:rPr lang="en-US" smtClean="0"/>
-              <a:t>34</a:t>
+              <a:t>35</a:t>
+            </a:fld>
+            <a:endParaRPr lang="en-US"/>
+          </a:p>
+        </p:txBody>
+      </p:sp>
+    </p:spTree>
+    <p:extLst>
+      <p:ext uri="{BB962C8B-B14F-4D97-AF65-F5344CB8AC3E}">
+        <p14:creationId xmlns:p14="http://schemas.microsoft.com/office/powerpoint/2010/main" val="4108532458"/>
+      </p:ext>
+    </p:extLst>
+  </p:cSld>
+  <p:clrMapOvr>
+    <a:masterClrMapping/>
+  </p:clrMapOvr>
+</p:sld>
+</file>
+
+<file path=ppt/slides/slide37.xml><?xml version="1.0" encoding="utf-8"?>
+<p:sld xmlns:a="http://schemas.openxmlformats.org/drawingml/2006/main" xmlns:r="http://schemas.openxmlformats.org/officeDocument/2006/relationships" xmlns:p="http://schemas.openxmlformats.org/presentationml/2006/main">
+  <p:cSld>
+    <p:spTree>
+      <p:nvGrpSpPr>
+        <p:cNvPr id="1" name=""/>
+        <p:cNvGrpSpPr/>
+        <p:nvPr/>
+      </p:nvGrpSpPr>
+      <p:grpSpPr>
+        <a:xfrm>
+          <a:off x="0" y="0"/>
+          <a:ext cx="0" cy="0"/>
+          <a:chOff x="0" y="0"/>
+          <a:chExt cx="0" cy="0"/>
+        </a:xfrm>
+      </p:grpSpPr>
+      <p:sp>
+        <p:nvSpPr>
+          <p:cNvPr id="4" name="Title 3">
+            <a:extLst>
+              <a:ext uri="{FF2B5EF4-FFF2-40B4-BE49-F238E27FC236}">
+                <a16:creationId xmlns:a16="http://schemas.microsoft.com/office/drawing/2014/main" id="{B2FE6EE5-0C66-C04C-BE48-19414654E4B8}"/>
+              </a:ext>
+            </a:extLst>
+          </p:cNvPr>
+          <p:cNvSpPr>
+            <a:spLocks noGrp="1"/>
+          </p:cNvSpPr>
+          <p:nvPr>
+            <p:ph type="title"/>
+          </p:nvPr>
+        </p:nvSpPr>
+        <p:spPr/>
+        <p:txBody>
+          <a:bodyPr/>
+          <a:lstStyle/>
+          <a:p>
+            <a:r>
+              <a:rPr lang="en-US" dirty="0" err="1">
+                <a:solidFill>
+                  <a:schemeClr val="tx1"/>
+                </a:solidFill>
+              </a:rPr>
+              <a:t>BuT</a:t>
+            </a:r>
+            <a:r>
+              <a:rPr lang="en-US" dirty="0">
+                <a:solidFill>
+                  <a:schemeClr val="tx1"/>
+                </a:solidFill>
+              </a:rPr>
+              <a:t>…</a:t>
+            </a:r>
+            <a:endParaRPr lang="en-US" dirty="0">
+              <a:solidFill>
+                <a:schemeClr val="accent1"/>
+              </a:solidFill>
+            </a:endParaRPr>
+          </a:p>
+        </p:txBody>
+      </p:sp>
+      <p:sp>
+        <p:nvSpPr>
+          <p:cNvPr id="5" name="Text Placeholder 4">
+            <a:extLst>
+              <a:ext uri="{FF2B5EF4-FFF2-40B4-BE49-F238E27FC236}">
+                <a16:creationId xmlns:a16="http://schemas.microsoft.com/office/drawing/2014/main" id="{5E178703-3DC7-C648-89BD-282E0C3537BD}"/>
+              </a:ext>
+            </a:extLst>
+          </p:cNvPr>
+          <p:cNvSpPr>
+            <a:spLocks noGrp="1"/>
+          </p:cNvSpPr>
+          <p:nvPr>
+            <p:ph type="body" idx="1"/>
+          </p:nvPr>
+        </p:nvSpPr>
+        <p:spPr>
+          <a:xfrm>
+            <a:off x="1402731" y="2061256"/>
+            <a:ext cx="9290768" cy="3847374"/>
+          </a:xfrm>
+        </p:spPr>
+        <p:txBody>
+          <a:bodyPr/>
+          <a:lstStyle/>
+          <a:p>
+            <a:pPr marL="50799" indent="0">
+              <a:buNone/>
+            </a:pPr>
+            <a:r>
+              <a:rPr lang="en-US" sz="2000" dirty="0">
+                <a:latin typeface="Sniglet" pitchFamily="82" charset="0"/>
+              </a:rPr>
+              <a:t>Goal: </a:t>
+            </a:r>
+            <a:r>
+              <a:rPr lang="en-US" sz="2000" dirty="0">
+                <a:solidFill>
+                  <a:schemeClr val="tx1"/>
+                </a:solidFill>
+                <a:latin typeface="Courier" pitchFamily="2" charset="0"/>
+              </a:rPr>
+              <a:t>[0x555555554708] = 1000 </a:t>
+            </a:r>
+          </a:p>
+          <a:p>
+            <a:pPr marL="50799" indent="0">
+              <a:buNone/>
+            </a:pPr>
+            <a:r>
+              <a:rPr lang="en-US" sz="2000" dirty="0">
+                <a:latin typeface="Courier" pitchFamily="2" charset="0"/>
+              </a:rPr>
+              <a:t>char </a:t>
+            </a:r>
+            <a:r>
+              <a:rPr lang="en-US" sz="2000" dirty="0" err="1">
+                <a:latin typeface="Courier" pitchFamily="2" charset="0"/>
+              </a:rPr>
+              <a:t>buf</a:t>
+            </a:r>
+            <a:r>
+              <a:rPr lang="en-US" sz="2000" dirty="0">
+                <a:latin typeface="Courier" pitchFamily="2" charset="0"/>
+              </a:rPr>
+              <a:t>[] = </a:t>
+            </a:r>
+            <a:r>
+              <a:rPr lang="en-US" sz="2000" dirty="0" err="1">
+                <a:solidFill>
+                  <a:schemeClr val="accent1"/>
+                </a:solidFill>
+                <a:latin typeface="Courier" pitchFamily="2" charset="0"/>
+              </a:rPr>
+              <a:t>little_end</a:t>
+            </a:r>
+            <a:r>
+              <a:rPr lang="en-US" sz="2000" dirty="0">
+                <a:solidFill>
+                  <a:schemeClr val="accent1"/>
+                </a:solidFill>
+                <a:latin typeface="Courier" pitchFamily="2" charset="0"/>
+              </a:rPr>
+              <a:t>(0x555555554708) </a:t>
+            </a:r>
+            <a:r>
+              <a:rPr lang="en-US" sz="2000" dirty="0">
+                <a:latin typeface="Courier" pitchFamily="2" charset="0"/>
+              </a:rPr>
+              <a:t>+ </a:t>
+            </a:r>
+          </a:p>
+          <a:p>
+            <a:pPr marL="50799" indent="0">
+              <a:buNone/>
+            </a:pPr>
+            <a:r>
+              <a:rPr lang="en-US" sz="2000" dirty="0">
+                <a:solidFill>
+                  <a:schemeClr val="tx1"/>
+                </a:solidFill>
+                <a:latin typeface="Courier" pitchFamily="2" charset="0"/>
+              </a:rPr>
+              <a:t>             “%0200x%0200x%0200x%0200x%0200x%n\n”;</a:t>
+            </a:r>
+          </a:p>
+          <a:p>
+            <a:pPr marL="50799" indent="0">
+              <a:buNone/>
+            </a:pPr>
+            <a:r>
+              <a:rPr lang="en-US" sz="2000" dirty="0" err="1">
+                <a:solidFill>
+                  <a:schemeClr val="tx1"/>
+                </a:solidFill>
+                <a:latin typeface="Courier" pitchFamily="2" charset="0"/>
+              </a:rPr>
+              <a:t>printf</a:t>
+            </a:r>
+            <a:r>
+              <a:rPr lang="en-US" sz="2000" dirty="0">
+                <a:solidFill>
+                  <a:schemeClr val="tx1"/>
+                </a:solidFill>
+                <a:latin typeface="Courier" pitchFamily="2" charset="0"/>
+              </a:rPr>
+              <a:t>(</a:t>
+            </a:r>
+            <a:r>
+              <a:rPr lang="en-US" sz="2000" dirty="0" err="1">
+                <a:solidFill>
+                  <a:schemeClr val="tx1"/>
+                </a:solidFill>
+                <a:latin typeface="Courier" pitchFamily="2" charset="0"/>
+              </a:rPr>
+              <a:t>buf</a:t>
+            </a:r>
+            <a:r>
+              <a:rPr lang="en-US" sz="2000" dirty="0">
+                <a:solidFill>
+                  <a:schemeClr val="tx1"/>
+                </a:solidFill>
+                <a:latin typeface="Courier" pitchFamily="2" charset="0"/>
+              </a:rPr>
+              <a:t>);</a:t>
+            </a:r>
+          </a:p>
+          <a:p>
+            <a:pPr marL="50799" indent="0">
+              <a:buNone/>
+            </a:pPr>
+            <a:endParaRPr lang="en-US" sz="2000" dirty="0">
+              <a:solidFill>
+                <a:schemeClr val="accent6"/>
+              </a:solidFill>
+              <a:latin typeface="Courier" pitchFamily="2" charset="0"/>
+            </a:endParaRPr>
+          </a:p>
+          <a:p>
+            <a:pPr marL="50799" indent="0">
+              <a:buNone/>
+            </a:pPr>
+            <a:r>
+              <a:rPr lang="en-US" sz="1800" dirty="0" err="1">
+                <a:solidFill>
+                  <a:schemeClr val="accent1"/>
+                </a:solidFill>
+                <a:latin typeface="Courier" pitchFamily="2" charset="0"/>
+              </a:rPr>
+              <a:t>little_end</a:t>
+            </a:r>
+            <a:r>
+              <a:rPr lang="en-US" sz="1800" dirty="0">
+                <a:solidFill>
+                  <a:schemeClr val="accent1"/>
+                </a:solidFill>
+                <a:latin typeface="Courier" pitchFamily="2" charset="0"/>
+              </a:rPr>
+              <a:t>(0x555555554708) = ‘\x08\x47\x55\x55\x55\x55\x00\x00’</a:t>
+            </a:r>
+            <a:endParaRPr lang="en-US" dirty="0">
+              <a:solidFill>
+                <a:schemeClr val="accent1"/>
+              </a:solidFill>
+              <a:latin typeface="Courier" pitchFamily="2" charset="0"/>
+            </a:endParaRPr>
+          </a:p>
+          <a:p>
+            <a:pPr marL="50799" indent="0">
+              <a:buNone/>
+            </a:pPr>
+            <a:r>
+              <a:rPr lang="en-US" dirty="0">
+                <a:solidFill>
+                  <a:schemeClr val="tx1"/>
+                </a:solidFill>
+                <a:latin typeface="Sniglet" pitchFamily="82" charset="0"/>
+              </a:rPr>
+              <a:t>will break the format string</a:t>
+            </a:r>
+          </a:p>
+        </p:txBody>
+      </p:sp>
+      <p:sp>
+        <p:nvSpPr>
+          <p:cNvPr id="3" name="Slide Number Placeholder 2">
+            <a:extLst>
+              <a:ext uri="{FF2B5EF4-FFF2-40B4-BE49-F238E27FC236}">
+                <a16:creationId xmlns:a16="http://schemas.microsoft.com/office/drawing/2014/main" id="{DDEB2D29-7DB5-C849-8CA4-A32296F84982}"/>
+              </a:ext>
+            </a:extLst>
+          </p:cNvPr>
+          <p:cNvSpPr>
+            <a:spLocks noGrp="1"/>
+          </p:cNvSpPr>
+          <p:nvPr>
+            <p:ph type="sldNum" idx="12"/>
+          </p:nvPr>
+        </p:nvSpPr>
+        <p:spPr/>
+        <p:txBody>
+          <a:bodyPr/>
+          <a:lstStyle/>
+          <a:p>
+            <a:fld id="{B8AB1F1C-5B97-FA47-A21B-131B164DAC8F}" type="slidenum">
+              <a:rPr lang="en-US" smtClean="0"/>
+              <a:t>36</a:t>
+            </a:fld>
+            <a:endParaRPr lang="en-US"/>
+          </a:p>
+        </p:txBody>
+      </p:sp>
+    </p:spTree>
+    <p:extLst>
+      <p:ext uri="{BB962C8B-B14F-4D97-AF65-F5344CB8AC3E}">
+        <p14:creationId xmlns:p14="http://schemas.microsoft.com/office/powerpoint/2010/main" val="3659445866"/>
+      </p:ext>
+    </p:extLst>
+  </p:cSld>
+  <p:clrMapOvr>
+    <a:masterClrMapping/>
+  </p:clrMapOvr>
+</p:sld>
+</file>
+
+<file path=ppt/slides/slide38.xml><?xml version="1.0" encoding="utf-8"?>
+<p:sld xmlns:a="http://schemas.openxmlformats.org/drawingml/2006/main" xmlns:r="http://schemas.openxmlformats.org/officeDocument/2006/relationships" xmlns:p="http://schemas.openxmlformats.org/presentationml/2006/main">
+  <p:cSld>
+    <p:spTree>
+      <p:nvGrpSpPr>
+        <p:cNvPr id="1" name=""/>
+        <p:cNvGrpSpPr/>
+        <p:nvPr/>
+      </p:nvGrpSpPr>
+      <p:grpSpPr>
+        <a:xfrm>
+          <a:off x="0" y="0"/>
+          <a:ext cx="0" cy="0"/>
+          <a:chOff x="0" y="0"/>
+          <a:chExt cx="0" cy="0"/>
+        </a:xfrm>
+      </p:grpSpPr>
+      <p:sp>
+        <p:nvSpPr>
+          <p:cNvPr id="4" name="Title 3">
+            <a:extLst>
+              <a:ext uri="{FF2B5EF4-FFF2-40B4-BE49-F238E27FC236}">
+                <a16:creationId xmlns:a16="http://schemas.microsoft.com/office/drawing/2014/main" id="{B2FE6EE5-0C66-C04C-BE48-19414654E4B8}"/>
+              </a:ext>
+            </a:extLst>
+          </p:cNvPr>
+          <p:cNvSpPr>
+            <a:spLocks noGrp="1"/>
+          </p:cNvSpPr>
+          <p:nvPr>
+            <p:ph type="title"/>
+          </p:nvPr>
+        </p:nvSpPr>
+        <p:spPr/>
+        <p:txBody>
+          <a:bodyPr/>
+          <a:lstStyle/>
+          <a:p>
+            <a:r>
+              <a:rPr lang="en-US" dirty="0" err="1">
+                <a:solidFill>
+                  <a:schemeClr val="tx1"/>
+                </a:solidFill>
+              </a:rPr>
+              <a:t>BuT</a:t>
+            </a:r>
+            <a:r>
+              <a:rPr lang="en-US" dirty="0">
+                <a:solidFill>
+                  <a:schemeClr val="tx1"/>
+                </a:solidFill>
+              </a:rPr>
+              <a:t>…</a:t>
+            </a:r>
+            <a:endParaRPr lang="en-US" dirty="0">
+              <a:solidFill>
+                <a:schemeClr val="accent1"/>
+              </a:solidFill>
+            </a:endParaRPr>
+          </a:p>
+        </p:txBody>
+      </p:sp>
+      <p:sp>
+        <p:nvSpPr>
+          <p:cNvPr id="5" name="Text Placeholder 4">
+            <a:extLst>
+              <a:ext uri="{FF2B5EF4-FFF2-40B4-BE49-F238E27FC236}">
+                <a16:creationId xmlns:a16="http://schemas.microsoft.com/office/drawing/2014/main" id="{5E178703-3DC7-C648-89BD-282E0C3537BD}"/>
+              </a:ext>
+            </a:extLst>
+          </p:cNvPr>
+          <p:cNvSpPr>
+            <a:spLocks noGrp="1"/>
+          </p:cNvSpPr>
+          <p:nvPr>
+            <p:ph type="body" idx="1"/>
+          </p:nvPr>
+        </p:nvSpPr>
+        <p:spPr>
+          <a:xfrm>
+            <a:off x="1402731" y="2061256"/>
+            <a:ext cx="6168947" cy="3847374"/>
+          </a:xfrm>
+        </p:spPr>
+        <p:txBody>
+          <a:bodyPr/>
+          <a:lstStyle/>
+          <a:p>
+            <a:pPr marL="50799" indent="0">
+              <a:buNone/>
+            </a:pPr>
+            <a:r>
+              <a:rPr lang="en-US" sz="2000" dirty="0">
+                <a:latin typeface="Sniglet" pitchFamily="82" charset="0"/>
+              </a:rPr>
+              <a:t>Goal: </a:t>
+            </a:r>
+            <a:r>
+              <a:rPr lang="en-US" sz="2000" dirty="0">
+                <a:solidFill>
+                  <a:schemeClr val="tx1"/>
+                </a:solidFill>
+                <a:latin typeface="Courier" pitchFamily="2" charset="0"/>
+              </a:rPr>
+              <a:t>[0x555555554708] = 1000 </a:t>
+            </a:r>
+          </a:p>
+          <a:p>
+            <a:pPr marL="50799" indent="0">
+              <a:buNone/>
+            </a:pPr>
+            <a:r>
+              <a:rPr lang="en-US" sz="2000" dirty="0">
+                <a:latin typeface="Courier" pitchFamily="2" charset="0"/>
+              </a:rPr>
+              <a:t>char </a:t>
+            </a:r>
+            <a:r>
+              <a:rPr lang="en-US" sz="2000" dirty="0" err="1">
+                <a:latin typeface="Courier" pitchFamily="2" charset="0"/>
+              </a:rPr>
+              <a:t>buf</a:t>
+            </a:r>
+            <a:r>
+              <a:rPr lang="en-US" sz="2000" dirty="0">
+                <a:latin typeface="Courier" pitchFamily="2" charset="0"/>
+              </a:rPr>
+              <a:t>[] = </a:t>
+            </a:r>
+            <a:r>
+              <a:rPr lang="en-US" sz="2000" dirty="0">
+                <a:solidFill>
+                  <a:schemeClr val="tx1"/>
+                </a:solidFill>
+                <a:latin typeface="Courier" pitchFamily="2" charset="0"/>
+              </a:rPr>
+              <a:t>“%0200x%0200x%0200x%0200x%0200x</a:t>
+            </a:r>
+            <a:r>
+              <a:rPr lang="en-US" sz="2000" dirty="0">
+                <a:solidFill>
+                  <a:schemeClr val="accent1"/>
+                </a:solidFill>
+                <a:latin typeface="Courier" pitchFamily="2" charset="0"/>
+              </a:rPr>
+              <a:t>%n</a:t>
+            </a:r>
+            <a:r>
+              <a:rPr lang="en-US" sz="2000" dirty="0">
+                <a:solidFill>
+                  <a:schemeClr val="tx1"/>
+                </a:solidFill>
+                <a:latin typeface="Courier" pitchFamily="2" charset="0"/>
+              </a:rPr>
+              <a:t>\n” + </a:t>
+            </a:r>
+            <a:r>
+              <a:rPr lang="en-US" sz="2000" dirty="0" err="1">
+                <a:solidFill>
+                  <a:schemeClr val="tx1"/>
+                </a:solidFill>
+                <a:latin typeface="Courier" pitchFamily="2" charset="0"/>
+              </a:rPr>
+              <a:t>little_end</a:t>
+            </a:r>
+            <a:r>
+              <a:rPr lang="en-US" sz="2000" dirty="0">
+                <a:solidFill>
+                  <a:schemeClr val="tx1"/>
+                </a:solidFill>
+                <a:latin typeface="Courier" pitchFamily="2" charset="0"/>
+              </a:rPr>
+              <a:t>(0x555555554708);</a:t>
+            </a:r>
+          </a:p>
+          <a:p>
+            <a:pPr marL="50799" indent="0">
+              <a:buNone/>
+            </a:pPr>
+            <a:endParaRPr lang="en-US" sz="2000" dirty="0">
+              <a:solidFill>
+                <a:schemeClr val="tx1"/>
+              </a:solidFill>
+              <a:latin typeface="Courier" pitchFamily="2" charset="0"/>
+            </a:endParaRPr>
+          </a:p>
+          <a:p>
+            <a:pPr marL="50799" indent="0">
+              <a:buNone/>
+            </a:pPr>
+            <a:r>
+              <a:rPr lang="en-US" sz="2000" dirty="0" err="1">
+                <a:solidFill>
+                  <a:schemeClr val="tx1"/>
+                </a:solidFill>
+                <a:latin typeface="Courier" pitchFamily="2" charset="0"/>
+              </a:rPr>
+              <a:t>printf</a:t>
+            </a:r>
+            <a:r>
+              <a:rPr lang="en-US" sz="2000" dirty="0">
+                <a:solidFill>
+                  <a:schemeClr val="tx1"/>
+                </a:solidFill>
+                <a:latin typeface="Courier" pitchFamily="2" charset="0"/>
+              </a:rPr>
+              <a:t>(</a:t>
+            </a:r>
+            <a:r>
+              <a:rPr lang="en-US" sz="2000" dirty="0" err="1">
+                <a:solidFill>
+                  <a:schemeClr val="tx1"/>
+                </a:solidFill>
+                <a:latin typeface="Courier" pitchFamily="2" charset="0"/>
+              </a:rPr>
+              <a:t>buf</a:t>
+            </a:r>
+            <a:r>
+              <a:rPr lang="en-US" sz="2000" dirty="0">
+                <a:solidFill>
+                  <a:schemeClr val="tx1"/>
+                </a:solidFill>
+                <a:latin typeface="Courier" pitchFamily="2" charset="0"/>
+              </a:rPr>
+              <a:t>);</a:t>
+            </a:r>
+          </a:p>
+          <a:p>
+            <a:pPr marL="50799" indent="0">
+              <a:buNone/>
+            </a:pPr>
+            <a:endParaRPr lang="en-US" sz="2000" dirty="0">
+              <a:solidFill>
+                <a:schemeClr val="accent6"/>
+              </a:solidFill>
+              <a:latin typeface="Courier" pitchFamily="2" charset="0"/>
+            </a:endParaRPr>
+          </a:p>
+        </p:txBody>
+      </p:sp>
+      <p:sp>
+        <p:nvSpPr>
+          <p:cNvPr id="3" name="Slide Number Placeholder 2">
+            <a:extLst>
+              <a:ext uri="{FF2B5EF4-FFF2-40B4-BE49-F238E27FC236}">
+                <a16:creationId xmlns:a16="http://schemas.microsoft.com/office/drawing/2014/main" id="{DDEB2D29-7DB5-C849-8CA4-A32296F84982}"/>
+              </a:ext>
+            </a:extLst>
+          </p:cNvPr>
+          <p:cNvSpPr>
+            <a:spLocks noGrp="1"/>
+          </p:cNvSpPr>
+          <p:nvPr>
+            <p:ph type="sldNum" idx="12"/>
+          </p:nvPr>
+        </p:nvSpPr>
+        <p:spPr/>
+        <p:txBody>
+          <a:bodyPr/>
+          <a:lstStyle/>
+          <a:p>
+            <a:fld id="{B8AB1F1C-5B97-FA47-A21B-131B164DAC8F}" type="slidenum">
+              <a:rPr lang="en-US" smtClean="0"/>
+              <a:t>37</a:t>
             </a:fld>
             <a:endParaRPr lang="en-US"/>
           </a:p>
@@ -22410,7 +23568,7 @@
 </p:sld>
 </file>
 
-<file path=ppt/slides/slide36.xml><?xml version="1.0" encoding="utf-8"?>
+<file path=ppt/slides/slide39.xml><?xml version="1.0" encoding="utf-8"?>
 <p:sld xmlns:a="http://schemas.openxmlformats.org/drawingml/2006/main" xmlns:r="http://schemas.openxmlformats.org/officeDocument/2006/relationships" xmlns:p="http://schemas.openxmlformats.org/presentationml/2006/main">
   <p:cSld>
     <p:spTree>
@@ -22701,7 +23859,7 @@
           <a:p>
             <a:fld id="{B8AB1F1C-5B97-FA47-A21B-131B164DAC8F}" type="slidenum">
               <a:rPr lang="en-US" smtClean="0"/>
-              <a:t>35</a:t>
+              <a:t>38</a:t>
             </a:fld>
             <a:endParaRPr lang="en-US"/>
           </a:p>
@@ -23292,158 +24450,6 @@
 </p:sld>
 </file>
 
-<file path=ppt/slides/slide37.xml><?xml version="1.0" encoding="utf-8"?>
-<p:sld xmlns:a="http://schemas.openxmlformats.org/drawingml/2006/main" xmlns:r="http://schemas.openxmlformats.org/officeDocument/2006/relationships" xmlns:p="http://schemas.openxmlformats.org/presentationml/2006/main">
-  <p:cSld>
-    <p:spTree>
-      <p:nvGrpSpPr>
-        <p:cNvPr id="1" name=""/>
-        <p:cNvGrpSpPr/>
-        <p:nvPr/>
-      </p:nvGrpSpPr>
-      <p:grpSpPr>
-        <a:xfrm>
-          <a:off x="0" y="0"/>
-          <a:ext cx="0" cy="0"/>
-          <a:chOff x="0" y="0"/>
-          <a:chExt cx="0" cy="0"/>
-        </a:xfrm>
-      </p:grpSpPr>
-      <p:sp>
-        <p:nvSpPr>
-          <p:cNvPr id="2" name="Title 1">
-            <a:extLst>
-              <a:ext uri="{FF2B5EF4-FFF2-40B4-BE49-F238E27FC236}">
-                <a16:creationId xmlns:a16="http://schemas.microsoft.com/office/drawing/2014/main" id="{71439928-9D42-884E-A942-2DD0F4849B63}"/>
-              </a:ext>
-            </a:extLst>
-          </p:cNvPr>
-          <p:cNvSpPr>
-            <a:spLocks noGrp="1"/>
-          </p:cNvSpPr>
-          <p:nvPr>
-            <p:ph type="title"/>
-          </p:nvPr>
-        </p:nvSpPr>
-        <p:spPr/>
-        <p:txBody>
-          <a:bodyPr/>
-          <a:lstStyle/>
-          <a:p>
-            <a:r>
-              <a:rPr lang="en-US" dirty="0"/>
-              <a:t>defend / avoid Format String Vulnerabilities</a:t>
-            </a:r>
-          </a:p>
-        </p:txBody>
-      </p:sp>
-      <p:sp>
-        <p:nvSpPr>
-          <p:cNvPr id="3" name="Text Placeholder 2">
-            <a:extLst>
-              <a:ext uri="{FF2B5EF4-FFF2-40B4-BE49-F238E27FC236}">
-                <a16:creationId xmlns:a16="http://schemas.microsoft.com/office/drawing/2014/main" id="{A0048C80-AEB0-6C4D-9689-AC81C412EC39}"/>
-              </a:ext>
-            </a:extLst>
-          </p:cNvPr>
-          <p:cNvSpPr>
-            <a:spLocks noGrp="1"/>
-          </p:cNvSpPr>
-          <p:nvPr>
-            <p:ph type="body" idx="1"/>
-          </p:nvPr>
-        </p:nvSpPr>
-        <p:spPr/>
-        <p:txBody>
-          <a:bodyPr anchor="ctr"/>
-          <a:lstStyle/>
-          <a:p>
-            <a:r>
-              <a:rPr lang="en-US" dirty="0"/>
-              <a:t>Make sure that the user cannot provide format string</a:t>
-            </a:r>
-          </a:p>
-          <a:p>
-            <a:endParaRPr lang="en-US" dirty="0"/>
-          </a:p>
-          <a:p>
-            <a:r>
-              <a:rPr lang="en-US" dirty="0" err="1"/>
-              <a:t>printf</a:t>
-            </a:r>
-            <a:r>
-              <a:rPr lang="en-US" dirty="0"/>
-              <a:t>(</a:t>
-            </a:r>
-            <a:r>
-              <a:rPr lang="en-US" dirty="0" err="1"/>
-              <a:t>buf</a:t>
-            </a:r>
-            <a:r>
-              <a:rPr lang="en-US" dirty="0"/>
-              <a:t>); -&gt; </a:t>
-            </a:r>
-            <a:r>
-              <a:rPr lang="en-US" dirty="0" err="1"/>
-              <a:t>printf</a:t>
-            </a:r>
-            <a:r>
-              <a:rPr lang="en-US" dirty="0"/>
-              <a:t>(“%s”, </a:t>
-            </a:r>
-            <a:r>
-              <a:rPr lang="en-US" dirty="0" err="1"/>
-              <a:t>buf</a:t>
-            </a:r>
-            <a:r>
-              <a:rPr lang="en-US" dirty="0"/>
-              <a:t>);</a:t>
-            </a:r>
-          </a:p>
-        </p:txBody>
-      </p:sp>
-      <p:sp>
-        <p:nvSpPr>
-          <p:cNvPr id="4" name="Slide Number Placeholder 3">
-            <a:extLst>
-              <a:ext uri="{FF2B5EF4-FFF2-40B4-BE49-F238E27FC236}">
-                <a16:creationId xmlns:a16="http://schemas.microsoft.com/office/drawing/2014/main" id="{23027819-2026-A743-A606-C2979023A242}"/>
-              </a:ext>
-            </a:extLst>
-          </p:cNvPr>
-          <p:cNvSpPr>
-            <a:spLocks noGrp="1"/>
-          </p:cNvSpPr>
-          <p:nvPr>
-            <p:ph type="sldNum" idx="12"/>
-          </p:nvPr>
-        </p:nvSpPr>
-        <p:spPr/>
-        <p:txBody>
-          <a:bodyPr/>
-          <a:lstStyle/>
-          <a:p>
-            <a:fld id="{B8AB1F1C-5B97-FA47-A21B-131B164DAC8F}" type="slidenum">
-              <a:rPr lang="en-US" smtClean="0"/>
-              <a:t>36</a:t>
-            </a:fld>
-            <a:endParaRPr lang="en-US"/>
-          </a:p>
-        </p:txBody>
-      </p:sp>
-    </p:spTree>
-    <p:extLst>
-      <p:ext uri="{BB962C8B-B14F-4D97-AF65-F5344CB8AC3E}">
-        <p14:creationId xmlns:p14="http://schemas.microsoft.com/office/powerpoint/2010/main" val="2562336009"/>
-      </p:ext>
-    </p:extLst>
-  </p:cSld>
-  <p:clrMapOvr>
-    <a:masterClrMapping/>
-  </p:clrMapOvr>
-</p:sld>
-</file>
-
 <file path=ppt/slides/slide4.xml><?xml version="1.0" encoding="utf-8"?>
 <p:sld xmlns:a="http://schemas.openxmlformats.org/drawingml/2006/main" xmlns:r="http://schemas.openxmlformats.org/officeDocument/2006/relationships" xmlns:p="http://schemas.openxmlformats.org/presentationml/2006/main">
   <p:cSld>
@@ -23463,10 +24469,104 @@
       </p:grpSpPr>
       <p:sp>
         <p:nvSpPr>
+          <p:cNvPr id="4" name="Title 3">
+            <a:extLst>
+              <a:ext uri="{FF2B5EF4-FFF2-40B4-BE49-F238E27FC236}">
+                <a16:creationId xmlns:a16="http://schemas.microsoft.com/office/drawing/2014/main" id="{8D7A321A-FED2-F94D-8F41-C1E55B9599AF}"/>
+              </a:ext>
+            </a:extLst>
+          </p:cNvPr>
+          <p:cNvSpPr>
+            <a:spLocks noGrp="1"/>
+          </p:cNvSpPr>
+          <p:nvPr>
+            <p:ph type="title"/>
+          </p:nvPr>
+        </p:nvSpPr>
+        <p:spPr/>
+        <p:txBody>
+          <a:bodyPr/>
+          <a:lstStyle/>
+          <a:p>
+            <a:r>
+              <a:rPr lang="en-US" dirty="0"/>
+              <a:t>In-class Lab</a:t>
+            </a:r>
+          </a:p>
+        </p:txBody>
+      </p:sp>
+      <p:sp>
+        <p:nvSpPr>
+          <p:cNvPr id="5" name="Text Placeholder 4">
+            <a:extLst>
+              <a:ext uri="{FF2B5EF4-FFF2-40B4-BE49-F238E27FC236}">
+                <a16:creationId xmlns:a16="http://schemas.microsoft.com/office/drawing/2014/main" id="{336200A1-C072-A34B-85D7-3BE28D4DA710}"/>
+              </a:ext>
+            </a:extLst>
+          </p:cNvPr>
+          <p:cNvSpPr>
+            <a:spLocks noGrp="1"/>
+          </p:cNvSpPr>
+          <p:nvPr>
+            <p:ph type="body" idx="1"/>
+          </p:nvPr>
+        </p:nvSpPr>
+        <p:spPr>
+          <a:xfrm>
+            <a:off x="1261221" y="1854428"/>
+            <a:ext cx="9290766" cy="3847374"/>
+          </a:xfrm>
+        </p:spPr>
+        <p:txBody>
+          <a:bodyPr/>
+          <a:lstStyle/>
+          <a:p>
+            <a:pPr marL="50799" indent="0">
+              <a:buNone/>
+            </a:pPr>
+            <a:r>
+              <a:rPr lang="en-US" dirty="0" err="1"/>
+              <a:t>nc</a:t>
+            </a:r>
+            <a:r>
+              <a:rPr lang="en-US" dirty="0"/>
+              <a:t> asu-cse545.com 7777</a:t>
+            </a:r>
+          </a:p>
+          <a:p>
+            <a:pPr marL="50799" indent="0">
+              <a:buNone/>
+            </a:pPr>
+            <a:r>
+              <a:rPr lang="en-US" dirty="0"/>
+              <a:t>Binaries: </a:t>
+            </a:r>
+          </a:p>
+          <a:p>
+            <a:r>
+              <a:rPr lang="en-US" sz="2000" u="sng" dirty="0">
+                <a:hlinkClick r:id="rId2"/>
+              </a:rPr>
+              <a:t>https://www.tiffanybao.com//courses/cse545/labs/week</a:t>
+            </a:r>
+            <a:r>
+              <a:rPr lang="en-US" sz="2000" u="sng" dirty="0"/>
+              <a:t>7/</a:t>
+            </a:r>
+            <a:r>
+              <a:rPr lang="en-US" sz="2000" u="sng" dirty="0" err="1"/>
+              <a:t>format_string</a:t>
+            </a:r>
+            <a:endParaRPr lang="en-US" sz="2000" u="sng" dirty="0"/>
+          </a:p>
+        </p:txBody>
+      </p:sp>
+      <p:sp>
+        <p:nvSpPr>
           <p:cNvPr id="3" name="Slide Number Placeholder 2">
             <a:extLst>
               <a:ext uri="{FF2B5EF4-FFF2-40B4-BE49-F238E27FC236}">
-                <a16:creationId xmlns:a16="http://schemas.microsoft.com/office/drawing/2014/main" id="{414A641F-CA6B-5E4C-9FA8-19A89DC8B907}"/>
+                <a16:creationId xmlns:a16="http://schemas.microsoft.com/office/drawing/2014/main" id="{FB467E52-5585-A645-A6DF-55C7C0DB7E6D}"/>
               </a:ext>
             </a:extLst>
           </p:cNvPr>
@@ -23490,224 +24590,162 @@
           </a:p>
         </p:txBody>
       </p:sp>
-      <p:sp>
-        <p:nvSpPr>
-          <p:cNvPr id="2" name="Rectangle 1">
+    </p:spTree>
+    <p:extLst>
+      <p:ext uri="{BB962C8B-B14F-4D97-AF65-F5344CB8AC3E}">
+        <p14:creationId xmlns:p14="http://schemas.microsoft.com/office/powerpoint/2010/main" val="4066809260"/>
+      </p:ext>
+    </p:extLst>
+  </p:cSld>
+  <p:clrMapOvr>
+    <a:masterClrMapping/>
+  </p:clrMapOvr>
+</p:sld>
+</file>
+
+<file path=ppt/slides/slide40.xml><?xml version="1.0" encoding="utf-8"?>
+<p:sld xmlns:a="http://schemas.openxmlformats.org/drawingml/2006/main" xmlns:r="http://schemas.openxmlformats.org/officeDocument/2006/relationships" xmlns:p="http://schemas.openxmlformats.org/presentationml/2006/main">
+  <p:cSld>
+    <p:spTree>
+      <p:nvGrpSpPr>
+        <p:cNvPr id="1" name=""/>
+        <p:cNvGrpSpPr/>
+        <p:nvPr/>
+      </p:nvGrpSpPr>
+      <p:grpSpPr>
+        <a:xfrm>
+          <a:off x="0" y="0"/>
+          <a:ext cx="0" cy="0"/>
+          <a:chOff x="0" y="0"/>
+          <a:chExt cx="0" cy="0"/>
+        </a:xfrm>
+      </p:grpSpPr>
+      <p:sp>
+        <p:nvSpPr>
+          <p:cNvPr id="2" name="Title 1">
             <a:extLst>
               <a:ext uri="{FF2B5EF4-FFF2-40B4-BE49-F238E27FC236}">
-                <a16:creationId xmlns:a16="http://schemas.microsoft.com/office/drawing/2014/main" id="{986E0EC6-BF41-B04E-87CD-C64BF6C0E7A6}"/>
+                <a16:creationId xmlns:a16="http://schemas.microsoft.com/office/drawing/2014/main" id="{71439928-9D42-884E-A942-2DD0F4849B63}"/>
               </a:ext>
             </a:extLst>
           </p:cNvPr>
-          <p:cNvSpPr/>
-          <p:nvPr/>
-        </p:nvSpPr>
-        <p:spPr>
-          <a:xfrm>
-            <a:off x="3048000" y="2105131"/>
-            <a:ext cx="6096000" cy="2677656"/>
-          </a:xfrm>
-          <a:prstGeom prst="rect">
-            <a:avLst/>
-          </a:prstGeom>
-        </p:spPr>
+          <p:cNvSpPr>
+            <a:spLocks noGrp="1"/>
+          </p:cNvSpPr>
+          <p:nvPr>
+            <p:ph type="title"/>
+          </p:nvPr>
+        </p:nvSpPr>
+        <p:spPr/>
         <p:txBody>
-          <a:bodyPr>
-            <a:spAutoFit/>
-          </a:bodyPr>
+          <a:bodyPr/>
           <a:lstStyle/>
           <a:p>
             <a:r>
-              <a:rPr lang="en-US" sz="2400" dirty="0">
-                <a:solidFill>
-                  <a:srgbClr val="BC7A00"/>
-                </a:solidFill>
-                <a:latin typeface="Courier" pitchFamily="2" charset="0"/>
-              </a:rPr>
-              <a:t>#include</a:t>
-            </a:r>
-            <a:r>
-              <a:rPr lang="en-US" sz="2400" i="1" dirty="0">
-                <a:solidFill>
-                  <a:srgbClr val="408080"/>
-                </a:solidFill>
-                <a:latin typeface="Courier" pitchFamily="2" charset="0"/>
-              </a:rPr>
-              <a:t>&lt;</a:t>
-            </a:r>
-            <a:r>
-              <a:rPr lang="en-US" sz="2400" i="1" dirty="0" err="1">
-                <a:solidFill>
-                  <a:srgbClr val="408080"/>
-                </a:solidFill>
-                <a:latin typeface="Courier" pitchFamily="2" charset="0"/>
-              </a:rPr>
-              <a:t>stdio.h</a:t>
-            </a:r>
-            <a:r>
-              <a:rPr lang="en-US" sz="2400" i="1" dirty="0">
-                <a:solidFill>
-                  <a:srgbClr val="408080"/>
-                </a:solidFill>
-                <a:latin typeface="Courier" pitchFamily="2" charset="0"/>
-              </a:rPr>
-              <a:t>&gt;</a:t>
-            </a:r>
-            <a:endParaRPr lang="en-US" sz="2400" dirty="0">
-              <a:solidFill>
-                <a:srgbClr val="408080"/>
-              </a:solidFill>
-              <a:latin typeface="Courier" pitchFamily="2" charset="0"/>
-            </a:endParaRPr>
-          </a:p>
-          <a:p>
-            <a:br>
-              <a:rPr lang="en-US" sz="2400" dirty="0">
-                <a:latin typeface="Courier" pitchFamily="2" charset="0"/>
-              </a:rPr>
-            </a:br>
-            <a:endParaRPr lang="en-US" sz="2400" dirty="0">
-              <a:latin typeface="Courier" pitchFamily="2" charset="0"/>
-            </a:endParaRPr>
-          </a:p>
-          <a:p>
-            <a:r>
-              <a:rPr lang="en-US" sz="2400" dirty="0">
-                <a:solidFill>
-                  <a:srgbClr val="B00040"/>
-                </a:solidFill>
-                <a:latin typeface="Courier" pitchFamily="2" charset="0"/>
-              </a:rPr>
-              <a:t>int</a:t>
-            </a:r>
-            <a:r>
-              <a:rPr lang="en-US" sz="2400" dirty="0">
-                <a:latin typeface="Courier" pitchFamily="2" charset="0"/>
-              </a:rPr>
-              <a:t> </a:t>
-            </a:r>
-            <a:r>
-              <a:rPr lang="en-US" sz="2400" dirty="0">
-                <a:solidFill>
-                  <a:srgbClr val="0000FF"/>
-                </a:solidFill>
-                <a:latin typeface="Courier" pitchFamily="2" charset="0"/>
-              </a:rPr>
-              <a:t>main</a:t>
-            </a:r>
-            <a:r>
-              <a:rPr lang="en-US" sz="2400" dirty="0">
-                <a:latin typeface="Courier" pitchFamily="2" charset="0"/>
-              </a:rPr>
-              <a:t>(){</a:t>
-            </a:r>
-          </a:p>
-          <a:p>
-            <a:r>
-              <a:rPr lang="en-US" sz="2400" dirty="0">
-                <a:latin typeface="Courier" pitchFamily="2" charset="0"/>
-              </a:rPr>
-              <a:t>  puts(</a:t>
-            </a:r>
-            <a:r>
-              <a:rPr lang="en-US" sz="2400" dirty="0">
-                <a:solidFill>
-                  <a:srgbClr val="BA2121"/>
-                </a:solidFill>
-                <a:latin typeface="Courier" pitchFamily="2" charset="0"/>
-              </a:rPr>
-              <a:t>"Hello World!</a:t>
-            </a:r>
-            <a:r>
-              <a:rPr lang="en-US" sz="2400" b="1" dirty="0">
-                <a:solidFill>
-                  <a:srgbClr val="BB6622"/>
-                </a:solidFill>
-                <a:latin typeface="Courier" pitchFamily="2" charset="0"/>
-              </a:rPr>
-              <a:t>\n</a:t>
-            </a:r>
-            <a:r>
-              <a:rPr lang="en-US" sz="2400" dirty="0">
-                <a:solidFill>
-                  <a:srgbClr val="BA2121"/>
-                </a:solidFill>
-                <a:latin typeface="Courier" pitchFamily="2" charset="0"/>
-              </a:rPr>
-              <a:t>"</a:t>
-            </a:r>
-            <a:r>
-              <a:rPr lang="en-US" sz="2400" dirty="0">
-                <a:latin typeface="Courier" pitchFamily="2" charset="0"/>
-              </a:rPr>
+              <a:rPr lang="en-US" dirty="0"/>
+              <a:t>defend / avoid Format String Vulnerabilities</a:t>
+            </a:r>
+          </a:p>
+        </p:txBody>
+      </p:sp>
+      <p:sp>
+        <p:nvSpPr>
+          <p:cNvPr id="3" name="Text Placeholder 2">
+            <a:extLst>
+              <a:ext uri="{FF2B5EF4-FFF2-40B4-BE49-F238E27FC236}">
+                <a16:creationId xmlns:a16="http://schemas.microsoft.com/office/drawing/2014/main" id="{A0048C80-AEB0-6C4D-9689-AC81C412EC39}"/>
+              </a:ext>
+            </a:extLst>
+          </p:cNvPr>
+          <p:cNvSpPr>
+            <a:spLocks noGrp="1"/>
+          </p:cNvSpPr>
+          <p:nvPr>
+            <p:ph type="body" idx="1"/>
+          </p:nvPr>
+        </p:nvSpPr>
+        <p:spPr/>
+        <p:txBody>
+          <a:bodyPr anchor="ctr"/>
+          <a:lstStyle/>
+          <a:p>
+            <a:r>
+              <a:rPr lang="en-US" dirty="0"/>
+              <a:t>Make sure that the user cannot provide format string</a:t>
+            </a:r>
+          </a:p>
+          <a:p>
+            <a:endParaRPr lang="en-US" dirty="0"/>
+          </a:p>
+          <a:p>
+            <a:r>
+              <a:rPr lang="en-US" dirty="0" err="1"/>
+              <a:t>printf</a:t>
+            </a:r>
+            <a:r>
+              <a:rPr lang="en-US" dirty="0"/>
+              <a:t>(</a:t>
+            </a:r>
+            <a:r>
+              <a:rPr lang="en-US" dirty="0" err="1"/>
+              <a:t>buf</a:t>
+            </a:r>
+            <a:r>
+              <a:rPr lang="en-US" dirty="0"/>
+              <a:t>); -&gt; </a:t>
+            </a:r>
+            <a:r>
+              <a:rPr lang="en-US" dirty="0" err="1"/>
+              <a:t>printf</a:t>
+            </a:r>
+            <a:r>
+              <a:rPr lang="en-US" dirty="0"/>
+              <a:t>(“%s”, </a:t>
+            </a:r>
+            <a:r>
+              <a:rPr lang="en-US" dirty="0" err="1"/>
+              <a:t>buf</a:t>
+            </a:r>
+            <a:r>
+              <a:rPr lang="en-US" dirty="0"/>
               <a:t>);</a:t>
             </a:r>
           </a:p>
-          <a:p>
-            <a:r>
-              <a:rPr lang="en-US" sz="2400" dirty="0">
-                <a:latin typeface="Courier" pitchFamily="2" charset="0"/>
-              </a:rPr>
-              <a:t>  puts(</a:t>
-            </a:r>
-            <a:r>
-              <a:rPr lang="en-US" sz="2400" dirty="0">
-                <a:solidFill>
-                  <a:srgbClr val="BA2121"/>
-                </a:solidFill>
-                <a:latin typeface="Courier" pitchFamily="2" charset="0"/>
-              </a:rPr>
-              <a:t>”This is CSE545.</a:t>
-            </a:r>
-            <a:r>
-              <a:rPr lang="en-US" sz="2400" b="1" dirty="0">
-                <a:solidFill>
-                  <a:srgbClr val="BB6622"/>
-                </a:solidFill>
-                <a:latin typeface="Courier" pitchFamily="2" charset="0"/>
-              </a:rPr>
-              <a:t>\n</a:t>
-            </a:r>
-            <a:r>
-              <a:rPr lang="en-US" sz="2400" dirty="0">
-                <a:solidFill>
-                  <a:srgbClr val="BA2121"/>
-                </a:solidFill>
-                <a:latin typeface="Courier" pitchFamily="2" charset="0"/>
-              </a:rPr>
-              <a:t>"</a:t>
-            </a:r>
-            <a:r>
-              <a:rPr lang="en-US" sz="2400" dirty="0">
-                <a:latin typeface="Courier" pitchFamily="2" charset="0"/>
-              </a:rPr>
-              <a:t>);</a:t>
-            </a:r>
-            <a:endParaRPr lang="en-US" sz="2400" dirty="0">
-              <a:solidFill>
-                <a:srgbClr val="BA2121"/>
-              </a:solidFill>
-              <a:latin typeface="Courier" pitchFamily="2" charset="0"/>
-            </a:endParaRPr>
-          </a:p>
-          <a:p>
-            <a:r>
-              <a:rPr lang="en-US" sz="2400" dirty="0">
-                <a:latin typeface="Courier" pitchFamily="2" charset="0"/>
-              </a:rPr>
-              <a:t>}</a:t>
-            </a:r>
-            <a:endParaRPr lang="en-US" sz="2400" dirty="0">
-              <a:effectLst/>
-              <a:latin typeface="Courier" pitchFamily="2" charset="0"/>
-            </a:endParaRPr>
+        </p:txBody>
+      </p:sp>
+      <p:sp>
+        <p:nvSpPr>
+          <p:cNvPr id="4" name="Slide Number Placeholder 3">
+            <a:extLst>
+              <a:ext uri="{FF2B5EF4-FFF2-40B4-BE49-F238E27FC236}">
+                <a16:creationId xmlns:a16="http://schemas.microsoft.com/office/drawing/2014/main" id="{23027819-2026-A743-A606-C2979023A242}"/>
+              </a:ext>
+            </a:extLst>
+          </p:cNvPr>
+          <p:cNvSpPr>
+            <a:spLocks noGrp="1"/>
+          </p:cNvSpPr>
+          <p:nvPr>
+            <p:ph type="sldNum" idx="12"/>
+          </p:nvPr>
+        </p:nvSpPr>
+        <p:spPr/>
+        <p:txBody>
+          <a:bodyPr/>
+          <a:lstStyle/>
+          <a:p>
+            <a:fld id="{B8AB1F1C-5B97-FA47-A21B-131B164DAC8F}" type="slidenum">
+              <a:rPr lang="en-US" smtClean="0"/>
+              <a:t>39</a:t>
+            </a:fld>
+            <a:endParaRPr lang="en-US"/>
           </a:p>
         </p:txBody>
       </p:sp>
     </p:spTree>
     <p:extLst>
       <p:ext uri="{BB962C8B-B14F-4D97-AF65-F5344CB8AC3E}">
-        <p14:creationId xmlns:p14="http://schemas.microsoft.com/office/powerpoint/2010/main" val="2219650263"/>
+        <p14:creationId xmlns:p14="http://schemas.microsoft.com/office/powerpoint/2010/main" val="2562336009"/>
       </p:ext>
     </p:extLst>
   </p:cSld>
@@ -23736,10 +24774,10 @@
       </p:grpSpPr>
       <p:sp>
         <p:nvSpPr>
-          <p:cNvPr id="2" name="Title 1">
+          <p:cNvPr id="4" name="Title 3">
             <a:extLst>
               <a:ext uri="{FF2B5EF4-FFF2-40B4-BE49-F238E27FC236}">
-                <a16:creationId xmlns:a16="http://schemas.microsoft.com/office/drawing/2014/main" id="{8462583D-5435-F34D-9A98-D219016C1FA7}"/>
+                <a16:creationId xmlns:a16="http://schemas.microsoft.com/office/drawing/2014/main" id="{D0B8703B-4AF7-224A-BC65-D08A797B80CB}"/>
               </a:ext>
             </a:extLst>
           </p:cNvPr>
@@ -23757,17 +24795,17 @@
           <a:p>
             <a:r>
               <a:rPr lang="en-US" dirty="0"/>
-              <a:t>First call:</a:t>
+              <a:t>Overview</a:t>
             </a:r>
           </a:p>
         </p:txBody>
       </p:sp>
       <p:sp>
         <p:nvSpPr>
-          <p:cNvPr id="3" name="Text Placeholder 2">
+          <p:cNvPr id="5" name="Text Placeholder 4">
             <a:extLst>
               <a:ext uri="{FF2B5EF4-FFF2-40B4-BE49-F238E27FC236}">
-                <a16:creationId xmlns:a16="http://schemas.microsoft.com/office/drawing/2014/main" id="{F4D704B6-B0B6-7F48-AB7D-906F516AF2DB}"/>
+                <a16:creationId xmlns:a16="http://schemas.microsoft.com/office/drawing/2014/main" id="{4F65CBB2-E49F-2D4A-9592-CEF3D474D6BE}"/>
               </a:ext>
             </a:extLst>
           </p:cNvPr>
@@ -23783,105 +24821,31 @@
           <a:bodyPr/>
           <a:lstStyle/>
           <a:p>
-            <a:pPr marL="507999" indent="-457200">
-              <a:buAutoNum type="arabicPeriod"/>
-            </a:pPr>
             <a:r>
               <a:rPr lang="en-US" dirty="0"/>
-              <a:t>call puts @ </a:t>
-            </a:r>
-            <a:r>
-              <a:rPr lang="en-US" dirty="0" err="1"/>
-              <a:t>plt</a:t>
-            </a:r>
+              <a:t>Dynamic Linking in ELF Binaries</a:t>
+            </a:r>
+          </a:p>
+          <a:p>
             <a:r>
               <a:rPr lang="en-US" dirty="0"/>
-              <a:t> (0x4003f0)</a:t>
-            </a:r>
-          </a:p>
-          <a:p>
-            <a:pPr marL="507999" indent="-457200">
-              <a:buAutoNum type="arabicPeriod"/>
-            </a:pPr>
+              <a:t>Lab Continued</a:t>
+            </a:r>
+          </a:p>
+          <a:p>
             <a:r>
               <a:rPr lang="en-US" dirty="0"/>
-              <a:t>jump to the location stored in the GOT table (*0x601018)</a:t>
-            </a:r>
-          </a:p>
-          <a:p>
-            <a:pPr marL="507999" indent="-457200">
-              <a:buAutoNum type="arabicPeriod"/>
-            </a:pPr>
-            <a:r>
-              <a:rPr lang="en-US" dirty="0"/>
-              <a:t>jump to the next instruction in puts @ </a:t>
-            </a:r>
-            <a:r>
-              <a:rPr lang="en-US" dirty="0" err="1"/>
-              <a:t>plt</a:t>
-            </a:r>
-            <a:r>
-              <a:rPr lang="en-US" dirty="0"/>
-              <a:t> (0x4003f6)</a:t>
-            </a:r>
-          </a:p>
-          <a:p>
-            <a:pPr marL="507999" indent="-457200">
-              <a:buAutoNum type="arabicPeriod"/>
-            </a:pPr>
-            <a:r>
-              <a:rPr lang="en-US" dirty="0"/>
-              <a:t>jump to _</a:t>
-            </a:r>
-            <a:r>
-              <a:rPr lang="en-US" dirty="0" err="1"/>
-              <a:t>dl_runtime_resolve</a:t>
-            </a:r>
-            <a:r>
-              <a:rPr lang="en-US" dirty="0"/>
-              <a:t> , which is stored in the GOT table (*0x601010)</a:t>
-            </a:r>
-          </a:p>
-          <a:p>
-            <a:pPr marL="507999" indent="-457200">
-              <a:buAutoNum type="arabicPeriod"/>
-            </a:pPr>
-            <a:r>
-              <a:rPr lang="en-US" dirty="0"/>
-              <a:t>run _</a:t>
-            </a:r>
-            <a:r>
-              <a:rPr lang="en-US" dirty="0" err="1"/>
-              <a:t>dl_runtime_resolve</a:t>
-            </a:r>
-            <a:endParaRPr lang="en-US" dirty="0"/>
-          </a:p>
-          <a:p>
-            <a:pPr marL="1117584" lvl="1" indent="-457200">
-              <a:buAutoNum type="arabicPeriod"/>
-            </a:pPr>
-            <a:r>
-              <a:rPr lang="en-US" dirty="0"/>
-              <a:t>store the location of puts() into the GOT table</a:t>
-            </a:r>
-          </a:p>
-          <a:p>
-            <a:pPr marL="1117584" lvl="1" indent="-457200">
-              <a:buAutoNum type="arabicPeriod"/>
-            </a:pPr>
-            <a:r>
-              <a:rPr lang="en-US" dirty="0"/>
-              <a:t>jump to puts()</a:t>
+              <a:t>Format String Vulnerabilities</a:t>
             </a:r>
           </a:p>
         </p:txBody>
       </p:sp>
       <p:sp>
         <p:nvSpPr>
-          <p:cNvPr id="4" name="Slide Number Placeholder 3">
+          <p:cNvPr id="3" name="Slide Number Placeholder 2">
             <a:extLst>
               <a:ext uri="{FF2B5EF4-FFF2-40B4-BE49-F238E27FC236}">
-                <a16:creationId xmlns:a16="http://schemas.microsoft.com/office/drawing/2014/main" id="{DA7BECE5-595C-1045-8225-041A24FE81CA}"/>
+                <a16:creationId xmlns:a16="http://schemas.microsoft.com/office/drawing/2014/main" id="{EDA152BC-8DD3-834E-B0EA-90A0FD0BE790}"/>
               </a:ext>
             </a:extLst>
           </p:cNvPr>
@@ -23908,7 +24872,7 @@
     </p:spTree>
     <p:extLst>
       <p:ext uri="{BB962C8B-B14F-4D97-AF65-F5344CB8AC3E}">
-        <p14:creationId xmlns:p14="http://schemas.microsoft.com/office/powerpoint/2010/main" val="1191227594"/>
+        <p14:creationId xmlns:p14="http://schemas.microsoft.com/office/powerpoint/2010/main" val="928784914"/>
       </p:ext>
     </p:extLst>
   </p:cSld>
@@ -23940,7 +24904,7 @@
           <p:cNvPr id="2" name="Title 1">
             <a:extLst>
               <a:ext uri="{FF2B5EF4-FFF2-40B4-BE49-F238E27FC236}">
-                <a16:creationId xmlns:a16="http://schemas.microsoft.com/office/drawing/2014/main" id="{8462583D-5435-F34D-9A98-D219016C1FA7}"/>
+                <a16:creationId xmlns:a16="http://schemas.microsoft.com/office/drawing/2014/main" id="{13C0B932-4328-D54D-BB14-70E95145688E}"/>
               </a:ext>
             </a:extLst>
           </p:cNvPr>
@@ -23948,75 +24912,27 @@
             <a:spLocks noGrp="1"/>
           </p:cNvSpPr>
           <p:nvPr>
-            <p:ph type="title"/>
+            <p:ph type="ctrTitle"/>
           </p:nvPr>
         </p:nvSpPr>
         <p:spPr/>
         <p:txBody>
-          <a:bodyPr/>
+          <a:bodyPr anchor="ctr"/>
           <a:lstStyle/>
           <a:p>
             <a:r>
               <a:rPr lang="en-US" dirty="0"/>
-              <a:t>Second call:</a:t>
+              <a:t>ELF Dynamic Linking</a:t>
             </a:r>
           </a:p>
         </p:txBody>
       </p:sp>
       <p:sp>
         <p:nvSpPr>
-          <p:cNvPr id="3" name="Text Placeholder 2">
+          <p:cNvPr id="3" name="Slide Number Placeholder 2">
             <a:extLst>
               <a:ext uri="{FF2B5EF4-FFF2-40B4-BE49-F238E27FC236}">
-                <a16:creationId xmlns:a16="http://schemas.microsoft.com/office/drawing/2014/main" id="{F4D704B6-B0B6-7F48-AB7D-906F516AF2DB}"/>
-              </a:ext>
-            </a:extLst>
-          </p:cNvPr>
-          <p:cNvSpPr>
-            <a:spLocks noGrp="1"/>
-          </p:cNvSpPr>
-          <p:nvPr>
-            <p:ph type="body" idx="1"/>
-          </p:nvPr>
-        </p:nvSpPr>
-        <p:spPr/>
-        <p:txBody>
-          <a:bodyPr/>
-          <a:lstStyle/>
-          <a:p>
-            <a:pPr marL="507999" indent="-457200">
-              <a:buAutoNum type="arabicPeriod"/>
-            </a:pPr>
-            <a:r>
-              <a:rPr lang="en-US" dirty="0"/>
-              <a:t>call puts @ </a:t>
-            </a:r>
-            <a:r>
-              <a:rPr lang="en-US" dirty="0" err="1"/>
-              <a:t>plt</a:t>
-            </a:r>
-            <a:r>
-              <a:rPr lang="en-US" dirty="0"/>
-              <a:t> (0x4003f0)</a:t>
-            </a:r>
-          </a:p>
-          <a:p>
-            <a:pPr marL="507999" indent="-457200">
-              <a:buAutoNum type="arabicPeriod"/>
-            </a:pPr>
-            <a:r>
-              <a:rPr lang="en-US" dirty="0"/>
-              <a:t>jump to the location stored in the GOT table (*0x601018), which is the start of puts()</a:t>
-            </a:r>
-          </a:p>
-        </p:txBody>
-      </p:sp>
-      <p:sp>
-        <p:nvSpPr>
-          <p:cNvPr id="4" name="Slide Number Placeholder 3">
-            <a:extLst>
-              <a:ext uri="{FF2B5EF4-FFF2-40B4-BE49-F238E27FC236}">
-                <a16:creationId xmlns:a16="http://schemas.microsoft.com/office/drawing/2014/main" id="{DA7BECE5-595C-1045-8225-041A24FE81CA}"/>
+                <a16:creationId xmlns:a16="http://schemas.microsoft.com/office/drawing/2014/main" id="{A020F21D-7E06-BF44-9C9E-C16B25875649}"/>
               </a:ext>
             </a:extLst>
           </p:cNvPr>
@@ -24043,7 +24959,7 @@
     </p:spTree>
     <p:extLst>
       <p:ext uri="{BB962C8B-B14F-4D97-AF65-F5344CB8AC3E}">
-        <p14:creationId xmlns:p14="http://schemas.microsoft.com/office/powerpoint/2010/main" val="297565091"/>
+        <p14:creationId xmlns:p14="http://schemas.microsoft.com/office/powerpoint/2010/main" val="823755178"/>
       </p:ext>
     </p:extLst>
   </p:cSld>
@@ -24072,72 +24988,10 @@
       </p:grpSpPr>
       <p:sp>
         <p:nvSpPr>
-          <p:cNvPr id="2" name="Title 1">
+          <p:cNvPr id="3" name="Slide Number Placeholder 2">
             <a:extLst>
               <a:ext uri="{FF2B5EF4-FFF2-40B4-BE49-F238E27FC236}">
-                <a16:creationId xmlns:a16="http://schemas.microsoft.com/office/drawing/2014/main" id="{B05514D0-4171-4740-AD69-B2089304C68E}"/>
-              </a:ext>
-            </a:extLst>
-          </p:cNvPr>
-          <p:cNvSpPr>
-            <a:spLocks noGrp="1"/>
-          </p:cNvSpPr>
-          <p:nvPr>
-            <p:ph type="title"/>
-          </p:nvPr>
-        </p:nvSpPr>
-        <p:spPr/>
-        <p:txBody>
-          <a:bodyPr/>
-          <a:lstStyle/>
-          <a:p>
-            <a:r>
-              <a:rPr lang="en-US" dirty="0"/>
-              <a:t>Security concern of Dynamic Linking</a:t>
-            </a:r>
-          </a:p>
-        </p:txBody>
-      </p:sp>
-      <p:sp>
-        <p:nvSpPr>
-          <p:cNvPr id="3" name="Text Placeholder 2">
-            <a:extLst>
-              <a:ext uri="{FF2B5EF4-FFF2-40B4-BE49-F238E27FC236}">
-                <a16:creationId xmlns:a16="http://schemas.microsoft.com/office/drawing/2014/main" id="{76247395-48E7-4D4A-BB88-25F337D8E180}"/>
-              </a:ext>
-            </a:extLst>
-          </p:cNvPr>
-          <p:cNvSpPr>
-            <a:spLocks noGrp="1"/>
-          </p:cNvSpPr>
-          <p:nvPr>
-            <p:ph type="body" idx="1"/>
-          </p:nvPr>
-        </p:nvSpPr>
-        <p:spPr/>
-        <p:txBody>
-          <a:bodyPr/>
-          <a:lstStyle/>
-          <a:p>
-            <a:r>
-              <a:rPr lang="en-US" dirty="0"/>
-              <a:t>Overwrite GOT entry</a:t>
-            </a:r>
-          </a:p>
-          <a:p>
-            <a:r>
-              <a:rPr lang="en-US" dirty="0"/>
-              <a:t>Leak the address of a function pointer</a:t>
-            </a:r>
-          </a:p>
-        </p:txBody>
-      </p:sp>
-      <p:sp>
-        <p:nvSpPr>
-          <p:cNvPr id="4" name="Slide Number Placeholder 3">
-            <a:extLst>
-              <a:ext uri="{FF2B5EF4-FFF2-40B4-BE49-F238E27FC236}">
-                <a16:creationId xmlns:a16="http://schemas.microsoft.com/office/drawing/2014/main" id="{B78D513E-07DC-D046-82D3-C75544428974}"/>
+                <a16:creationId xmlns:a16="http://schemas.microsoft.com/office/drawing/2014/main" id="{414A641F-CA6B-5E4C-9FA8-19A89DC8B907}"/>
               </a:ext>
             </a:extLst>
           </p:cNvPr>
@@ -24161,10 +25015,224 @@
           </a:p>
         </p:txBody>
       </p:sp>
+      <p:sp>
+        <p:nvSpPr>
+          <p:cNvPr id="2" name="Rectangle 1">
+            <a:extLst>
+              <a:ext uri="{FF2B5EF4-FFF2-40B4-BE49-F238E27FC236}">
+                <a16:creationId xmlns:a16="http://schemas.microsoft.com/office/drawing/2014/main" id="{986E0EC6-BF41-B04E-87CD-C64BF6C0E7A6}"/>
+              </a:ext>
+            </a:extLst>
+          </p:cNvPr>
+          <p:cNvSpPr/>
+          <p:nvPr/>
+        </p:nvSpPr>
+        <p:spPr>
+          <a:xfrm>
+            <a:off x="3048000" y="2105131"/>
+            <a:ext cx="6096000" cy="2677656"/>
+          </a:xfrm>
+          <a:prstGeom prst="rect">
+            <a:avLst/>
+          </a:prstGeom>
+        </p:spPr>
+        <p:txBody>
+          <a:bodyPr>
+            <a:spAutoFit/>
+          </a:bodyPr>
+          <a:lstStyle/>
+          <a:p>
+            <a:r>
+              <a:rPr lang="en-US" sz="2400" dirty="0">
+                <a:solidFill>
+                  <a:srgbClr val="BC7A00"/>
+                </a:solidFill>
+                <a:latin typeface="Courier" pitchFamily="2" charset="0"/>
+              </a:rPr>
+              <a:t>#include</a:t>
+            </a:r>
+            <a:r>
+              <a:rPr lang="en-US" sz="2400" i="1" dirty="0">
+                <a:solidFill>
+                  <a:srgbClr val="408080"/>
+                </a:solidFill>
+                <a:latin typeface="Courier" pitchFamily="2" charset="0"/>
+              </a:rPr>
+              <a:t>&lt;</a:t>
+            </a:r>
+            <a:r>
+              <a:rPr lang="en-US" sz="2400" i="1" dirty="0" err="1">
+                <a:solidFill>
+                  <a:srgbClr val="408080"/>
+                </a:solidFill>
+                <a:latin typeface="Courier" pitchFamily="2" charset="0"/>
+              </a:rPr>
+              <a:t>stdio.h</a:t>
+            </a:r>
+            <a:r>
+              <a:rPr lang="en-US" sz="2400" i="1" dirty="0">
+                <a:solidFill>
+                  <a:srgbClr val="408080"/>
+                </a:solidFill>
+                <a:latin typeface="Courier" pitchFamily="2" charset="0"/>
+              </a:rPr>
+              <a:t>&gt;</a:t>
+            </a:r>
+            <a:endParaRPr lang="en-US" sz="2400" dirty="0">
+              <a:solidFill>
+                <a:srgbClr val="408080"/>
+              </a:solidFill>
+              <a:latin typeface="Courier" pitchFamily="2" charset="0"/>
+            </a:endParaRPr>
+          </a:p>
+          <a:p>
+            <a:br>
+              <a:rPr lang="en-US" sz="2400" dirty="0">
+                <a:latin typeface="Courier" pitchFamily="2" charset="0"/>
+              </a:rPr>
+            </a:br>
+            <a:endParaRPr lang="en-US" sz="2400" dirty="0">
+              <a:latin typeface="Courier" pitchFamily="2" charset="0"/>
+            </a:endParaRPr>
+          </a:p>
+          <a:p>
+            <a:r>
+              <a:rPr lang="en-US" sz="2400" dirty="0">
+                <a:solidFill>
+                  <a:srgbClr val="B00040"/>
+                </a:solidFill>
+                <a:latin typeface="Courier" pitchFamily="2" charset="0"/>
+              </a:rPr>
+              <a:t>int</a:t>
+            </a:r>
+            <a:r>
+              <a:rPr lang="en-US" sz="2400" dirty="0">
+                <a:latin typeface="Courier" pitchFamily="2" charset="0"/>
+              </a:rPr>
+              <a:t> </a:t>
+            </a:r>
+            <a:r>
+              <a:rPr lang="en-US" sz="2400" dirty="0">
+                <a:solidFill>
+                  <a:srgbClr val="0000FF"/>
+                </a:solidFill>
+                <a:latin typeface="Courier" pitchFamily="2" charset="0"/>
+              </a:rPr>
+              <a:t>main</a:t>
+            </a:r>
+            <a:r>
+              <a:rPr lang="en-US" sz="2400" dirty="0">
+                <a:latin typeface="Courier" pitchFamily="2" charset="0"/>
+              </a:rPr>
+              <a:t>(){</a:t>
+            </a:r>
+          </a:p>
+          <a:p>
+            <a:r>
+              <a:rPr lang="en-US" sz="2400" dirty="0">
+                <a:latin typeface="Courier" pitchFamily="2" charset="0"/>
+              </a:rPr>
+              <a:t>  puts(</a:t>
+            </a:r>
+            <a:r>
+              <a:rPr lang="en-US" sz="2400" dirty="0">
+                <a:solidFill>
+                  <a:srgbClr val="BA2121"/>
+                </a:solidFill>
+                <a:latin typeface="Courier" pitchFamily="2" charset="0"/>
+              </a:rPr>
+              <a:t>"Hello World!</a:t>
+            </a:r>
+            <a:r>
+              <a:rPr lang="en-US" sz="2400" b="1" dirty="0">
+                <a:solidFill>
+                  <a:srgbClr val="BB6622"/>
+                </a:solidFill>
+                <a:latin typeface="Courier" pitchFamily="2" charset="0"/>
+              </a:rPr>
+              <a:t>\n</a:t>
+            </a:r>
+            <a:r>
+              <a:rPr lang="en-US" sz="2400" dirty="0">
+                <a:solidFill>
+                  <a:srgbClr val="BA2121"/>
+                </a:solidFill>
+                <a:latin typeface="Courier" pitchFamily="2" charset="0"/>
+              </a:rPr>
+              <a:t>"</a:t>
+            </a:r>
+            <a:r>
+              <a:rPr lang="en-US" sz="2400" dirty="0">
+                <a:latin typeface="Courier" pitchFamily="2" charset="0"/>
+              </a:rPr>
+              <a:t>);</a:t>
+            </a:r>
+          </a:p>
+          <a:p>
+            <a:r>
+              <a:rPr lang="en-US" sz="2400" dirty="0">
+                <a:latin typeface="Courier" pitchFamily="2" charset="0"/>
+              </a:rPr>
+              <a:t>  puts(</a:t>
+            </a:r>
+            <a:r>
+              <a:rPr lang="en-US" sz="2400" dirty="0">
+                <a:solidFill>
+                  <a:srgbClr val="BA2121"/>
+                </a:solidFill>
+                <a:latin typeface="Courier" pitchFamily="2" charset="0"/>
+              </a:rPr>
+              <a:t>”This is CSE545.</a:t>
+            </a:r>
+            <a:r>
+              <a:rPr lang="en-US" sz="2400" b="1" dirty="0">
+                <a:solidFill>
+                  <a:srgbClr val="BB6622"/>
+                </a:solidFill>
+                <a:latin typeface="Courier" pitchFamily="2" charset="0"/>
+              </a:rPr>
+              <a:t>\n</a:t>
+            </a:r>
+            <a:r>
+              <a:rPr lang="en-US" sz="2400" dirty="0">
+                <a:solidFill>
+                  <a:srgbClr val="BA2121"/>
+                </a:solidFill>
+                <a:latin typeface="Courier" pitchFamily="2" charset="0"/>
+              </a:rPr>
+              <a:t>"</a:t>
+            </a:r>
+            <a:r>
+              <a:rPr lang="en-US" sz="2400" dirty="0">
+                <a:latin typeface="Courier" pitchFamily="2" charset="0"/>
+              </a:rPr>
+              <a:t>);</a:t>
+            </a:r>
+            <a:endParaRPr lang="en-US" sz="2400" dirty="0">
+              <a:solidFill>
+                <a:srgbClr val="BA2121"/>
+              </a:solidFill>
+              <a:latin typeface="Courier" pitchFamily="2" charset="0"/>
+            </a:endParaRPr>
+          </a:p>
+          <a:p>
+            <a:r>
+              <a:rPr lang="en-US" sz="2400" dirty="0">
+                <a:latin typeface="Courier" pitchFamily="2" charset="0"/>
+              </a:rPr>
+              <a:t>}</a:t>
+            </a:r>
+            <a:endParaRPr lang="en-US" sz="2400" dirty="0">
+              <a:effectLst/>
+              <a:latin typeface="Courier" pitchFamily="2" charset="0"/>
+            </a:endParaRPr>
+          </a:p>
+        </p:txBody>
+      </p:sp>
     </p:spTree>
     <p:extLst>
       <p:ext uri="{BB962C8B-B14F-4D97-AF65-F5344CB8AC3E}">
-        <p14:creationId xmlns:p14="http://schemas.microsoft.com/office/powerpoint/2010/main" val="2452019603"/>
+        <p14:creationId xmlns:p14="http://schemas.microsoft.com/office/powerpoint/2010/main" val="2219650263"/>
       </p:ext>
     </p:extLst>
   </p:cSld>
@@ -24196,7 +25264,7 @@
           <p:cNvPr id="2" name="Title 1">
             <a:extLst>
               <a:ext uri="{FF2B5EF4-FFF2-40B4-BE49-F238E27FC236}">
-                <a16:creationId xmlns:a16="http://schemas.microsoft.com/office/drawing/2014/main" id="{13C0B932-4328-D54D-BB14-70E95145688E}"/>
+                <a16:creationId xmlns:a16="http://schemas.microsoft.com/office/drawing/2014/main" id="{8462583D-5435-F34D-9A98-D219016C1FA7}"/>
               </a:ext>
             </a:extLst>
           </p:cNvPr>
@@ -24204,42 +25272,141 @@
             <a:spLocks noGrp="1"/>
           </p:cNvSpPr>
           <p:nvPr>
-            <p:ph type="ctrTitle"/>
+            <p:ph type="title"/>
           </p:nvPr>
         </p:nvSpPr>
         <p:spPr/>
         <p:txBody>
-          <a:bodyPr anchor="ctr"/>
+          <a:bodyPr/>
           <a:lstStyle/>
           <a:p>
             <a:r>
               <a:rPr lang="en-US" dirty="0"/>
-              <a:t>Leaking </a:t>
-            </a:r>
-            <a:r>
-              <a:rPr lang="en-US" dirty="0" err="1"/>
-              <a:t>Libc</a:t>
-            </a:r>
-            <a:r>
-              <a:rPr lang="en-US" dirty="0"/>
-              <a:t> Base</a:t>
-            </a:r>
-            <a:br>
-              <a:rPr lang="en-US" dirty="0"/>
-            </a:br>
-            <a:r>
-              <a:rPr lang="en-US" dirty="0"/>
-              <a:t>via GOT Table</a:t>
+              <a:t>First call:</a:t>
             </a:r>
           </a:p>
         </p:txBody>
       </p:sp>
       <p:sp>
         <p:nvSpPr>
-          <p:cNvPr id="3" name="Slide Number Placeholder 2">
+          <p:cNvPr id="3" name="Text Placeholder 2">
             <a:extLst>
               <a:ext uri="{FF2B5EF4-FFF2-40B4-BE49-F238E27FC236}">
-                <a16:creationId xmlns:a16="http://schemas.microsoft.com/office/drawing/2014/main" id="{A020F21D-7E06-BF44-9C9E-C16B25875649}"/>
+                <a16:creationId xmlns:a16="http://schemas.microsoft.com/office/drawing/2014/main" id="{F4D704B6-B0B6-7F48-AB7D-906F516AF2DB}"/>
+              </a:ext>
+            </a:extLst>
+          </p:cNvPr>
+          <p:cNvSpPr>
+            <a:spLocks noGrp="1"/>
+          </p:cNvSpPr>
+          <p:nvPr>
+            <p:ph type="body" idx="1"/>
+          </p:nvPr>
+        </p:nvSpPr>
+        <p:spPr/>
+        <p:txBody>
+          <a:bodyPr/>
+          <a:lstStyle/>
+          <a:p>
+            <a:pPr marL="507999" indent="-457200">
+              <a:buAutoNum type="arabicPeriod"/>
+            </a:pPr>
+            <a:r>
+              <a:rPr lang="en-US" dirty="0"/>
+              <a:t>call puts @ </a:t>
+            </a:r>
+            <a:r>
+              <a:rPr lang="en-US" dirty="0" err="1"/>
+              <a:t>plt</a:t>
+            </a:r>
+            <a:r>
+              <a:rPr lang="en-US" dirty="0"/>
+              <a:t> (0x4003f0)</a:t>
+            </a:r>
+          </a:p>
+          <a:p>
+            <a:pPr marL="507999" indent="-457200">
+              <a:buAutoNum type="arabicPeriod"/>
+            </a:pPr>
+            <a:r>
+              <a:rPr lang="en-US" dirty="0"/>
+              <a:t>jump to the location stored in the GOT table (*0x601018)</a:t>
+            </a:r>
+          </a:p>
+          <a:p>
+            <a:pPr marL="507999" indent="-457200">
+              <a:buAutoNum type="arabicPeriod"/>
+            </a:pPr>
+            <a:r>
+              <a:rPr lang="en-US" dirty="0"/>
+              <a:t>jump to the next instruction in puts @ </a:t>
+            </a:r>
+            <a:r>
+              <a:rPr lang="en-US" dirty="0" err="1"/>
+              <a:t>plt</a:t>
+            </a:r>
+            <a:r>
+              <a:rPr lang="en-US" dirty="0"/>
+              <a:t> (0x4003f6)</a:t>
+            </a:r>
+          </a:p>
+          <a:p>
+            <a:pPr marL="507999" indent="-457200">
+              <a:buAutoNum type="arabicPeriod"/>
+            </a:pPr>
+            <a:r>
+              <a:rPr lang="en-US" dirty="0"/>
+              <a:t>jump to _</a:t>
+            </a:r>
+            <a:r>
+              <a:rPr lang="en-US" dirty="0" err="1"/>
+              <a:t>dl_runtime_resolve</a:t>
+            </a:r>
+            <a:r>
+              <a:rPr lang="en-US" dirty="0"/>
+              <a:t> , which is stored in the GOT table (*0x601010)</a:t>
+            </a:r>
+          </a:p>
+          <a:p>
+            <a:pPr marL="507999" indent="-457200">
+              <a:buAutoNum type="arabicPeriod"/>
+            </a:pPr>
+            <a:r>
+              <a:rPr lang="en-US" dirty="0"/>
+              <a:t>run _</a:t>
+            </a:r>
+            <a:r>
+              <a:rPr lang="en-US" dirty="0" err="1"/>
+              <a:t>dl_runtime_resolve</a:t>
+            </a:r>
+            <a:endParaRPr lang="en-US" dirty="0"/>
+          </a:p>
+          <a:p>
+            <a:pPr marL="1117584" lvl="1" indent="-457200">
+              <a:buAutoNum type="arabicPeriod"/>
+            </a:pPr>
+            <a:r>
+              <a:rPr lang="en-US" dirty="0"/>
+              <a:t>store the location of puts() into the GOT table</a:t>
+            </a:r>
+          </a:p>
+          <a:p>
+            <a:pPr marL="1117584" lvl="1" indent="-457200">
+              <a:buAutoNum type="arabicPeriod"/>
+            </a:pPr>
+            <a:r>
+              <a:rPr lang="en-US" dirty="0"/>
+              <a:t>jump to puts()</a:t>
+            </a:r>
+          </a:p>
+        </p:txBody>
+      </p:sp>
+      <p:sp>
+        <p:nvSpPr>
+          <p:cNvPr id="4" name="Slide Number Placeholder 3">
+            <a:extLst>
+              <a:ext uri="{FF2B5EF4-FFF2-40B4-BE49-F238E27FC236}">
+                <a16:creationId xmlns:a16="http://schemas.microsoft.com/office/drawing/2014/main" id="{DA7BECE5-595C-1045-8225-041A24FE81CA}"/>
               </a:ext>
             </a:extLst>
           </p:cNvPr>
@@ -24266,7 +25433,7 @@
     </p:spTree>
     <p:extLst>
       <p:ext uri="{BB962C8B-B14F-4D97-AF65-F5344CB8AC3E}">
-        <p14:creationId xmlns:p14="http://schemas.microsoft.com/office/powerpoint/2010/main" val="2429403378"/>
+        <p14:creationId xmlns:p14="http://schemas.microsoft.com/office/powerpoint/2010/main" val="1191227594"/>
       </p:ext>
     </p:extLst>
   </p:cSld>
@@ -24298,7 +25465,7 @@
           <p:cNvPr id="2" name="Title 1">
             <a:extLst>
               <a:ext uri="{FF2B5EF4-FFF2-40B4-BE49-F238E27FC236}">
-                <a16:creationId xmlns:a16="http://schemas.microsoft.com/office/drawing/2014/main" id="{13C0B932-4328-D54D-BB14-70E95145688E}"/>
+                <a16:creationId xmlns:a16="http://schemas.microsoft.com/office/drawing/2014/main" id="{8462583D-5435-F34D-9A98-D219016C1FA7}"/>
               </a:ext>
             </a:extLst>
           </p:cNvPr>
@@ -24306,27 +25473,75 @@
             <a:spLocks noGrp="1"/>
           </p:cNvSpPr>
           <p:nvPr>
-            <p:ph type="ctrTitle"/>
+            <p:ph type="title"/>
           </p:nvPr>
         </p:nvSpPr>
         <p:spPr/>
         <p:txBody>
-          <a:bodyPr anchor="ctr"/>
+          <a:bodyPr/>
           <a:lstStyle/>
           <a:p>
             <a:r>
               <a:rPr lang="en-US" dirty="0"/>
-              <a:t>Format String Vulnerabilities</a:t>
+              <a:t>Second call:</a:t>
             </a:r>
           </a:p>
         </p:txBody>
       </p:sp>
       <p:sp>
         <p:nvSpPr>
-          <p:cNvPr id="3" name="Slide Number Placeholder 2">
+          <p:cNvPr id="3" name="Text Placeholder 2">
             <a:extLst>
               <a:ext uri="{FF2B5EF4-FFF2-40B4-BE49-F238E27FC236}">
-                <a16:creationId xmlns:a16="http://schemas.microsoft.com/office/drawing/2014/main" id="{A020F21D-7E06-BF44-9C9E-C16B25875649}"/>
+                <a16:creationId xmlns:a16="http://schemas.microsoft.com/office/drawing/2014/main" id="{F4D704B6-B0B6-7F48-AB7D-906F516AF2DB}"/>
+              </a:ext>
+            </a:extLst>
+          </p:cNvPr>
+          <p:cNvSpPr>
+            <a:spLocks noGrp="1"/>
+          </p:cNvSpPr>
+          <p:nvPr>
+            <p:ph type="body" idx="1"/>
+          </p:nvPr>
+        </p:nvSpPr>
+        <p:spPr/>
+        <p:txBody>
+          <a:bodyPr/>
+          <a:lstStyle/>
+          <a:p>
+            <a:pPr marL="507999" indent="-457200">
+              <a:buAutoNum type="arabicPeriod"/>
+            </a:pPr>
+            <a:r>
+              <a:rPr lang="en-US" dirty="0"/>
+              <a:t>call puts @ </a:t>
+            </a:r>
+            <a:r>
+              <a:rPr lang="en-US" dirty="0" err="1"/>
+              <a:t>plt</a:t>
+            </a:r>
+            <a:r>
+              <a:rPr lang="en-US" dirty="0"/>
+              <a:t> (0x4003f0)</a:t>
+            </a:r>
+          </a:p>
+          <a:p>
+            <a:pPr marL="507999" indent="-457200">
+              <a:buAutoNum type="arabicPeriod"/>
+            </a:pPr>
+            <a:r>
+              <a:rPr lang="en-US" dirty="0"/>
+              <a:t>jump to the location stored in the GOT table (*0x601018), which is the start of puts()</a:t>
+            </a:r>
+          </a:p>
+        </p:txBody>
+      </p:sp>
+      <p:sp>
+        <p:nvSpPr>
+          <p:cNvPr id="4" name="Slide Number Placeholder 3">
+            <a:extLst>
+              <a:ext uri="{FF2B5EF4-FFF2-40B4-BE49-F238E27FC236}">
+                <a16:creationId xmlns:a16="http://schemas.microsoft.com/office/drawing/2014/main" id="{DA7BECE5-595C-1045-8225-041A24FE81CA}"/>
               </a:ext>
             </a:extLst>
           </p:cNvPr>
@@ -24353,7 +25568,7 @@
     </p:spTree>
     <p:extLst>
       <p:ext uri="{BB962C8B-B14F-4D97-AF65-F5344CB8AC3E}">
-        <p14:creationId xmlns:p14="http://schemas.microsoft.com/office/powerpoint/2010/main" val="2054833304"/>
+        <p14:creationId xmlns:p14="http://schemas.microsoft.com/office/powerpoint/2010/main" val="297565091"/>
       </p:ext>
     </p:extLst>
   </p:cSld>

--- a/courses/cse545/slides/07-vulns-3.pptx
+++ b/courses/cse545/slides/07-vulns-3.pptx
@@ -370,7 +370,7 @@
           <a:p>
             <a:fld id="{F3AB0295-79D2-9643-8380-6C60B57E0778}" type="datetimeFigureOut">
               <a:rPr lang="en-US" smtClean="0"/>
-              <a:t>10/8/20</a:t>
+              <a:t>10/29/20</a:t>
             </a:fld>
             <a:endParaRPr lang="en-US"/>
           </a:p>
